--- a/ppt/aspnet-workshop.pptx
+++ b/ppt/aspnet-workshop.pptx
@@ -1,11 +1,11 @@
 
 <file path=ppt/presentation.xml><?xml version="1.0" encoding="utf-8"?>
-<p:presentation xmlns:a="http://schemas.openxmlformats.org/drawingml/2006/main" xmlns:r="http://schemas.openxmlformats.org/officeDocument/2006/relationships" xmlns:p="http://schemas.openxmlformats.org/presentationml/2006/main" saveSubsetFonts="1">
+<p:presentation xmlns:a="http://schemas.openxmlformats.org/drawingml/2006/main" xmlns:r="http://schemas.openxmlformats.org/officeDocument/2006/relationships" xmlns:p="http://schemas.openxmlformats.org/presentationml/2006/main" showSpecialPlsOnTitleSld="0" saveSubsetFonts="1">
   <p:sldMasterIdLst>
     <p:sldMasterId id="2147483648" r:id="rId1"/>
   </p:sldMasterIdLst>
   <p:notesMasterIdLst>
-    <p:notesMasterId r:id="rId21"/>
+    <p:notesMasterId r:id="rId22"/>
   </p:notesMasterIdLst>
   <p:sldIdLst>
     <p:sldId id="256" r:id="rId2"/>
@@ -24,9 +24,10 @@
     <p:sldId id="269" r:id="rId15"/>
     <p:sldId id="270" r:id="rId16"/>
     <p:sldId id="271" r:id="rId17"/>
-    <p:sldId id="272" r:id="rId18"/>
-    <p:sldId id="274" r:id="rId19"/>
+    <p:sldId id="274" r:id="rId18"/>
+    <p:sldId id="272" r:id="rId19"/>
     <p:sldId id="273" r:id="rId20"/>
+    <p:sldId id="275" r:id="rId21"/>
   </p:sldIdLst>
   <p:sldSz cx="9144000" cy="6858000" type="screen4x3"/>
   <p:notesSz cx="6858000" cy="9144000"/>
@@ -125,6 +126,11 @@
       </a:defRPr>
     </a:lvl9pPr>
   </p:defaultTextStyle>
+  <p:extLst>
+    <p:ext uri="{EFAFB233-063F-42B5-8137-9DF3F51BA10A}">
+      <p15:sldGuideLst xmlns:p15="http://schemas.microsoft.com/office/powerpoint/2012/main"/>
+    </p:ext>
+  </p:extLst>
 </p:presentation>
 </file>
 
@@ -210,7 +216,7 @@
           <a:p>
             <a:fld id="{4614EB7C-3D23-474B-8548-FB8589D9D05E}" type="datetimeFigureOut">
               <a:rPr lang="pt-PT" smtClean="0"/>
-              <a:t>04/05/2015</a:t>
+              <a:t>05/05/2015</a:t>
             </a:fld>
             <a:endParaRPr lang="pt-PT"/>
           </a:p>
@@ -522,140 +528,7 @@
           <a:bodyPr/>
           <a:lstStyle/>
           <a:p>
-            <a:pPr marL="171450" indent="-171450">
-              <a:buFontTx/>
-              <a:buChar char="-"/>
-            </a:pPr>
-            <a:r>
-              <a:rPr lang="pt-PT" dirty="0" smtClean="0"/>
-              <a:t>Criar um projeto MVC 4 Basic</a:t>
-            </a:r>
-          </a:p>
-          <a:p>
-            <a:pPr marL="171450" indent="-171450">
-              <a:buFontTx/>
-              <a:buChar char="-"/>
-            </a:pPr>
-            <a:r>
-              <a:rPr lang="pt-PT" dirty="0" smtClean="0"/>
-              <a:t>Colocar a correr e mostrar o erro</a:t>
-            </a:r>
-          </a:p>
-          <a:p>
-            <a:pPr marL="171450" indent="-171450">
-              <a:buFontTx/>
-              <a:buChar char="-"/>
-            </a:pPr>
-            <a:r>
-              <a:rPr lang="pt-PT" dirty="0" smtClean="0"/>
-              <a:t>Criar o </a:t>
-            </a:r>
-            <a:r>
-              <a:rPr lang="pt-PT" dirty="0" err="1" smtClean="0"/>
-              <a:t>controller</a:t>
-            </a:r>
-            <a:r>
-              <a:rPr lang="pt-PT" dirty="0" smtClean="0"/>
-              <a:t> </a:t>
-            </a:r>
-            <a:r>
-              <a:rPr lang="pt-PT" dirty="0" err="1" smtClean="0"/>
-              <a:t>Home</a:t>
-            </a:r>
-            <a:endParaRPr lang="pt-PT" dirty="0" smtClean="0"/>
-          </a:p>
-          <a:p>
-            <a:pPr marL="171450" indent="-171450">
-              <a:buFontTx/>
-              <a:buChar char="-"/>
-            </a:pPr>
-            <a:r>
-              <a:rPr lang="pt-PT" dirty="0" smtClean="0"/>
-              <a:t>Mostrar o erro</a:t>
-            </a:r>
-          </a:p>
-          <a:p>
-            <a:pPr marL="171450" indent="-171450">
-              <a:buFontTx/>
-              <a:buChar char="-"/>
-            </a:pPr>
-            <a:r>
-              <a:rPr lang="pt-PT" dirty="0" smtClean="0"/>
-              <a:t>Criar a </a:t>
-            </a:r>
-            <a:r>
-              <a:rPr lang="pt-PT" dirty="0" err="1" smtClean="0"/>
-              <a:t>view</a:t>
-            </a:r>
-            <a:r>
-              <a:rPr lang="pt-PT" dirty="0" smtClean="0"/>
-              <a:t> </a:t>
-            </a:r>
-            <a:r>
-              <a:rPr lang="pt-PT" dirty="0" err="1" smtClean="0"/>
-              <a:t>Index</a:t>
-            </a:r>
-            <a:endParaRPr lang="pt-PT" dirty="0" smtClean="0"/>
-          </a:p>
-          <a:p>
-            <a:pPr marL="171450" indent="-171450">
-              <a:buFontTx/>
-              <a:buChar char="-"/>
-            </a:pPr>
-            <a:r>
-              <a:rPr lang="pt-PT" dirty="0" smtClean="0"/>
-              <a:t>Mostrar a funcionar</a:t>
-            </a:r>
-          </a:p>
-          <a:p>
-            <a:pPr marL="171450" indent="-171450">
-              <a:buFontTx/>
-              <a:buChar char="-"/>
-            </a:pPr>
-            <a:r>
-              <a:rPr lang="pt-PT" dirty="0" smtClean="0"/>
-              <a:t>Criar um </a:t>
-            </a:r>
-            <a:r>
-              <a:rPr lang="pt-PT" dirty="0" err="1" smtClean="0"/>
-              <a:t>Model</a:t>
-            </a:r>
-            <a:r>
-              <a:rPr lang="pt-PT" dirty="0" smtClean="0"/>
-              <a:t> </a:t>
-            </a:r>
-            <a:r>
-              <a:rPr lang="pt-PT" dirty="0" err="1" smtClean="0"/>
-              <a:t>HelloModel</a:t>
-            </a:r>
-            <a:r>
-              <a:rPr lang="pt-PT" dirty="0" smtClean="0"/>
-              <a:t> com a propriedade</a:t>
-            </a:r>
-            <a:r>
-              <a:rPr lang="pt-PT" baseline="0" dirty="0" smtClean="0"/>
-              <a:t> </a:t>
-            </a:r>
-            <a:r>
-              <a:rPr lang="pt-PT" baseline="0" dirty="0" err="1" smtClean="0"/>
-              <a:t>Message</a:t>
-            </a:r>
-            <a:endParaRPr lang="pt-PT" baseline="0" dirty="0" smtClean="0"/>
-          </a:p>
-          <a:p>
-            <a:pPr marL="171450" indent="-171450">
-              <a:buFontTx/>
-              <a:buChar char="-"/>
-            </a:pPr>
-            <a:r>
-              <a:rPr lang="pt-PT" baseline="0" dirty="0" smtClean="0"/>
-              <a:t>Mostrar como enviar para a </a:t>
-            </a:r>
-            <a:r>
-              <a:rPr lang="pt-PT" baseline="0" dirty="0" err="1" smtClean="0"/>
-              <a:t>view</a:t>
-            </a:r>
-            <a:endParaRPr lang="pt-PT" dirty="0"/>
+            <a:endParaRPr lang="pt-PT"/>
           </a:p>
         </p:txBody>
       </p:sp>
@@ -676,7 +549,7 @@
           <a:p>
             <a:fld id="{C2F41AF8-48ED-4D72-84BF-69822D70736D}" type="slidenum">
               <a:rPr lang="pt-PT" smtClean="0"/>
-              <a:t>3</a:t>
+              <a:t>1</a:t>
             </a:fld>
             <a:endParaRPr lang="pt-PT"/>
           </a:p>
@@ -685,7 +558,344 @@
     </p:spTree>
     <p:extLst>
       <p:ext uri="{BB962C8B-B14F-4D97-AF65-F5344CB8AC3E}">
-        <p14:creationId xmlns:p14="http://schemas.microsoft.com/office/powerpoint/2010/main" val="1977493680"/>
+        <p14:creationId xmlns:p14="http://schemas.microsoft.com/office/powerpoint/2010/main" val="1502307003"/>
+      </p:ext>
+    </p:extLst>
+  </p:cSld>
+  <p:clrMapOvr>
+    <a:masterClrMapping/>
+  </p:clrMapOvr>
+</p:notes>
+</file>
+
+<file path=ppt/notesSlides/notesSlide10.xml><?xml version="1.0" encoding="utf-8"?>
+<p:notes xmlns:a="http://schemas.openxmlformats.org/drawingml/2006/main" xmlns:r="http://schemas.openxmlformats.org/officeDocument/2006/relationships" xmlns:p="http://schemas.openxmlformats.org/presentationml/2006/main">
+  <p:cSld>
+    <p:spTree>
+      <p:nvGrpSpPr>
+        <p:cNvPr id="1" name=""/>
+        <p:cNvGrpSpPr/>
+        <p:nvPr/>
+      </p:nvGrpSpPr>
+      <p:grpSpPr>
+        <a:xfrm>
+          <a:off x="0" y="0"/>
+          <a:ext cx="0" cy="0"/>
+          <a:chOff x="0" y="0"/>
+          <a:chExt cx="0" cy="0"/>
+        </a:xfrm>
+      </p:grpSpPr>
+      <p:sp>
+        <p:nvSpPr>
+          <p:cNvPr id="2" name="Marcador de Posição da Imagem do Diapositivo 1"/>
+          <p:cNvSpPr>
+            <a:spLocks noGrp="1" noRot="1" noChangeAspect="1"/>
+          </p:cNvSpPr>
+          <p:nvPr>
+            <p:ph type="sldImg"/>
+          </p:nvPr>
+        </p:nvSpPr>
+        <p:spPr/>
+      </p:sp>
+      <p:sp>
+        <p:nvSpPr>
+          <p:cNvPr id="3" name="Marcador de Posição de Notas 2"/>
+          <p:cNvSpPr>
+            <a:spLocks noGrp="1"/>
+          </p:cNvSpPr>
+          <p:nvPr>
+            <p:ph type="body" idx="1"/>
+          </p:nvPr>
+        </p:nvSpPr>
+        <p:spPr/>
+        <p:txBody>
+          <a:bodyPr/>
+          <a:lstStyle/>
+          <a:p>
+            <a:r>
+              <a:rPr lang="pt-PT" dirty="0" err="1" smtClean="0"/>
+              <a:t>Aconcelho</a:t>
+            </a:r>
+            <a:r>
+              <a:rPr lang="pt-PT" baseline="0" dirty="0" smtClean="0"/>
+              <a:t> a utilizar controlo de versões por exemplo o </a:t>
+            </a:r>
+            <a:r>
+              <a:rPr lang="pt-PT" baseline="0" dirty="0" err="1" smtClean="0"/>
+              <a:t>github</a:t>
+            </a:r>
+            <a:r>
+              <a:rPr lang="pt-PT" baseline="0" dirty="0" smtClean="0"/>
+              <a:t>.</a:t>
+            </a:r>
+            <a:endParaRPr lang="pt-PT" dirty="0"/>
+          </a:p>
+        </p:txBody>
+      </p:sp>
+      <p:sp>
+        <p:nvSpPr>
+          <p:cNvPr id="4" name="Marcador de Posição do Número do Diapositivo 3"/>
+          <p:cNvSpPr>
+            <a:spLocks noGrp="1"/>
+          </p:cNvSpPr>
+          <p:nvPr>
+            <p:ph type="sldNum" sz="quarter" idx="10"/>
+          </p:nvPr>
+        </p:nvSpPr>
+        <p:spPr/>
+        <p:txBody>
+          <a:bodyPr/>
+          <a:lstStyle/>
+          <a:p>
+            <a:fld id="{C2F41AF8-48ED-4D72-84BF-69822D70736D}" type="slidenum">
+              <a:rPr lang="pt-PT" smtClean="0"/>
+              <a:t>16</a:t>
+            </a:fld>
+            <a:endParaRPr lang="pt-PT"/>
+          </a:p>
+        </p:txBody>
+      </p:sp>
+    </p:spTree>
+    <p:extLst>
+      <p:ext uri="{BB962C8B-B14F-4D97-AF65-F5344CB8AC3E}">
+        <p14:creationId xmlns:p14="http://schemas.microsoft.com/office/powerpoint/2010/main" val="3608597080"/>
+      </p:ext>
+    </p:extLst>
+  </p:cSld>
+  <p:clrMapOvr>
+    <a:masterClrMapping/>
+  </p:clrMapOvr>
+</p:notes>
+</file>
+
+<file path=ppt/notesSlides/notesSlide11.xml><?xml version="1.0" encoding="utf-8"?>
+<p:notes xmlns:a="http://schemas.openxmlformats.org/drawingml/2006/main" xmlns:r="http://schemas.openxmlformats.org/officeDocument/2006/relationships" xmlns:p="http://schemas.openxmlformats.org/presentationml/2006/main">
+  <p:cSld>
+    <p:spTree>
+      <p:nvGrpSpPr>
+        <p:cNvPr id="1" name=""/>
+        <p:cNvGrpSpPr/>
+        <p:nvPr/>
+      </p:nvGrpSpPr>
+      <p:grpSpPr>
+        <a:xfrm>
+          <a:off x="0" y="0"/>
+          <a:ext cx="0" cy="0"/>
+          <a:chOff x="0" y="0"/>
+          <a:chExt cx="0" cy="0"/>
+        </a:xfrm>
+      </p:grpSpPr>
+      <p:sp>
+        <p:nvSpPr>
+          <p:cNvPr id="2" name="Marcador de Posição da Imagem do Diapositivo 1"/>
+          <p:cNvSpPr>
+            <a:spLocks noGrp="1" noRot="1" noChangeAspect="1"/>
+          </p:cNvSpPr>
+          <p:nvPr>
+            <p:ph type="sldImg"/>
+          </p:nvPr>
+        </p:nvSpPr>
+        <p:spPr/>
+      </p:sp>
+      <p:sp>
+        <p:nvSpPr>
+          <p:cNvPr id="3" name="Marcador de Posição de Notas 2"/>
+          <p:cNvSpPr>
+            <a:spLocks noGrp="1"/>
+          </p:cNvSpPr>
+          <p:nvPr>
+            <p:ph type="body" idx="1"/>
+          </p:nvPr>
+        </p:nvSpPr>
+        <p:spPr/>
+        <p:txBody>
+          <a:bodyPr/>
+          <a:lstStyle/>
+          <a:p>
+            <a:r>
+              <a:rPr lang="pt-PT" dirty="0" smtClean="0"/>
+              <a:t>Criar um projeto já com </a:t>
+            </a:r>
+            <a:r>
+              <a:rPr lang="pt-PT" dirty="0" err="1" smtClean="0"/>
+              <a:t>bootstra</a:t>
+            </a:r>
+            <a:r>
+              <a:rPr lang="pt-PT" baseline="0" dirty="0" err="1" smtClean="0"/>
+              <a:t>p</a:t>
+            </a:r>
+            <a:r>
+              <a:rPr lang="pt-PT" baseline="0" dirty="0" smtClean="0"/>
+              <a:t>, </a:t>
+            </a:r>
+            <a:r>
+              <a:rPr lang="pt-PT" baseline="0" dirty="0" err="1" smtClean="0"/>
+              <a:t>entity</a:t>
+            </a:r>
+            <a:r>
+              <a:rPr lang="pt-PT" baseline="0" dirty="0" smtClean="0"/>
+              <a:t> </a:t>
+            </a:r>
+            <a:r>
+              <a:rPr lang="pt-PT" baseline="0" dirty="0" err="1" smtClean="0"/>
+              <a:t>framework</a:t>
+            </a:r>
+            <a:r>
+              <a:rPr lang="pt-PT" baseline="0" dirty="0" smtClean="0"/>
+              <a:t>, etc.</a:t>
+            </a:r>
+          </a:p>
+          <a:p>
+            <a:endParaRPr lang="pt-PT" baseline="0" dirty="0" smtClean="0"/>
+          </a:p>
+          <a:p>
+            <a:r>
+              <a:rPr lang="pt-PT" dirty="0" smtClean="0"/>
+              <a:t>- Criar formulários em que é possível adicionar imagens, ter </a:t>
+            </a:r>
+            <a:r>
+              <a:rPr lang="pt-PT" dirty="0" err="1" smtClean="0"/>
+              <a:t>dropdown</a:t>
+            </a:r>
+            <a:r>
+              <a:rPr lang="pt-PT" dirty="0" smtClean="0"/>
+              <a:t>,</a:t>
+            </a:r>
+            <a:r>
+              <a:rPr lang="pt-PT" baseline="0" dirty="0" smtClean="0"/>
+              <a:t> </a:t>
+            </a:r>
+            <a:r>
+              <a:rPr lang="pt-PT" baseline="0" dirty="0" err="1" smtClean="0"/>
+              <a:t>radiobutton</a:t>
+            </a:r>
+            <a:r>
+              <a:rPr lang="pt-PT" baseline="0" dirty="0" smtClean="0"/>
+              <a:t>, </a:t>
+            </a:r>
+            <a:r>
+              <a:rPr lang="pt-PT" baseline="0" dirty="0" err="1" smtClean="0"/>
+              <a:t>checkbox</a:t>
+            </a:r>
+            <a:r>
+              <a:rPr lang="pt-PT" baseline="0" dirty="0" smtClean="0"/>
+              <a:t> </a:t>
+            </a:r>
+            <a:endParaRPr lang="pt-PT" dirty="0"/>
+          </a:p>
+        </p:txBody>
+      </p:sp>
+      <p:sp>
+        <p:nvSpPr>
+          <p:cNvPr id="4" name="Marcador de Posição do Número do Diapositivo 3"/>
+          <p:cNvSpPr>
+            <a:spLocks noGrp="1"/>
+          </p:cNvSpPr>
+          <p:nvPr>
+            <p:ph type="sldNum" sz="quarter" idx="10"/>
+          </p:nvPr>
+        </p:nvSpPr>
+        <p:spPr/>
+        <p:txBody>
+          <a:bodyPr/>
+          <a:lstStyle/>
+          <a:p>
+            <a:fld id="{C2F41AF8-48ED-4D72-84BF-69822D70736D}" type="slidenum">
+              <a:rPr lang="pt-PT" smtClean="0"/>
+              <a:t>17</a:t>
+            </a:fld>
+            <a:endParaRPr lang="pt-PT"/>
+          </a:p>
+        </p:txBody>
+      </p:sp>
+    </p:spTree>
+    <p:extLst>
+      <p:ext uri="{BB962C8B-B14F-4D97-AF65-F5344CB8AC3E}">
+        <p14:creationId xmlns:p14="http://schemas.microsoft.com/office/powerpoint/2010/main" val="3016536045"/>
+      </p:ext>
+    </p:extLst>
+  </p:cSld>
+  <p:clrMapOvr>
+    <a:masterClrMapping/>
+  </p:clrMapOvr>
+</p:notes>
+</file>
+
+<file path=ppt/notesSlides/notesSlide12.xml><?xml version="1.0" encoding="utf-8"?>
+<p:notes xmlns:a="http://schemas.openxmlformats.org/drawingml/2006/main" xmlns:r="http://schemas.openxmlformats.org/officeDocument/2006/relationships" xmlns:p="http://schemas.openxmlformats.org/presentationml/2006/main">
+  <p:cSld>
+    <p:spTree>
+      <p:nvGrpSpPr>
+        <p:cNvPr id="1" name=""/>
+        <p:cNvGrpSpPr/>
+        <p:nvPr/>
+      </p:nvGrpSpPr>
+      <p:grpSpPr>
+        <a:xfrm>
+          <a:off x="0" y="0"/>
+          <a:ext cx="0" cy="0"/>
+          <a:chOff x="0" y="0"/>
+          <a:chExt cx="0" cy="0"/>
+        </a:xfrm>
+      </p:grpSpPr>
+      <p:sp>
+        <p:nvSpPr>
+          <p:cNvPr id="2" name="Marcador de Posição da Imagem do Diapositivo 1"/>
+          <p:cNvSpPr>
+            <a:spLocks noGrp="1" noRot="1" noChangeAspect="1"/>
+          </p:cNvSpPr>
+          <p:nvPr>
+            <p:ph type="sldImg"/>
+          </p:nvPr>
+        </p:nvSpPr>
+        <p:spPr/>
+      </p:sp>
+      <p:sp>
+        <p:nvSpPr>
+          <p:cNvPr id="3" name="Marcador de Posição de Notas 2"/>
+          <p:cNvSpPr>
+            <a:spLocks noGrp="1"/>
+          </p:cNvSpPr>
+          <p:nvPr>
+            <p:ph type="body" idx="1"/>
+          </p:nvPr>
+        </p:nvSpPr>
+        <p:spPr/>
+        <p:txBody>
+          <a:bodyPr/>
+          <a:lstStyle/>
+          <a:p>
+            <a:endParaRPr lang="pt-PT" dirty="0"/>
+          </a:p>
+        </p:txBody>
+      </p:sp>
+      <p:sp>
+        <p:nvSpPr>
+          <p:cNvPr id="4" name="Marcador de Posição do Número do Diapositivo 3"/>
+          <p:cNvSpPr>
+            <a:spLocks noGrp="1"/>
+          </p:cNvSpPr>
+          <p:nvPr>
+            <p:ph type="sldNum" sz="quarter" idx="10"/>
+          </p:nvPr>
+        </p:nvSpPr>
+        <p:spPr/>
+        <p:txBody>
+          <a:bodyPr/>
+          <a:lstStyle/>
+          <a:p>
+            <a:fld id="{C2F41AF8-48ED-4D72-84BF-69822D70736D}" type="slidenum">
+              <a:rPr lang="pt-PT" smtClean="0"/>
+              <a:t>20</a:t>
+            </a:fld>
+            <a:endParaRPr lang="pt-PT"/>
+          </a:p>
+        </p:txBody>
+      </p:sp>
+    </p:spTree>
+    <p:extLst>
+      <p:ext uri="{BB962C8B-B14F-4D97-AF65-F5344CB8AC3E}">
+        <p14:creationId xmlns:p14="http://schemas.microsoft.com/office/powerpoint/2010/main" val="2007223518"/>
       </p:ext>
     </p:extLst>
   </p:cSld>
@@ -739,41 +949,7 @@
           <a:bodyPr/>
           <a:lstStyle/>
           <a:p>
-            <a:r>
-              <a:rPr lang="pt-PT" dirty="0" err="1" smtClean="0"/>
-              <a:t>Model</a:t>
-            </a:r>
-            <a:r>
-              <a:rPr lang="pt-PT" baseline="0" dirty="0" smtClean="0"/>
-              <a:t> – Representa uma entidade da base de dados, ou seja, uma linha de uma tabela quando instanciada.</a:t>
-            </a:r>
-          </a:p>
-          <a:p>
-            <a:endParaRPr lang="pt-PT" baseline="0" dirty="0" smtClean="0"/>
-          </a:p>
-          <a:p>
-            <a:r>
-              <a:rPr lang="pt-PT" baseline="0" dirty="0" err="1" smtClean="0"/>
-              <a:t>View</a:t>
-            </a:r>
-            <a:r>
-              <a:rPr lang="pt-PT" baseline="0" dirty="0" smtClean="0"/>
-              <a:t> – Basicamente são as páginas HTML que contêm a informação a mostrar ao utilizador</a:t>
-            </a:r>
-          </a:p>
-          <a:p>
-            <a:endParaRPr lang="pt-PT" baseline="0" dirty="0" smtClean="0"/>
-          </a:p>
-          <a:p>
-            <a:r>
-              <a:rPr lang="pt-PT" baseline="0" dirty="0" err="1" smtClean="0"/>
-              <a:t>Controller</a:t>
-            </a:r>
-            <a:r>
-              <a:rPr lang="pt-PT" baseline="0" dirty="0" smtClean="0"/>
-              <a:t> – É responsável por receber os pedidos, processar e enviar uma resposta.</a:t>
-            </a:r>
-            <a:endParaRPr lang="pt-PT" dirty="0"/>
+            <a:endParaRPr lang="pt-PT"/>
           </a:p>
         </p:txBody>
       </p:sp>
@@ -794,7 +970,7 @@
           <a:p>
             <a:fld id="{C2F41AF8-48ED-4D72-84BF-69822D70736D}" type="slidenum">
               <a:rPr lang="pt-PT" smtClean="0"/>
-              <a:t>5</a:t>
+              <a:t>2</a:t>
             </a:fld>
             <a:endParaRPr lang="pt-PT"/>
           </a:p>
@@ -803,7 +979,7 @@
     </p:spTree>
     <p:extLst>
       <p:ext uri="{BB962C8B-B14F-4D97-AF65-F5344CB8AC3E}">
-        <p14:creationId xmlns:p14="http://schemas.microsoft.com/office/powerpoint/2010/main" val="3605563089"/>
+        <p14:creationId xmlns:p14="http://schemas.microsoft.com/office/powerpoint/2010/main" val="87344591"/>
       </p:ext>
     </p:extLst>
   </p:cSld>
@@ -857,77 +1033,138 @@
           <a:bodyPr/>
           <a:lstStyle/>
           <a:p>
+            <a:pPr marL="171450" indent="-171450">
+              <a:buFontTx/>
+              <a:buChar char="-"/>
+            </a:pPr>
+            <a:r>
+              <a:rPr lang="pt-PT" dirty="0" smtClean="0"/>
+              <a:t>Criar um projeto MVC 4 Basic</a:t>
+            </a:r>
+          </a:p>
+          <a:p>
+            <a:pPr marL="171450" indent="-171450">
+              <a:buFontTx/>
+              <a:buChar char="-"/>
+            </a:pPr>
+            <a:r>
+              <a:rPr lang="pt-PT" dirty="0" smtClean="0"/>
+              <a:t>Colocar a correr e mostrar o erro</a:t>
+            </a:r>
+          </a:p>
+          <a:p>
+            <a:pPr marL="171450" indent="-171450">
+              <a:buFontTx/>
+              <a:buChar char="-"/>
+            </a:pPr>
+            <a:r>
+              <a:rPr lang="pt-PT" dirty="0" smtClean="0"/>
+              <a:t>Criar o </a:t>
+            </a:r>
+            <a:r>
+              <a:rPr lang="pt-PT" dirty="0" err="1" smtClean="0"/>
+              <a:t>controller</a:t>
+            </a:r>
+            <a:r>
+              <a:rPr lang="pt-PT" dirty="0" smtClean="0"/>
+              <a:t> </a:t>
+            </a:r>
+            <a:r>
+              <a:rPr lang="pt-PT" dirty="0" err="1" smtClean="0"/>
+              <a:t>Home</a:t>
+            </a:r>
+            <a:endParaRPr lang="pt-PT" dirty="0" smtClean="0"/>
+          </a:p>
+          <a:p>
+            <a:pPr marL="171450" indent="-171450">
+              <a:buFontTx/>
+              <a:buChar char="-"/>
+            </a:pPr>
+            <a:r>
+              <a:rPr lang="pt-PT" dirty="0" smtClean="0"/>
+              <a:t>Mostrar o erro</a:t>
+            </a:r>
+          </a:p>
+          <a:p>
+            <a:pPr marL="171450" indent="-171450">
+              <a:buFontTx/>
+              <a:buChar char="-"/>
+            </a:pPr>
+            <a:r>
+              <a:rPr lang="pt-PT" dirty="0" smtClean="0"/>
+              <a:t>Criar a </a:t>
+            </a:r>
+            <a:r>
+              <a:rPr lang="pt-PT" dirty="0" err="1" smtClean="0"/>
+              <a:t>view</a:t>
+            </a:r>
+            <a:r>
+              <a:rPr lang="pt-PT" dirty="0" smtClean="0"/>
+              <a:t> </a:t>
+            </a:r>
+            <a:r>
+              <a:rPr lang="pt-PT" dirty="0" err="1" smtClean="0"/>
+              <a:t>Index</a:t>
+            </a:r>
+            <a:endParaRPr lang="pt-PT" dirty="0" smtClean="0"/>
+          </a:p>
+          <a:p>
+            <a:pPr marL="171450" indent="-171450">
+              <a:buFontTx/>
+              <a:buChar char="-"/>
+            </a:pPr>
+            <a:r>
+              <a:rPr lang="pt-PT" dirty="0" smtClean="0"/>
+              <a:t>Mostrar a funcionar</a:t>
+            </a:r>
+          </a:p>
+          <a:p>
+            <a:pPr marL="171450" indent="-171450">
+              <a:buFontTx/>
+              <a:buChar char="-"/>
+            </a:pPr>
+            <a:r>
+              <a:rPr lang="pt-PT" dirty="0" smtClean="0"/>
+              <a:t>Criar um </a:t>
+            </a:r>
             <a:r>
               <a:rPr lang="pt-PT" dirty="0" err="1" smtClean="0"/>
               <a:t>Model</a:t>
             </a:r>
             <a:r>
+              <a:rPr lang="pt-PT" dirty="0" smtClean="0"/>
+              <a:t> </a:t>
+            </a:r>
+            <a:r>
+              <a:rPr lang="pt-PT" dirty="0" err="1" smtClean="0"/>
+              <a:t>HelloModel</a:t>
+            </a:r>
+            <a:r>
+              <a:rPr lang="pt-PT" dirty="0" smtClean="0"/>
+              <a:t> com a propriedade</a:t>
+            </a:r>
+            <a:r>
               <a:rPr lang="pt-PT" baseline="0" dirty="0" smtClean="0"/>
-              <a:t> – Representa uma entidade da base de dados, ou seja, uma linha de uma tabela quando instanciada.</a:t>
-            </a:r>
-          </a:p>
-          <a:p>
+              <a:t> </a:t>
+            </a:r>
             <a:r>
               <a:rPr lang="pt-PT" baseline="0" dirty="0" err="1" smtClean="0"/>
-              <a:t>Models</a:t>
-            </a:r>
+              <a:t>Message</a:t>
+            </a:r>
+            <a:endParaRPr lang="pt-PT" baseline="0" dirty="0" smtClean="0"/>
+          </a:p>
+          <a:p>
+            <a:pPr marL="171450" indent="-171450">
+              <a:buFontTx/>
+              <a:buChar char="-"/>
+            </a:pPr>
             <a:r>
               <a:rPr lang="pt-PT" baseline="0" dirty="0" smtClean="0"/>
-              <a:t> – são a definição do universo da aplicação, numa aplicação bancária representa por exemplo todo o banco, desde as contas bancárias, os clientes, os limites</a:t>
-            </a:r>
-          </a:p>
-          <a:p>
-            <a:endParaRPr lang="pt-PT" baseline="0" dirty="0" smtClean="0"/>
-          </a:p>
-          <a:p>
+              <a:t>Mostrar como enviar para a </a:t>
+            </a:r>
             <a:r>
               <a:rPr lang="pt-PT" baseline="0" dirty="0" err="1" smtClean="0"/>
-              <a:t>View</a:t>
-            </a:r>
-            <a:r>
-              <a:rPr lang="pt-PT" baseline="0" dirty="0" smtClean="0"/>
-              <a:t> – Basicamente são as páginas HTML que contêm a informação a mostrar ao utilizador</a:t>
-            </a:r>
-          </a:p>
-          <a:p>
-            <a:endParaRPr lang="pt-PT" baseline="0" dirty="0" smtClean="0"/>
-          </a:p>
-          <a:p>
-            <a:r>
-              <a:rPr lang="pt-PT" baseline="0" dirty="0" err="1" smtClean="0"/>
-              <a:t>Controller</a:t>
-            </a:r>
-            <a:r>
-              <a:rPr lang="pt-PT" baseline="0" dirty="0" smtClean="0"/>
-              <a:t> – É responsável por receber os pedidos, processar e enviar uma resposta.</a:t>
-            </a:r>
-          </a:p>
-          <a:p>
-            <a:r>
-              <a:rPr lang="pt-PT" baseline="0" dirty="0" smtClean="0"/>
-              <a:t>Um </a:t>
-            </a:r>
-            <a:r>
-              <a:rPr lang="pt-PT" baseline="0" dirty="0" err="1" smtClean="0"/>
-              <a:t>controller</a:t>
-            </a:r>
-            <a:r>
-              <a:rPr lang="pt-PT" baseline="0" dirty="0" smtClean="0"/>
-              <a:t> tem </a:t>
-            </a:r>
-            <a:r>
-              <a:rPr lang="pt-PT" baseline="0" dirty="0" err="1" smtClean="0"/>
-              <a:t>action</a:t>
-            </a:r>
-            <a:endParaRPr lang="pt-PT" baseline="0" dirty="0" smtClean="0"/>
-          </a:p>
-          <a:p>
-            <a:endParaRPr lang="pt-PT" baseline="0" dirty="0" smtClean="0"/>
-          </a:p>
-          <a:p>
-            <a:r>
-              <a:rPr lang="pt-PT" baseline="0" dirty="0" smtClean="0"/>
-              <a:t>É importante perceber estes conceitos, tudo gira à volta disto.</a:t>
+              <a:t>view</a:t>
             </a:r>
             <a:endParaRPr lang="pt-PT" dirty="0"/>
           </a:p>
@@ -950,7 +1187,7 @@
           <a:p>
             <a:fld id="{C2F41AF8-48ED-4D72-84BF-69822D70736D}" type="slidenum">
               <a:rPr lang="pt-PT" smtClean="0"/>
-              <a:t>6</a:t>
+              <a:t>3</a:t>
             </a:fld>
             <a:endParaRPr lang="pt-PT"/>
           </a:p>
@@ -959,7 +1196,7 @@
     </p:spTree>
     <p:extLst>
       <p:ext uri="{BB962C8B-B14F-4D97-AF65-F5344CB8AC3E}">
-        <p14:creationId xmlns:p14="http://schemas.microsoft.com/office/powerpoint/2010/main" val="3296061412"/>
+        <p14:creationId xmlns:p14="http://schemas.microsoft.com/office/powerpoint/2010/main" val="1977493680"/>
       </p:ext>
     </p:extLst>
   </p:cSld>
@@ -1013,6 +1250,69 @@
           <a:bodyPr/>
           <a:lstStyle/>
           <a:p>
+            <a:r>
+              <a:rPr lang="pt-PT" dirty="0" err="1" smtClean="0"/>
+              <a:t>Model</a:t>
+            </a:r>
+            <a:r>
+              <a:rPr lang="pt-PT" baseline="0" dirty="0" smtClean="0"/>
+              <a:t> – Representa uma entidade da base de dados, ou seja, uma linha de uma tabela quando instanciada.</a:t>
+            </a:r>
+          </a:p>
+          <a:p>
+            <a:endParaRPr lang="pt-PT" baseline="0" dirty="0" smtClean="0"/>
+          </a:p>
+          <a:p>
+            <a:r>
+              <a:rPr lang="pt-PT" baseline="0" dirty="0" err="1" smtClean="0"/>
+              <a:t>View</a:t>
+            </a:r>
+            <a:r>
+              <a:rPr lang="pt-PT" baseline="0" dirty="0" smtClean="0"/>
+              <a:t> – Basicamente são as páginas HTML que contêm a informação a mostrar ao utilizador</a:t>
+            </a:r>
+          </a:p>
+          <a:p>
+            <a:endParaRPr lang="pt-PT" baseline="0" dirty="0" smtClean="0"/>
+          </a:p>
+          <a:p>
+            <a:r>
+              <a:rPr lang="pt-PT" baseline="0" dirty="0" err="1" smtClean="0"/>
+              <a:t>Controller</a:t>
+            </a:r>
+            <a:r>
+              <a:rPr lang="pt-PT" baseline="0" dirty="0" smtClean="0"/>
+              <a:t> – É responsável por receber os pedidos, processar e enviar uma resposta</a:t>
+            </a:r>
+            <a:r>
+              <a:rPr lang="pt-PT" baseline="0" dirty="0" smtClean="0"/>
+              <a:t>.</a:t>
+            </a:r>
+          </a:p>
+          <a:p>
+            <a:endParaRPr lang="pt-PT" baseline="0" dirty="0" smtClean="0"/>
+          </a:p>
+          <a:p>
+            <a:r>
+              <a:rPr lang="pt-PT" baseline="0" dirty="0" err="1" smtClean="0"/>
+              <a:t>Presentation</a:t>
+            </a:r>
+            <a:r>
+              <a:rPr lang="pt-PT" baseline="0" dirty="0" smtClean="0"/>
+              <a:t> </a:t>
+            </a:r>
+            <a:r>
+              <a:rPr lang="pt-PT" baseline="0" dirty="0" err="1" smtClean="0"/>
+              <a:t>Model</a:t>
+            </a:r>
+            <a:r>
+              <a:rPr lang="pt-PT" baseline="0" dirty="0" smtClean="0"/>
+              <a:t> – São objetos usados para colocar informação nas </a:t>
+            </a:r>
+            <a:r>
+              <a:rPr lang="pt-PT" baseline="0" dirty="0" err="1" smtClean="0"/>
+              <a:t>views</a:t>
+            </a:r>
             <a:endParaRPr lang="pt-PT" dirty="0"/>
           </a:p>
         </p:txBody>
@@ -1034,7 +1334,7 @@
           <a:p>
             <a:fld id="{C2F41AF8-48ED-4D72-84BF-69822D70736D}" type="slidenum">
               <a:rPr lang="pt-PT" smtClean="0"/>
-              <a:t>8</a:t>
+              <a:t>5</a:t>
             </a:fld>
             <a:endParaRPr lang="pt-PT"/>
           </a:p>
@@ -1043,7 +1343,7 @@
     </p:spTree>
     <p:extLst>
       <p:ext uri="{BB962C8B-B14F-4D97-AF65-F5344CB8AC3E}">
-        <p14:creationId xmlns:p14="http://schemas.microsoft.com/office/powerpoint/2010/main" val="4228586495"/>
+        <p14:creationId xmlns:p14="http://schemas.microsoft.com/office/powerpoint/2010/main" val="3605563089"/>
       </p:ext>
     </p:extLst>
   </p:cSld>
@@ -1099,31 +1399,34 @@
           <a:p>
             <a:r>
               <a:rPr lang="pt-PT" dirty="0" err="1" smtClean="0"/>
+              <a:t>Model</a:t>
+            </a:r>
+            <a:r>
+              <a:rPr lang="pt-PT" baseline="0" dirty="0" smtClean="0"/>
+              <a:t> – Representa uma entidade da base de dados, ou seja, uma linha de uma tabela quando instanciada.</a:t>
+            </a:r>
+          </a:p>
+          <a:p>
+            <a:r>
+              <a:rPr lang="pt-PT" baseline="0" dirty="0" err="1" smtClean="0"/>
+              <a:t>Models</a:t>
+            </a:r>
+            <a:r>
+              <a:rPr lang="pt-PT" baseline="0" dirty="0" smtClean="0"/>
+              <a:t> – são a definição do universo da aplicação, numa aplicação bancária representa por exemplo todo o banco, desde as contas bancárias, os clientes, os limites</a:t>
+            </a:r>
+          </a:p>
+          <a:p>
+            <a:endParaRPr lang="pt-PT" baseline="0" dirty="0" smtClean="0"/>
+          </a:p>
+          <a:p>
+            <a:r>
+              <a:rPr lang="pt-PT" baseline="0" dirty="0" err="1" smtClean="0"/>
               <a:t>View</a:t>
             </a:r>
             <a:r>
-              <a:rPr lang="pt-PT" dirty="0" smtClean="0"/>
-              <a:t> </a:t>
-            </a:r>
-            <a:r>
-              <a:rPr lang="pt-PT" dirty="0" err="1" smtClean="0"/>
-              <a:t>State</a:t>
-            </a:r>
-            <a:r>
-              <a:rPr lang="pt-PT" dirty="0" smtClean="0"/>
-              <a:t> </a:t>
-            </a:r>
-            <a:r>
-              <a:rPr lang="pt-PT" dirty="0" err="1" smtClean="0"/>
-              <a:t>weight</a:t>
-            </a:r>
-            <a:r>
-              <a:rPr lang="pt-PT" dirty="0" smtClean="0"/>
-              <a:t> – o mecanismo utilizado</a:t>
-            </a:r>
-            <a:r>
               <a:rPr lang="pt-PT" baseline="0" dirty="0" smtClean="0"/>
-              <a:t> para manter o estado entre pedidos resultava na grande troca de dados</a:t>
+              <a:t> – Basicamente são as páginas HTML que contêm a informação a mostrar ao utilizador</a:t>
             </a:r>
           </a:p>
           <a:p>
@@ -1131,36 +1434,61 @@
           </a:p>
           <a:p>
             <a:r>
+              <a:rPr lang="pt-PT" baseline="0" dirty="0" err="1" smtClean="0"/>
+              <a:t>Controller</a:t>
+            </a:r>
+            <a:r>
               <a:rPr lang="pt-PT" baseline="0" dirty="0" smtClean="0"/>
-              <a:t>A forma como os eventos eram geridos por fezes era uma “caixa negra” e não se sabia muito bem que código </a:t>
+              <a:t> – É responsável por receber os pedidos, processar e enviar uma resposta.</a:t>
+            </a:r>
+          </a:p>
+          <a:p>
+            <a:r>
+              <a:rPr lang="pt-PT" baseline="0" dirty="0" smtClean="0"/>
+              <a:t>Um </a:t>
             </a:r>
             <a:r>
               <a:rPr lang="pt-PT" baseline="0" dirty="0" err="1" smtClean="0"/>
-              <a:t>javascript</a:t>
+              <a:t>controller</a:t>
             </a:r>
             <a:r>
               <a:rPr lang="pt-PT" baseline="0" dirty="0" smtClean="0"/>
-              <a:t> a </a:t>
+              <a:t> tem </a:t>
             </a:r>
             <a:r>
               <a:rPr lang="pt-PT" baseline="0" dirty="0" err="1" smtClean="0"/>
-              <a:t>framework</a:t>
+              <a:t>actions</a:t>
             </a:r>
             <a:r>
               <a:rPr lang="pt-PT" baseline="0" dirty="0" smtClean="0"/>
-              <a:t> gerava.</a:t>
-            </a:r>
-          </a:p>
-          <a:p>
+              <a:t> que podem devolver vários tipos de informação, </a:t>
+            </a:r>
+            <a:r>
+              <a:rPr lang="pt-PT" baseline="0" dirty="0" err="1" smtClean="0"/>
+              <a:t>FileResult</a:t>
+            </a:r>
+            <a:r>
+              <a:rPr lang="pt-PT" baseline="0" dirty="0" smtClean="0"/>
+              <a:t>, </a:t>
+            </a:r>
+            <a:r>
+              <a:rPr lang="pt-PT" baseline="0" dirty="0" err="1" smtClean="0"/>
+              <a:t>JsonResult</a:t>
+            </a:r>
+            <a:r>
+              <a:rPr lang="pt-PT" baseline="0" dirty="0" smtClean="0"/>
+              <a:t>, etc.</a:t>
+            </a:r>
             <a:endParaRPr lang="pt-PT" baseline="0" dirty="0" smtClean="0"/>
           </a:p>
           <a:p>
+            <a:endParaRPr lang="pt-PT" baseline="0" dirty="0" smtClean="0"/>
+          </a:p>
+          <a:p>
             <a:r>
               <a:rPr lang="pt-PT" baseline="0" dirty="0" smtClean="0"/>
-              <a:t>Os testes não eram fáceis de fazer, a mistura dos conceitos e separação pouco clara das camadas lógicas.</a:t>
-            </a:r>
-          </a:p>
-          <a:p>
+              <a:t>É importante perceber estes conceitos, tudo gira à volta disto.</a:t>
+            </a:r>
             <a:endParaRPr lang="pt-PT" dirty="0"/>
           </a:p>
         </p:txBody>
@@ -1182,7 +1510,7 @@
           <a:p>
             <a:fld id="{C2F41AF8-48ED-4D72-84BF-69822D70736D}" type="slidenum">
               <a:rPr lang="pt-PT" smtClean="0"/>
-              <a:t>9</a:t>
+              <a:t>6</a:t>
             </a:fld>
             <a:endParaRPr lang="pt-PT"/>
           </a:p>
@@ -1191,7 +1519,7 @@
     </p:spTree>
     <p:extLst>
       <p:ext uri="{BB962C8B-B14F-4D97-AF65-F5344CB8AC3E}">
-        <p14:creationId xmlns:p14="http://schemas.microsoft.com/office/powerpoint/2010/main" val="2901069380"/>
+        <p14:creationId xmlns:p14="http://schemas.microsoft.com/office/powerpoint/2010/main" val="3296061412"/>
       </p:ext>
     </p:extLst>
   </p:cSld>
@@ -1247,31 +1575,11 @@
           <a:p>
             <a:r>
               <a:rPr lang="pt-PT" dirty="0" smtClean="0"/>
-              <a:t>Usar o projeto </a:t>
-            </a:r>
-            <a:r>
-              <a:rPr lang="pt-PT" dirty="0" err="1" smtClean="0"/>
-              <a:t>Hello</a:t>
-            </a:r>
-            <a:r>
-              <a:rPr lang="pt-PT" dirty="0" smtClean="0"/>
-              <a:t> </a:t>
-            </a:r>
-            <a:r>
-              <a:rPr lang="pt-PT" dirty="0" err="1" smtClean="0"/>
-              <a:t>World</a:t>
-            </a:r>
-            <a:r>
-              <a:rPr lang="pt-PT" dirty="0" smtClean="0"/>
-              <a:t> para</a:t>
+              <a:t>Nas aplicações “tradicionais” ´MVC é a arquitetura que melhor se adequa</a:t>
             </a:r>
             <a:r>
               <a:rPr lang="pt-PT" baseline="0" dirty="0" smtClean="0"/>
-              <a:t> mostrar ciclos, </a:t>
-            </a:r>
-            <a:r>
-              <a:rPr lang="pt-PT" baseline="0" dirty="0" err="1" smtClean="0"/>
-              <a:t>ifs</a:t>
+              <a:t> provavelmente.</a:t>
             </a:r>
             <a:endParaRPr lang="pt-PT" dirty="0"/>
           </a:p>
@@ -1294,7 +1602,7 @@
           <a:p>
             <a:fld id="{C2F41AF8-48ED-4D72-84BF-69822D70736D}" type="slidenum">
               <a:rPr lang="pt-PT" smtClean="0"/>
-              <a:t>12</a:t>
+              <a:t>8</a:t>
             </a:fld>
             <a:endParaRPr lang="pt-PT"/>
           </a:p>
@@ -1303,7 +1611,7 @@
     </p:spTree>
     <p:extLst>
       <p:ext uri="{BB962C8B-B14F-4D97-AF65-F5344CB8AC3E}">
-        <p14:creationId xmlns:p14="http://schemas.microsoft.com/office/powerpoint/2010/main" val="4262544170"/>
+        <p14:creationId xmlns:p14="http://schemas.microsoft.com/office/powerpoint/2010/main" val="4228586495"/>
       </p:ext>
     </p:extLst>
   </p:cSld>
@@ -1358,106 +1666,70 @@
           <a:lstStyle/>
           <a:p>
             <a:r>
-              <a:rPr lang="pt-PT" dirty="0" smtClean="0"/>
-              <a:t>Mostrar como fazer </a:t>
-            </a:r>
-            <a:r>
-              <a:rPr lang="pt-PT" dirty="0" err="1" smtClean="0"/>
-              <a:t>debug</a:t>
-            </a:r>
-            <a:r>
-              <a:rPr lang="pt-PT" dirty="0" smtClean="0"/>
-              <a:t> em:</a:t>
-            </a:r>
-          </a:p>
-          <a:p>
-            <a:endParaRPr lang="pt-PT" dirty="0" smtClean="0"/>
-          </a:p>
-          <a:p>
-            <a:pPr marL="171450" indent="-171450">
-              <a:buFontTx/>
-              <a:buChar char="-"/>
-            </a:pPr>
-            <a:r>
-              <a:rPr lang="pt-PT" dirty="0" err="1" smtClean="0"/>
-              <a:t>Controller</a:t>
-            </a:r>
-            <a:endParaRPr lang="pt-PT" dirty="0" smtClean="0"/>
-          </a:p>
-          <a:p>
-            <a:pPr marL="171450" indent="-171450">
-              <a:buFontTx/>
-              <a:buChar char="-"/>
-            </a:pPr>
-            <a:r>
-              <a:rPr lang="pt-PT" dirty="0" err="1" smtClean="0"/>
-              <a:t>Model</a:t>
-            </a:r>
-            <a:endParaRPr lang="pt-PT" dirty="0" smtClean="0"/>
-          </a:p>
-          <a:p>
-            <a:pPr marL="171450" indent="-171450">
-              <a:buFontTx/>
-              <a:buChar char="-"/>
-            </a:pPr>
-            <a:r>
               <a:rPr lang="pt-PT" dirty="0" err="1" smtClean="0"/>
               <a:t>View</a:t>
             </a:r>
-            <a:endParaRPr lang="pt-PT" dirty="0" smtClean="0"/>
-          </a:p>
-          <a:p>
-            <a:pPr marL="171450" indent="-171450">
-              <a:buFontTx/>
-              <a:buChar char="-"/>
-            </a:pPr>
+            <a:r>
+              <a:rPr lang="pt-PT" dirty="0" smtClean="0"/>
+              <a:t> </a:t>
+            </a:r>
             <a:r>
               <a:rPr lang="pt-PT" dirty="0" err="1" smtClean="0"/>
-              <a:t>Javascript</a:t>
-            </a:r>
-            <a:endParaRPr lang="pt-PT" dirty="0" smtClean="0"/>
-          </a:p>
-          <a:p>
-            <a:pPr marL="0" indent="0">
-              <a:buFontTx/>
-              <a:buNone/>
-            </a:pPr>
-            <a:endParaRPr lang="pt-PT" dirty="0" smtClean="0"/>
-          </a:p>
-          <a:p>
-            <a:pPr marL="171450" indent="-171450">
-              <a:buFontTx/>
-              <a:buChar char="-"/>
-            </a:pPr>
+              <a:t>State</a:t>
+            </a:r>
+            <a:r>
+              <a:rPr lang="pt-PT" dirty="0" smtClean="0"/>
+              <a:t> </a:t>
+            </a:r>
+            <a:r>
+              <a:rPr lang="pt-PT" dirty="0" err="1" smtClean="0"/>
+              <a:t>weight</a:t>
+            </a:r>
+            <a:r>
+              <a:rPr lang="pt-PT" dirty="0" smtClean="0"/>
+              <a:t> – o mecanismo utilizado</a:t>
+            </a:r>
             <a:r>
               <a:rPr lang="pt-PT" baseline="0" dirty="0" smtClean="0"/>
-              <a:t>Dicas de navegação</a:t>
-            </a:r>
-          </a:p>
-          <a:p>
-            <a:pPr marL="171450" indent="-171450">
-              <a:buFontTx/>
-              <a:buChar char="-"/>
-            </a:pPr>
+              <a:t> para manter o estado entre pedidos resultava na grande troca de dados</a:t>
+            </a:r>
+          </a:p>
+          <a:p>
+            <a:endParaRPr lang="pt-PT" baseline="0" dirty="0" smtClean="0"/>
+          </a:p>
+          <a:p>
             <a:r>
               <a:rPr lang="pt-PT" baseline="0" dirty="0" smtClean="0"/>
-              <a:t>Mostrar o </a:t>
+              <a:t>A forma como os eventos eram geridos por fezes era uma “caixa negra” e não se sabia muito bem que código </a:t>
             </a:r>
             <a:r>
               <a:rPr lang="pt-PT" baseline="0" dirty="0" err="1" smtClean="0"/>
-              <a:t>resharper</a:t>
+              <a:t>javascript</a:t>
             </a:r>
             <a:r>
               <a:rPr lang="pt-PT" baseline="0" dirty="0" smtClean="0"/>
-              <a:t> e dizer como podem instalar</a:t>
-            </a:r>
-          </a:p>
-          <a:p>
-            <a:pPr marL="171450" indent="-171450">
-              <a:buFontTx/>
-              <a:buChar char="-"/>
-            </a:pPr>
-            <a:endParaRPr lang="pt-PT" dirty="0" smtClean="0"/>
+              <a:t> a </a:t>
+            </a:r>
+            <a:r>
+              <a:rPr lang="pt-PT" baseline="0" dirty="0" err="1" smtClean="0"/>
+              <a:t>framework</a:t>
+            </a:r>
+            <a:r>
+              <a:rPr lang="pt-PT" baseline="0" dirty="0" smtClean="0"/>
+              <a:t> gerava.</a:t>
+            </a:r>
+          </a:p>
+          <a:p>
+            <a:endParaRPr lang="pt-PT" baseline="0" dirty="0" smtClean="0"/>
+          </a:p>
+          <a:p>
+            <a:r>
+              <a:rPr lang="pt-PT" baseline="0" dirty="0" smtClean="0"/>
+              <a:t>Os testes não eram fáceis de fazer, a mistura dos conceitos e separação pouco clara das camadas lógicas.</a:t>
+            </a:r>
+          </a:p>
+          <a:p>
+            <a:endParaRPr lang="pt-PT" dirty="0"/>
           </a:p>
         </p:txBody>
       </p:sp>
@@ -1478,7 +1750,7 @@
           <a:p>
             <a:fld id="{C2F41AF8-48ED-4D72-84BF-69822D70736D}" type="slidenum">
               <a:rPr lang="pt-PT" smtClean="0"/>
-              <a:t>14</a:t>
+              <a:t>9</a:t>
             </a:fld>
             <a:endParaRPr lang="pt-PT"/>
           </a:p>
@@ -1487,7 +1759,7 @@
     </p:spTree>
     <p:extLst>
       <p:ext uri="{BB962C8B-B14F-4D97-AF65-F5344CB8AC3E}">
-        <p14:creationId xmlns:p14="http://schemas.microsoft.com/office/powerpoint/2010/main" val="1139244474"/>
+        <p14:creationId xmlns:p14="http://schemas.microsoft.com/office/powerpoint/2010/main" val="2901069380"/>
       </p:ext>
     </p:extLst>
   </p:cSld>
@@ -1543,72 +1815,31 @@
           <a:p>
             <a:r>
               <a:rPr lang="pt-PT" dirty="0" smtClean="0"/>
-              <a:t>Criar um projeto já com </a:t>
+              <a:t>Usar o projeto </a:t>
             </a:r>
             <a:r>
               <a:rPr lang="pt-PT" dirty="0" err="1" smtClean="0"/>
-              <a:t>bootstra</a:t>
+              <a:t>Hello</a:t>
+            </a:r>
+            <a:r>
+              <a:rPr lang="pt-PT" dirty="0" smtClean="0"/>
+              <a:t> </a:t>
+            </a:r>
+            <a:r>
+              <a:rPr lang="pt-PT" dirty="0" err="1" smtClean="0"/>
+              <a:t>World</a:t>
+            </a:r>
+            <a:r>
+              <a:rPr lang="pt-PT" dirty="0" smtClean="0"/>
+              <a:t> para</a:t>
+            </a:r>
+            <a:r>
+              <a:rPr lang="pt-PT" baseline="0" dirty="0" smtClean="0"/>
+              <a:t> mostrar ciclos, </a:t>
             </a:r>
             <a:r>
               <a:rPr lang="pt-PT" baseline="0" dirty="0" err="1" smtClean="0"/>
-              <a:t>p</a:t>
-            </a:r>
-            <a:r>
-              <a:rPr lang="pt-PT" baseline="0" dirty="0" smtClean="0"/>
-              <a:t>, </a:t>
-            </a:r>
-            <a:r>
-              <a:rPr lang="pt-PT" baseline="0" dirty="0" err="1" smtClean="0"/>
-              <a:t>entity</a:t>
-            </a:r>
-            <a:r>
-              <a:rPr lang="pt-PT" baseline="0" dirty="0" smtClean="0"/>
-              <a:t> </a:t>
-            </a:r>
-            <a:r>
-              <a:rPr lang="pt-PT" baseline="0" dirty="0" err="1" smtClean="0"/>
-              <a:t>framework</a:t>
-            </a:r>
-            <a:r>
-              <a:rPr lang="pt-PT" baseline="0" dirty="0" smtClean="0"/>
-              <a:t>, etc.</a:t>
-            </a:r>
-          </a:p>
-          <a:p>
-            <a:endParaRPr lang="pt-PT" baseline="0" dirty="0" smtClean="0"/>
-          </a:p>
-          <a:p>
-            <a:r>
-              <a:rPr lang="pt-PT" dirty="0" smtClean="0"/>
-              <a:t>- Criar formulários em que é possível adicionar imagens, ter </a:t>
-            </a:r>
-            <a:r>
-              <a:rPr lang="pt-PT" dirty="0" err="1" smtClean="0"/>
-              <a:t>dropdown</a:t>
-            </a:r>
-            <a:r>
-              <a:rPr lang="pt-PT" dirty="0" smtClean="0"/>
-              <a:t>,</a:t>
-            </a:r>
-            <a:r>
-              <a:rPr lang="pt-PT" baseline="0" dirty="0" smtClean="0"/>
-              <a:t> </a:t>
-            </a:r>
-            <a:r>
-              <a:rPr lang="pt-PT" baseline="0" dirty="0" err="1" smtClean="0"/>
-              <a:t>radiobutton</a:t>
-            </a:r>
-            <a:r>
-              <a:rPr lang="pt-PT" baseline="0" dirty="0" smtClean="0"/>
-              <a:t>, </a:t>
-            </a:r>
-            <a:r>
-              <a:rPr lang="pt-PT" baseline="0" dirty="0" err="1" smtClean="0"/>
-              <a:t>checkbox</a:t>
-            </a:r>
-            <a:r>
-              <a:rPr lang="pt-PT" baseline="0" dirty="0" smtClean="0"/>
-              <a:t> </a:t>
+              <a:t>ifs</a:t>
             </a:r>
             <a:endParaRPr lang="pt-PT" dirty="0"/>
           </a:p>
@@ -1631,7 +1862,7 @@
           <a:p>
             <a:fld id="{C2F41AF8-48ED-4D72-84BF-69822D70736D}" type="slidenum">
               <a:rPr lang="pt-PT" smtClean="0"/>
-              <a:t>18</a:t>
+              <a:t>12</a:t>
             </a:fld>
             <a:endParaRPr lang="pt-PT"/>
           </a:p>
@@ -1640,7 +1871,191 @@
     </p:spTree>
     <p:extLst>
       <p:ext uri="{BB962C8B-B14F-4D97-AF65-F5344CB8AC3E}">
-        <p14:creationId xmlns:p14="http://schemas.microsoft.com/office/powerpoint/2010/main" val="3016536045"/>
+        <p14:creationId xmlns:p14="http://schemas.microsoft.com/office/powerpoint/2010/main" val="4262544170"/>
+      </p:ext>
+    </p:extLst>
+  </p:cSld>
+  <p:clrMapOvr>
+    <a:masterClrMapping/>
+  </p:clrMapOvr>
+</p:notes>
+</file>
+
+<file path=ppt/notesSlides/notesSlide9.xml><?xml version="1.0" encoding="utf-8"?>
+<p:notes xmlns:a="http://schemas.openxmlformats.org/drawingml/2006/main" xmlns:r="http://schemas.openxmlformats.org/officeDocument/2006/relationships" xmlns:p="http://schemas.openxmlformats.org/presentationml/2006/main">
+  <p:cSld>
+    <p:spTree>
+      <p:nvGrpSpPr>
+        <p:cNvPr id="1" name=""/>
+        <p:cNvGrpSpPr/>
+        <p:nvPr/>
+      </p:nvGrpSpPr>
+      <p:grpSpPr>
+        <a:xfrm>
+          <a:off x="0" y="0"/>
+          <a:ext cx="0" cy="0"/>
+          <a:chOff x="0" y="0"/>
+          <a:chExt cx="0" cy="0"/>
+        </a:xfrm>
+      </p:grpSpPr>
+      <p:sp>
+        <p:nvSpPr>
+          <p:cNvPr id="2" name="Marcador de Posição da Imagem do Diapositivo 1"/>
+          <p:cNvSpPr>
+            <a:spLocks noGrp="1" noRot="1" noChangeAspect="1"/>
+          </p:cNvSpPr>
+          <p:nvPr>
+            <p:ph type="sldImg"/>
+          </p:nvPr>
+        </p:nvSpPr>
+        <p:spPr/>
+      </p:sp>
+      <p:sp>
+        <p:nvSpPr>
+          <p:cNvPr id="3" name="Marcador de Posição de Notas 2"/>
+          <p:cNvSpPr>
+            <a:spLocks noGrp="1"/>
+          </p:cNvSpPr>
+          <p:nvPr>
+            <p:ph type="body" idx="1"/>
+          </p:nvPr>
+        </p:nvSpPr>
+        <p:spPr/>
+        <p:txBody>
+          <a:bodyPr/>
+          <a:lstStyle/>
+          <a:p>
+            <a:r>
+              <a:rPr lang="pt-PT" dirty="0" smtClean="0"/>
+              <a:t>Mostrar como fazer </a:t>
+            </a:r>
+            <a:r>
+              <a:rPr lang="pt-PT" dirty="0" err="1" smtClean="0"/>
+              <a:t>debug</a:t>
+            </a:r>
+            <a:r>
+              <a:rPr lang="pt-PT" dirty="0" smtClean="0"/>
+              <a:t> em:</a:t>
+            </a:r>
+          </a:p>
+          <a:p>
+            <a:endParaRPr lang="pt-PT" dirty="0" smtClean="0"/>
+          </a:p>
+          <a:p>
+            <a:pPr marL="171450" indent="-171450">
+              <a:buFontTx/>
+              <a:buChar char="-"/>
+            </a:pPr>
+            <a:r>
+              <a:rPr lang="pt-PT" dirty="0" err="1" smtClean="0"/>
+              <a:t>Controller</a:t>
+            </a:r>
+            <a:endParaRPr lang="pt-PT" dirty="0" smtClean="0"/>
+          </a:p>
+          <a:p>
+            <a:pPr marL="171450" indent="-171450">
+              <a:buFontTx/>
+              <a:buChar char="-"/>
+            </a:pPr>
+            <a:r>
+              <a:rPr lang="pt-PT" dirty="0" err="1" smtClean="0"/>
+              <a:t>Model</a:t>
+            </a:r>
+            <a:endParaRPr lang="pt-PT" dirty="0" smtClean="0"/>
+          </a:p>
+          <a:p>
+            <a:pPr marL="171450" indent="-171450">
+              <a:buFontTx/>
+              <a:buChar char="-"/>
+            </a:pPr>
+            <a:r>
+              <a:rPr lang="pt-PT" dirty="0" err="1" smtClean="0"/>
+              <a:t>View</a:t>
+            </a:r>
+            <a:endParaRPr lang="pt-PT" dirty="0" smtClean="0"/>
+          </a:p>
+          <a:p>
+            <a:pPr marL="171450" indent="-171450">
+              <a:buFontTx/>
+              <a:buChar char="-"/>
+            </a:pPr>
+            <a:r>
+              <a:rPr lang="pt-PT" dirty="0" err="1" smtClean="0"/>
+              <a:t>Javascript</a:t>
+            </a:r>
+            <a:endParaRPr lang="pt-PT" dirty="0" smtClean="0"/>
+          </a:p>
+          <a:p>
+            <a:pPr marL="0" indent="0">
+              <a:buFontTx/>
+              <a:buNone/>
+            </a:pPr>
+            <a:endParaRPr lang="pt-PT" dirty="0" smtClean="0"/>
+          </a:p>
+          <a:p>
+            <a:pPr marL="171450" indent="-171450">
+              <a:buFontTx/>
+              <a:buChar char="-"/>
+            </a:pPr>
+            <a:r>
+              <a:rPr lang="pt-PT" baseline="0" dirty="0" smtClean="0"/>
+              <a:t>Dicas de navegação</a:t>
+            </a:r>
+          </a:p>
+          <a:p>
+            <a:pPr marL="171450" indent="-171450">
+              <a:buFontTx/>
+              <a:buChar char="-"/>
+            </a:pPr>
+            <a:r>
+              <a:rPr lang="pt-PT" baseline="0" dirty="0" smtClean="0"/>
+              <a:t>Mostrar o </a:t>
+            </a:r>
+            <a:r>
+              <a:rPr lang="pt-PT" baseline="0" dirty="0" err="1" smtClean="0"/>
+              <a:t>resharper</a:t>
+            </a:r>
+            <a:r>
+              <a:rPr lang="pt-PT" baseline="0" dirty="0" smtClean="0"/>
+              <a:t> e dizer como podem instalar</a:t>
+            </a:r>
+          </a:p>
+          <a:p>
+            <a:pPr marL="171450" indent="-171450">
+              <a:buFontTx/>
+              <a:buChar char="-"/>
+            </a:pPr>
+            <a:endParaRPr lang="pt-PT" dirty="0" smtClean="0"/>
+          </a:p>
+        </p:txBody>
+      </p:sp>
+      <p:sp>
+        <p:nvSpPr>
+          <p:cNvPr id="4" name="Marcador de Posição do Número do Diapositivo 3"/>
+          <p:cNvSpPr>
+            <a:spLocks noGrp="1"/>
+          </p:cNvSpPr>
+          <p:nvPr>
+            <p:ph type="sldNum" sz="quarter" idx="10"/>
+          </p:nvPr>
+        </p:nvSpPr>
+        <p:spPr/>
+        <p:txBody>
+          <a:bodyPr/>
+          <a:lstStyle/>
+          <a:p>
+            <a:fld id="{C2F41AF8-48ED-4D72-84BF-69822D70736D}" type="slidenum">
+              <a:rPr lang="pt-PT" smtClean="0"/>
+              <a:t>14</a:t>
+            </a:fld>
+            <a:endParaRPr lang="pt-PT"/>
+          </a:p>
+        </p:txBody>
+      </p:sp>
+    </p:spTree>
+    <p:extLst>
+      <p:ext uri="{BB962C8B-B14F-4D97-AF65-F5344CB8AC3E}">
+        <p14:creationId xmlns:p14="http://schemas.microsoft.com/office/powerpoint/2010/main" val="1139244474"/>
       </p:ext>
     </p:extLst>
   </p:cSld>
@@ -1779,9 +2194,9 @@
           <a:bodyPr/>
           <a:lstStyle/>
           <a:p>
-            <a:fld id="{7DDE44D7-9040-4C79-AD27-9E0813CA1232}" type="datetimeFigureOut">
-              <a:rPr lang="pt-PT" smtClean="0"/>
-              <a:t>04/05/2015</a:t>
+            <a:fld id="{58EB6F0E-7DF8-4D98-A070-2BACEF830D93}" type="datetime1">
+              <a:rPr lang="pt-PT" smtClean="0"/>
+              <a:t>05/05/2015</a:t>
             </a:fld>
             <a:endParaRPr lang="pt-PT"/>
           </a:p>
@@ -1802,6 +2217,10 @@
           <a:bodyPr/>
           <a:lstStyle/>
           <a:p>
+            <a:r>
+              <a:rPr lang="pt-PT" smtClean="0"/>
+              <a:t>WORKSHOP ASP.NET MVC</a:t>
+            </a:r>
             <a:endParaRPr lang="pt-PT"/>
           </a:p>
         </p:txBody>
@@ -1949,9 +2368,9 @@
           <a:bodyPr/>
           <a:lstStyle/>
           <a:p>
-            <a:fld id="{7DDE44D7-9040-4C79-AD27-9E0813CA1232}" type="datetimeFigureOut">
-              <a:rPr lang="pt-PT" smtClean="0"/>
-              <a:t>04/05/2015</a:t>
+            <a:fld id="{3169938F-EC71-4185-8015-244D179927D3}" type="datetime1">
+              <a:rPr lang="pt-PT" smtClean="0"/>
+              <a:t>05/05/2015</a:t>
             </a:fld>
             <a:endParaRPr lang="pt-PT"/>
           </a:p>
@@ -1972,6 +2391,10 @@
           <a:bodyPr/>
           <a:lstStyle/>
           <a:p>
+            <a:r>
+              <a:rPr lang="pt-PT" smtClean="0"/>
+              <a:t>WORKSHOP ASP.NET MVC</a:t>
+            </a:r>
             <a:endParaRPr lang="pt-PT"/>
           </a:p>
         </p:txBody>
@@ -2129,9 +2552,9 @@
           <a:bodyPr/>
           <a:lstStyle/>
           <a:p>
-            <a:fld id="{7DDE44D7-9040-4C79-AD27-9E0813CA1232}" type="datetimeFigureOut">
-              <a:rPr lang="pt-PT" smtClean="0"/>
-              <a:t>04/05/2015</a:t>
+            <a:fld id="{A186E1E7-4D52-4ACC-BB1B-6E18A96C46F7}" type="datetime1">
+              <a:rPr lang="pt-PT" smtClean="0"/>
+              <a:t>05/05/2015</a:t>
             </a:fld>
             <a:endParaRPr lang="pt-PT"/>
           </a:p>
@@ -2152,6 +2575,10 @@
           <a:bodyPr/>
           <a:lstStyle/>
           <a:p>
+            <a:r>
+              <a:rPr lang="pt-PT" smtClean="0"/>
+              <a:t>WORKSHOP ASP.NET MVC</a:t>
+            </a:r>
             <a:endParaRPr lang="pt-PT"/>
           </a:p>
         </p:txBody>
@@ -2299,9 +2726,9 @@
           <a:bodyPr/>
           <a:lstStyle/>
           <a:p>
-            <a:fld id="{7DDE44D7-9040-4C79-AD27-9E0813CA1232}" type="datetimeFigureOut">
-              <a:rPr lang="pt-PT" smtClean="0"/>
-              <a:t>04/05/2015</a:t>
+            <a:fld id="{A0CC031B-E743-4DFB-B25B-230B5EE15641}" type="datetime1">
+              <a:rPr lang="pt-PT" smtClean="0"/>
+              <a:t>05/05/2015</a:t>
             </a:fld>
             <a:endParaRPr lang="pt-PT"/>
           </a:p>
@@ -2322,6 +2749,10 @@
           <a:bodyPr/>
           <a:lstStyle/>
           <a:p>
+            <a:r>
+              <a:rPr lang="pt-PT" smtClean="0"/>
+              <a:t>WORKSHOP ASP.NET MVC</a:t>
+            </a:r>
             <a:endParaRPr lang="pt-PT"/>
           </a:p>
         </p:txBody>
@@ -2545,9 +2976,9 @@
           <a:bodyPr/>
           <a:lstStyle/>
           <a:p>
-            <a:fld id="{7DDE44D7-9040-4C79-AD27-9E0813CA1232}" type="datetimeFigureOut">
-              <a:rPr lang="pt-PT" smtClean="0"/>
-              <a:t>04/05/2015</a:t>
+            <a:fld id="{9FBDF9A9-B706-4FE9-86F8-F31BF4E2942A}" type="datetime1">
+              <a:rPr lang="pt-PT" smtClean="0"/>
+              <a:t>05/05/2015</a:t>
             </a:fld>
             <a:endParaRPr lang="pt-PT"/>
           </a:p>
@@ -2568,6 +2999,10 @@
           <a:bodyPr/>
           <a:lstStyle/>
           <a:p>
+            <a:r>
+              <a:rPr lang="pt-PT" smtClean="0"/>
+              <a:t>WORKSHOP ASP.NET MVC</a:t>
+            </a:r>
             <a:endParaRPr lang="pt-PT"/>
           </a:p>
         </p:txBody>
@@ -2777,9 +3212,9 @@
           <a:bodyPr/>
           <a:lstStyle/>
           <a:p>
-            <a:fld id="{7DDE44D7-9040-4C79-AD27-9E0813CA1232}" type="datetimeFigureOut">
-              <a:rPr lang="pt-PT" smtClean="0"/>
-              <a:t>04/05/2015</a:t>
+            <a:fld id="{6A1B0442-92CF-4CAA-A485-1F9D54580546}" type="datetime1">
+              <a:rPr lang="pt-PT" smtClean="0"/>
+              <a:t>05/05/2015</a:t>
             </a:fld>
             <a:endParaRPr lang="pt-PT"/>
           </a:p>
@@ -2800,6 +3235,10 @@
           <a:bodyPr/>
           <a:lstStyle/>
           <a:p>
+            <a:r>
+              <a:rPr lang="pt-PT" smtClean="0"/>
+              <a:t>WORKSHOP ASP.NET MVC</a:t>
+            </a:r>
             <a:endParaRPr lang="pt-PT"/>
           </a:p>
         </p:txBody>
@@ -3144,9 +3583,9 @@
           <a:bodyPr/>
           <a:lstStyle/>
           <a:p>
-            <a:fld id="{7DDE44D7-9040-4C79-AD27-9E0813CA1232}" type="datetimeFigureOut">
-              <a:rPr lang="pt-PT" smtClean="0"/>
-              <a:t>04/05/2015</a:t>
+            <a:fld id="{B0684B70-B20D-4BBF-AC2B-24EFD9EE71F0}" type="datetime1">
+              <a:rPr lang="pt-PT" smtClean="0"/>
+              <a:t>05/05/2015</a:t>
             </a:fld>
             <a:endParaRPr lang="pt-PT"/>
           </a:p>
@@ -3167,6 +3606,10 @@
           <a:bodyPr/>
           <a:lstStyle/>
           <a:p>
+            <a:r>
+              <a:rPr lang="pt-PT" smtClean="0"/>
+              <a:t>WORKSHOP ASP.NET MVC</a:t>
+            </a:r>
             <a:endParaRPr lang="pt-PT"/>
           </a:p>
         </p:txBody>
@@ -3262,9 +3705,9 @@
           <a:bodyPr/>
           <a:lstStyle/>
           <a:p>
-            <a:fld id="{7DDE44D7-9040-4C79-AD27-9E0813CA1232}" type="datetimeFigureOut">
-              <a:rPr lang="pt-PT" smtClean="0"/>
-              <a:t>04/05/2015</a:t>
+            <a:fld id="{D635BBEE-5B13-4330-9F9F-A72278E7D4AE}" type="datetime1">
+              <a:rPr lang="pt-PT" smtClean="0"/>
+              <a:t>05/05/2015</a:t>
             </a:fld>
             <a:endParaRPr lang="pt-PT"/>
           </a:p>
@@ -3285,6 +3728,10 @@
           <a:bodyPr/>
           <a:lstStyle/>
           <a:p>
+            <a:r>
+              <a:rPr lang="pt-PT" smtClean="0"/>
+              <a:t>WORKSHOP ASP.NET MVC</a:t>
+            </a:r>
             <a:endParaRPr lang="pt-PT"/>
           </a:p>
         </p:txBody>
@@ -3357,9 +3804,9 @@
           <a:bodyPr/>
           <a:lstStyle/>
           <a:p>
-            <a:fld id="{7DDE44D7-9040-4C79-AD27-9E0813CA1232}" type="datetimeFigureOut">
-              <a:rPr lang="pt-PT" smtClean="0"/>
-              <a:t>04/05/2015</a:t>
+            <a:fld id="{69326E18-6BD8-4663-95CE-85B431D1DFF5}" type="datetime1">
+              <a:rPr lang="pt-PT" smtClean="0"/>
+              <a:t>05/05/2015</a:t>
             </a:fld>
             <a:endParaRPr lang="pt-PT"/>
           </a:p>
@@ -3380,6 +3827,10 @@
           <a:bodyPr/>
           <a:lstStyle/>
           <a:p>
+            <a:r>
+              <a:rPr lang="pt-PT" smtClean="0"/>
+              <a:t>WORKSHOP ASP.NET MVC</a:t>
+            </a:r>
             <a:endParaRPr lang="pt-PT"/>
           </a:p>
         </p:txBody>
@@ -3634,9 +4085,9 @@
           <a:bodyPr/>
           <a:lstStyle/>
           <a:p>
-            <a:fld id="{7DDE44D7-9040-4C79-AD27-9E0813CA1232}" type="datetimeFigureOut">
-              <a:rPr lang="pt-PT" smtClean="0"/>
-              <a:t>04/05/2015</a:t>
+            <a:fld id="{5D4EFB89-94AB-46E6-A12D-3F07393E70FF}" type="datetime1">
+              <a:rPr lang="pt-PT" smtClean="0"/>
+              <a:t>05/05/2015</a:t>
             </a:fld>
             <a:endParaRPr lang="pt-PT"/>
           </a:p>
@@ -3657,6 +4108,10 @@
           <a:bodyPr/>
           <a:lstStyle/>
           <a:p>
+            <a:r>
+              <a:rPr lang="pt-PT" smtClean="0"/>
+              <a:t>WORKSHOP ASP.NET MVC</a:t>
+            </a:r>
             <a:endParaRPr lang="pt-PT"/>
           </a:p>
         </p:txBody>
@@ -3887,9 +4342,9 @@
           <a:bodyPr/>
           <a:lstStyle/>
           <a:p>
-            <a:fld id="{7DDE44D7-9040-4C79-AD27-9E0813CA1232}" type="datetimeFigureOut">
-              <a:rPr lang="pt-PT" smtClean="0"/>
-              <a:t>04/05/2015</a:t>
+            <a:fld id="{CBB368D8-9674-4248-B6BB-4E2EBFA19C33}" type="datetime1">
+              <a:rPr lang="pt-PT" smtClean="0"/>
+              <a:t>05/05/2015</a:t>
             </a:fld>
             <a:endParaRPr lang="pt-PT"/>
           </a:p>
@@ -3910,6 +4365,10 @@
           <a:bodyPr/>
           <a:lstStyle/>
           <a:p>
+            <a:r>
+              <a:rPr lang="pt-PT" smtClean="0"/>
+              <a:t>WORKSHOP ASP.NET MVC</a:t>
+            </a:r>
             <a:endParaRPr lang="pt-PT"/>
           </a:p>
         </p:txBody>
@@ -4100,9 +4559,9 @@
             </a:lvl1pPr>
           </a:lstStyle>
           <a:p>
-            <a:fld id="{7DDE44D7-9040-4C79-AD27-9E0813CA1232}" type="datetimeFigureOut">
-              <a:rPr lang="pt-PT" smtClean="0"/>
-              <a:t>04/05/2015</a:t>
+            <a:fld id="{E1B2A735-2797-4EDA-9F1C-4C4E020EDD29}" type="datetime1">
+              <a:rPr lang="pt-PT" smtClean="0"/>
+              <a:t>05/05/2015</a:t>
             </a:fld>
             <a:endParaRPr lang="pt-PT"/>
           </a:p>
@@ -4141,6 +4600,10 @@
             </a:lvl1pPr>
           </a:lstStyle>
           <a:p>
+            <a:r>
+              <a:rPr lang="pt-PT" smtClean="0"/>
+              <a:t>WORKSHOP ASP.NET MVC</a:t>
+            </a:r>
             <a:endParaRPr lang="pt-PT"/>
           </a:p>
         </p:txBody>
@@ -4207,6 +4670,7 @@
     <p:sldLayoutId id="2147483658" r:id="rId10"/>
     <p:sldLayoutId id="2147483659" r:id="rId11"/>
   </p:sldLayoutIdLst>
+  <p:hf hdr="0" dt="0"/>
   <p:txStyles>
     <p:titleStyle>
       <a:lvl1pPr algn="l" defTabSz="914400" rtl="0" eaLnBrk="1" latinLnBrk="0" hangingPunct="1">
@@ -4542,23 +5006,104 @@
         </p:nvSpPr>
         <p:spPr/>
         <p:txBody>
-          <a:bodyPr/>
-          <a:lstStyle/>
-          <a:p>
+          <a:bodyPr>
+            <a:normAutofit/>
+          </a:bodyPr>
+          <a:lstStyle/>
+          <a:p>
+            <a:r>
+              <a:rPr lang="pt-PT" dirty="0"/>
+              <a:t>w</a:t>
+            </a:r>
             <a:r>
               <a:rPr lang="pt-PT" dirty="0" smtClean="0"/>
-              <a:t>MIGUEL COSTA</a:t>
-            </a:r>
-          </a:p>
-          <a:p>
-            <a:r>
-              <a:rPr lang="pt-PT" dirty="0" smtClean="0"/>
-              <a:t>INELCIS</a:t>
-            </a:r>
-            <a:endParaRPr lang="pt-PT" dirty="0"/>
-          </a:p>
-        </p:txBody>
-      </p:sp>
+              <a:t>orkshop com Miguel Costa</a:t>
+            </a:r>
+          </a:p>
+        </p:txBody>
+      </p:sp>
+      <p:pic>
+        <p:nvPicPr>
+          <p:cNvPr id="1026" name="Picture 2" descr="http://www.inlab-lims.pt/Imagens/InelcisSlogan.png"/>
+          <p:cNvPicPr>
+            <a:picLocks noChangeAspect="1" noChangeArrowheads="1"/>
+          </p:cNvPicPr>
+          <p:nvPr/>
+        </p:nvPicPr>
+        <p:blipFill>
+          <a:blip r:embed="rId3">
+            <a:extLst>
+              <a:ext uri="{28A0092B-C50C-407E-A947-70E740481C1C}">
+                <a14:useLocalDpi xmlns:a14="http://schemas.microsoft.com/office/drawing/2010/main" val="0"/>
+              </a:ext>
+            </a:extLst>
+          </a:blip>
+          <a:srcRect/>
+          <a:stretch>
+            <a:fillRect/>
+          </a:stretch>
+        </p:blipFill>
+        <p:spPr bwMode="auto">
+          <a:xfrm>
+            <a:off x="5273040" y="4989875"/>
+            <a:ext cx="3169920" cy="811500"/>
+          </a:xfrm>
+          <a:prstGeom prst="rect">
+            <a:avLst/>
+          </a:prstGeom>
+          <a:noFill/>
+          <a:extLst>
+            <a:ext uri="{909E8E84-426E-40DD-AFC4-6F175D3DCCD1}">
+              <a14:hiddenFill xmlns:a14="http://schemas.microsoft.com/office/drawing/2010/main">
+                <a:solidFill>
+                  <a:srgbClr val="FFFFFF"/>
+                </a:solidFill>
+              </a14:hiddenFill>
+            </a:ext>
+          </a:extLst>
+        </p:spPr>
+      </p:pic>
+      <p:pic>
+        <p:nvPicPr>
+          <p:cNvPr id="1028" name="Picture 4" descr="http://www.cesium.di.uminho.pt/logo.png"/>
+          <p:cNvPicPr>
+            <a:picLocks noChangeAspect="1" noChangeArrowheads="1"/>
+          </p:cNvPicPr>
+          <p:nvPr/>
+        </p:nvPicPr>
+        <p:blipFill>
+          <a:blip r:embed="rId4">
+            <a:extLst>
+              <a:ext uri="{28A0092B-C50C-407E-A947-70E740481C1C}">
+                <a14:useLocalDpi xmlns:a14="http://schemas.microsoft.com/office/drawing/2010/main" val="0"/>
+              </a:ext>
+            </a:extLst>
+          </a:blip>
+          <a:srcRect/>
+          <a:stretch>
+            <a:fillRect/>
+          </a:stretch>
+        </p:blipFill>
+        <p:spPr bwMode="auto">
+          <a:xfrm>
+            <a:off x="1143000" y="4966999"/>
+            <a:ext cx="2514600" cy="857251"/>
+          </a:xfrm>
+          <a:prstGeom prst="rect">
+            <a:avLst/>
+          </a:prstGeom>
+          <a:noFill/>
+          <a:extLst>
+            <a:ext uri="{909E8E84-426E-40DD-AFC4-6F175D3DCCD1}">
+              <a14:hiddenFill xmlns:a14="http://schemas.microsoft.com/office/drawing/2010/main">
+                <a:solidFill>
+                  <a:srgbClr val="FFFFFF"/>
+                </a:solidFill>
+              </a14:hiddenFill>
+            </a:ext>
+          </a:extLst>
+        </p:spPr>
+      </p:pic>
     </p:spTree>
     <p:extLst>
       <p:ext uri="{BB962C8B-B14F-4D97-AF65-F5344CB8AC3E}">
@@ -4638,6 +5183,52 @@
           </a:p>
         </p:txBody>
       </p:sp>
+      <p:sp>
+        <p:nvSpPr>
+          <p:cNvPr id="4" name="Marcador de Posição do Rodapé 3"/>
+          <p:cNvSpPr>
+            <a:spLocks noGrp="1"/>
+          </p:cNvSpPr>
+          <p:nvPr>
+            <p:ph type="ftr" sz="quarter" idx="11"/>
+          </p:nvPr>
+        </p:nvSpPr>
+        <p:spPr/>
+        <p:txBody>
+          <a:bodyPr/>
+          <a:lstStyle/>
+          <a:p>
+            <a:r>
+              <a:rPr lang="pt-PT" smtClean="0"/>
+              <a:t>WORKSHOP ASP.NET MVC</a:t>
+            </a:r>
+            <a:endParaRPr lang="pt-PT"/>
+          </a:p>
+        </p:txBody>
+      </p:sp>
+      <p:sp>
+        <p:nvSpPr>
+          <p:cNvPr id="5" name="Marcador de Posição do Número do Diapositivo 4"/>
+          <p:cNvSpPr>
+            <a:spLocks noGrp="1"/>
+          </p:cNvSpPr>
+          <p:nvPr>
+            <p:ph type="sldNum" sz="quarter" idx="12"/>
+          </p:nvPr>
+        </p:nvSpPr>
+        <p:spPr/>
+        <p:txBody>
+          <a:bodyPr/>
+          <a:lstStyle/>
+          <a:p>
+            <a:fld id="{B5D0499A-2096-4C57-99B8-BC6B60832399}" type="slidenum">
+              <a:rPr lang="pt-PT" smtClean="0"/>
+              <a:t>10</a:t>
+            </a:fld>
+            <a:endParaRPr lang="pt-PT"/>
+          </a:p>
+        </p:txBody>
+      </p:sp>
     </p:spTree>
     <p:extLst>
       <p:ext uri="{BB962C8B-B14F-4D97-AF65-F5344CB8AC3E}">
@@ -4717,22 +5308,72 @@
               <a:buNone/>
             </a:pPr>
             <a:r>
-              <a:rPr lang="pt-PT" dirty="0" err="1" smtClean="0"/>
+              <a:rPr lang="pt-PT" i="1" dirty="0" err="1" smtClean="0"/>
               <a:t>View</a:t>
             </a:r>
             <a:r>
+              <a:rPr lang="pt-PT" i="1" dirty="0" smtClean="0"/>
+              <a:t> </a:t>
+            </a:r>
+            <a:r>
+              <a:rPr lang="pt-PT" i="1" dirty="0" err="1" smtClean="0"/>
+              <a:t>Engine</a:t>
+            </a:r>
+            <a:r>
+              <a:rPr lang="pt-PT" i="1" dirty="0" smtClean="0"/>
+              <a:t> </a:t>
+            </a:r>
+            <a:r>
               <a:rPr lang="pt-PT" dirty="0" smtClean="0"/>
-              <a:t> </a:t>
-            </a:r>
-            <a:r>
-              <a:rPr lang="pt-PT" dirty="0" err="1" smtClean="0"/>
-              <a:t>Engine</a:t>
-            </a:r>
-            <a:r>
-              <a:rPr lang="pt-PT" dirty="0" smtClean="0"/>
-              <a:t> que permite inserir código diretamente na camada de visualização da aplicação, facilitando a codificação do projeto.</a:t>
+              <a:t>que permite inserir código diretamente na camada de visualização da aplicação, facilitando a codificação do projeto.</a:t>
             </a:r>
             <a:endParaRPr lang="pt-PT" dirty="0"/>
+          </a:p>
+        </p:txBody>
+      </p:sp>
+      <p:sp>
+        <p:nvSpPr>
+          <p:cNvPr id="4" name="Marcador de Posição do Rodapé 3"/>
+          <p:cNvSpPr>
+            <a:spLocks noGrp="1"/>
+          </p:cNvSpPr>
+          <p:nvPr>
+            <p:ph type="ftr" sz="quarter" idx="11"/>
+          </p:nvPr>
+        </p:nvSpPr>
+        <p:spPr/>
+        <p:txBody>
+          <a:bodyPr/>
+          <a:lstStyle/>
+          <a:p>
+            <a:r>
+              <a:rPr lang="pt-PT" smtClean="0"/>
+              <a:t>WORKSHOP ASP.NET MVC</a:t>
+            </a:r>
+            <a:endParaRPr lang="pt-PT"/>
+          </a:p>
+        </p:txBody>
+      </p:sp>
+      <p:sp>
+        <p:nvSpPr>
+          <p:cNvPr id="5" name="Marcador de Posição do Número do Diapositivo 4"/>
+          <p:cNvSpPr>
+            <a:spLocks noGrp="1"/>
+          </p:cNvSpPr>
+          <p:nvPr>
+            <p:ph type="sldNum" sz="quarter" idx="12"/>
+          </p:nvPr>
+        </p:nvSpPr>
+        <p:spPr/>
+        <p:txBody>
+          <a:bodyPr/>
+          <a:lstStyle/>
+          <a:p>
+            <a:fld id="{B5D0499A-2096-4C57-99B8-BC6B60832399}" type="slidenum">
+              <a:rPr lang="pt-PT" smtClean="0"/>
+              <a:t>11</a:t>
+            </a:fld>
+            <a:endParaRPr lang="pt-PT"/>
           </a:p>
         </p:txBody>
       </p:sp>
@@ -6477,6 +7118,52 @@
           </a:p>
         </p:txBody>
       </p:sp>
+      <p:sp>
+        <p:nvSpPr>
+          <p:cNvPr id="3" name="Marcador de Posição do Rodapé 2"/>
+          <p:cNvSpPr>
+            <a:spLocks noGrp="1"/>
+          </p:cNvSpPr>
+          <p:nvPr>
+            <p:ph type="ftr" sz="quarter" idx="11"/>
+          </p:nvPr>
+        </p:nvSpPr>
+        <p:spPr/>
+        <p:txBody>
+          <a:bodyPr/>
+          <a:lstStyle/>
+          <a:p>
+            <a:r>
+              <a:rPr lang="pt-PT" smtClean="0"/>
+              <a:t>WORKSHOP ASP.NET MVC</a:t>
+            </a:r>
+            <a:endParaRPr lang="pt-PT"/>
+          </a:p>
+        </p:txBody>
+      </p:sp>
+      <p:sp>
+        <p:nvSpPr>
+          <p:cNvPr id="4" name="Marcador de Posição do Número do Diapositivo 3"/>
+          <p:cNvSpPr>
+            <a:spLocks noGrp="1"/>
+          </p:cNvSpPr>
+          <p:nvPr>
+            <p:ph type="sldNum" sz="quarter" idx="12"/>
+          </p:nvPr>
+        </p:nvSpPr>
+        <p:spPr/>
+        <p:txBody>
+          <a:bodyPr/>
+          <a:lstStyle/>
+          <a:p>
+            <a:fld id="{B5D0499A-2096-4C57-99B8-BC6B60832399}" type="slidenum">
+              <a:rPr lang="pt-PT" smtClean="0"/>
+              <a:t>12</a:t>
+            </a:fld>
+            <a:endParaRPr lang="pt-PT"/>
+          </a:p>
+        </p:txBody>
+      </p:sp>
     </p:spTree>
     <p:extLst>
       <p:ext uri="{BB962C8B-B14F-4D97-AF65-F5344CB8AC3E}">
@@ -6560,6 +7247,52 @@
           </a:p>
         </p:txBody>
       </p:sp>
+      <p:sp>
+        <p:nvSpPr>
+          <p:cNvPr id="4" name="Marcador de Posição do Rodapé 3"/>
+          <p:cNvSpPr>
+            <a:spLocks noGrp="1"/>
+          </p:cNvSpPr>
+          <p:nvPr>
+            <p:ph type="ftr" sz="quarter" idx="11"/>
+          </p:nvPr>
+        </p:nvSpPr>
+        <p:spPr/>
+        <p:txBody>
+          <a:bodyPr/>
+          <a:lstStyle/>
+          <a:p>
+            <a:r>
+              <a:rPr lang="pt-PT" smtClean="0"/>
+              <a:t>WORKSHOP ASP.NET MVC</a:t>
+            </a:r>
+            <a:endParaRPr lang="pt-PT"/>
+          </a:p>
+        </p:txBody>
+      </p:sp>
+      <p:sp>
+        <p:nvSpPr>
+          <p:cNvPr id="5" name="Marcador de Posição do Número do Diapositivo 4"/>
+          <p:cNvSpPr>
+            <a:spLocks noGrp="1"/>
+          </p:cNvSpPr>
+          <p:nvPr>
+            <p:ph type="sldNum" sz="quarter" idx="12"/>
+          </p:nvPr>
+        </p:nvSpPr>
+        <p:spPr/>
+        <p:txBody>
+          <a:bodyPr/>
+          <a:lstStyle/>
+          <a:p>
+            <a:fld id="{B5D0499A-2096-4C57-99B8-BC6B60832399}" type="slidenum">
+              <a:rPr lang="pt-PT" smtClean="0"/>
+              <a:t>13</a:t>
+            </a:fld>
+            <a:endParaRPr lang="pt-PT"/>
+          </a:p>
+        </p:txBody>
+      </p:sp>
     </p:spTree>
     <p:extLst>
       <p:ext uri="{BB962C8B-B14F-4D97-AF65-F5344CB8AC3E}">
@@ -6647,6 +7380,52 @@
           </a:p>
         </p:txBody>
       </p:sp>
+      <p:sp>
+        <p:nvSpPr>
+          <p:cNvPr id="4" name="Marcador de Posição do Rodapé 3"/>
+          <p:cNvSpPr>
+            <a:spLocks noGrp="1"/>
+          </p:cNvSpPr>
+          <p:nvPr>
+            <p:ph type="ftr" sz="quarter" idx="11"/>
+          </p:nvPr>
+        </p:nvSpPr>
+        <p:spPr/>
+        <p:txBody>
+          <a:bodyPr/>
+          <a:lstStyle/>
+          <a:p>
+            <a:r>
+              <a:rPr lang="pt-PT" smtClean="0"/>
+              <a:t>WORKSHOP ASP.NET MVC</a:t>
+            </a:r>
+            <a:endParaRPr lang="pt-PT"/>
+          </a:p>
+        </p:txBody>
+      </p:sp>
+      <p:sp>
+        <p:nvSpPr>
+          <p:cNvPr id="5" name="Marcador de Posição do Número do Diapositivo 4"/>
+          <p:cNvSpPr>
+            <a:spLocks noGrp="1"/>
+          </p:cNvSpPr>
+          <p:nvPr>
+            <p:ph type="sldNum" sz="quarter" idx="12"/>
+          </p:nvPr>
+        </p:nvSpPr>
+        <p:spPr/>
+        <p:txBody>
+          <a:bodyPr/>
+          <a:lstStyle/>
+          <a:p>
+            <a:fld id="{B5D0499A-2096-4C57-99B8-BC6B60832399}" type="slidenum">
+              <a:rPr lang="pt-PT" smtClean="0"/>
+              <a:t>14</a:t>
+            </a:fld>
+            <a:endParaRPr lang="pt-PT"/>
+          </a:p>
+        </p:txBody>
+      </p:sp>
     </p:spTree>
     <p:extLst>
       <p:ext uri="{BB962C8B-B14F-4D97-AF65-F5344CB8AC3E}">
@@ -6701,7 +7480,11 @@
           <a:p>
             <a:r>
               <a:rPr lang="pt-PT" dirty="0" smtClean="0"/>
-              <a:t>Tecnologias associadas ao desenvolvimento em ASP.NET MVC</a:t>
+              <a:t>Outras tecnologias/</a:t>
+            </a:r>
+            <a:r>
+              <a:rPr lang="pt-PT" dirty="0" err="1" smtClean="0"/>
+              <a:t>frameworks</a:t>
             </a:r>
             <a:endParaRPr lang="pt-PT" dirty="0"/>
           </a:p>
@@ -6722,6 +7505,52 @@
           <a:bodyPr/>
           <a:lstStyle/>
           <a:p>
+            <a:endParaRPr lang="pt-PT"/>
+          </a:p>
+        </p:txBody>
+      </p:sp>
+      <p:sp>
+        <p:nvSpPr>
+          <p:cNvPr id="4" name="Marcador de Posição do Rodapé 3"/>
+          <p:cNvSpPr>
+            <a:spLocks noGrp="1"/>
+          </p:cNvSpPr>
+          <p:nvPr>
+            <p:ph type="ftr" sz="quarter" idx="11"/>
+          </p:nvPr>
+        </p:nvSpPr>
+        <p:spPr/>
+        <p:txBody>
+          <a:bodyPr/>
+          <a:lstStyle/>
+          <a:p>
+            <a:r>
+              <a:rPr lang="pt-PT" smtClean="0"/>
+              <a:t>WORKSHOP ASP.NET MVC</a:t>
+            </a:r>
+            <a:endParaRPr lang="pt-PT"/>
+          </a:p>
+        </p:txBody>
+      </p:sp>
+      <p:sp>
+        <p:nvSpPr>
+          <p:cNvPr id="5" name="Marcador de Posição do Número do Diapositivo 4"/>
+          <p:cNvSpPr>
+            <a:spLocks noGrp="1"/>
+          </p:cNvSpPr>
+          <p:nvPr>
+            <p:ph type="sldNum" sz="quarter" idx="12"/>
+          </p:nvPr>
+        </p:nvSpPr>
+        <p:spPr/>
+        <p:txBody>
+          <a:bodyPr/>
+          <a:lstStyle/>
+          <a:p>
+            <a:fld id="{B5D0499A-2096-4C57-99B8-BC6B60832399}" type="slidenum">
+              <a:rPr lang="pt-PT" smtClean="0"/>
+              <a:t>15</a:t>
+            </a:fld>
             <a:endParaRPr lang="pt-PT"/>
           </a:p>
         </p:txBody>
@@ -6775,12 +7604,18 @@
         </p:nvSpPr>
         <p:spPr/>
         <p:txBody>
-          <a:bodyPr/>
+          <a:bodyPr>
+            <a:normAutofit/>
+          </a:bodyPr>
           <a:lstStyle/>
           <a:p>
             <a:r>
               <a:rPr lang="pt-PT" dirty="0" smtClean="0"/>
-              <a:t>Tecnologias associadas ao desenvolvimento em ASP.NET</a:t>
+              <a:t>Outras tecnologias/</a:t>
+            </a:r>
+            <a:r>
+              <a:rPr lang="pt-PT" dirty="0" err="1" smtClean="0"/>
+              <a:t>frameworks</a:t>
             </a:r>
             <a:endParaRPr lang="pt-PT" dirty="0"/>
           </a:p>
@@ -6809,7 +7644,6 @@
               <a:rPr lang="pt-PT" dirty="0" smtClean="0"/>
               <a:t> Framework</a:t>
             </a:r>
-            <a:endParaRPr lang="pt-PT" dirty="0" smtClean="0"/>
           </a:p>
           <a:p>
             <a:r>
@@ -6831,6 +7665,13 @@
           </a:p>
           <a:p>
             <a:r>
+              <a:rPr lang="pt-PT" dirty="0" smtClean="0"/>
+              <a:t>CSS</a:t>
+            </a:r>
+            <a:endParaRPr lang="pt-PT" dirty="0" smtClean="0"/>
+          </a:p>
+          <a:p>
+            <a:r>
               <a:rPr lang="pt-PT" dirty="0" err="1" smtClean="0"/>
               <a:t>Bootstrap</a:t>
             </a:r>
@@ -6853,6 +7694,52 @@
           </a:p>
           <a:p>
             <a:endParaRPr lang="pt-PT" dirty="0"/>
+          </a:p>
+        </p:txBody>
+      </p:sp>
+      <p:sp>
+        <p:nvSpPr>
+          <p:cNvPr id="4" name="Marcador de Posição do Rodapé 3"/>
+          <p:cNvSpPr>
+            <a:spLocks noGrp="1"/>
+          </p:cNvSpPr>
+          <p:nvPr>
+            <p:ph type="ftr" sz="quarter" idx="11"/>
+          </p:nvPr>
+        </p:nvSpPr>
+        <p:spPr/>
+        <p:txBody>
+          <a:bodyPr/>
+          <a:lstStyle/>
+          <a:p>
+            <a:r>
+              <a:rPr lang="pt-PT" smtClean="0"/>
+              <a:t>WORKSHOP ASP.NET MVC</a:t>
+            </a:r>
+            <a:endParaRPr lang="pt-PT"/>
+          </a:p>
+        </p:txBody>
+      </p:sp>
+      <p:sp>
+        <p:nvSpPr>
+          <p:cNvPr id="5" name="Marcador de Posição do Número do Diapositivo 4"/>
+          <p:cNvSpPr>
+            <a:spLocks noGrp="1"/>
+          </p:cNvSpPr>
+          <p:nvPr>
+            <p:ph type="sldNum" sz="quarter" idx="12"/>
+          </p:nvPr>
+        </p:nvSpPr>
+        <p:spPr/>
+        <p:txBody>
+          <a:bodyPr/>
+          <a:lstStyle/>
+          <a:p>
+            <a:fld id="{B5D0499A-2096-4C57-99B8-BC6B60832399}" type="slidenum">
+              <a:rPr lang="pt-PT" smtClean="0"/>
+              <a:t>16</a:t>
+            </a:fld>
+            <a:endParaRPr lang="pt-PT"/>
           </a:p>
         </p:txBody>
       </p:sp>
@@ -6910,7 +7797,7 @@
           <a:p>
             <a:r>
               <a:rPr lang="pt-PT" dirty="0" smtClean="0"/>
-              <a:t>Conclusão</a:t>
+              <a:t>Demo</a:t>
             </a:r>
             <a:endParaRPr lang="pt-PT" dirty="0"/>
           </a:p>
@@ -6931,6 +7818,56 @@
           <a:bodyPr/>
           <a:lstStyle/>
           <a:p>
+            <a:r>
+              <a:rPr lang="pt-PT" dirty="0" smtClean="0"/>
+              <a:t>Blog</a:t>
+            </a:r>
+            <a:endParaRPr lang="pt-PT" dirty="0"/>
+          </a:p>
+        </p:txBody>
+      </p:sp>
+      <p:sp>
+        <p:nvSpPr>
+          <p:cNvPr id="4" name="Marcador de Posição do Rodapé 3"/>
+          <p:cNvSpPr>
+            <a:spLocks noGrp="1"/>
+          </p:cNvSpPr>
+          <p:nvPr>
+            <p:ph type="ftr" sz="quarter" idx="11"/>
+          </p:nvPr>
+        </p:nvSpPr>
+        <p:spPr/>
+        <p:txBody>
+          <a:bodyPr/>
+          <a:lstStyle/>
+          <a:p>
+            <a:r>
+              <a:rPr lang="pt-PT" smtClean="0"/>
+              <a:t>WORKSHOP ASP.NET MVC</a:t>
+            </a:r>
+            <a:endParaRPr lang="pt-PT"/>
+          </a:p>
+        </p:txBody>
+      </p:sp>
+      <p:sp>
+        <p:nvSpPr>
+          <p:cNvPr id="5" name="Marcador de Posição do Número do Diapositivo 4"/>
+          <p:cNvSpPr>
+            <a:spLocks noGrp="1"/>
+          </p:cNvSpPr>
+          <p:nvPr>
+            <p:ph type="sldNum" sz="quarter" idx="12"/>
+          </p:nvPr>
+        </p:nvSpPr>
+        <p:spPr/>
+        <p:txBody>
+          <a:bodyPr/>
+          <a:lstStyle/>
+          <a:p>
+            <a:fld id="{B5D0499A-2096-4C57-99B8-BC6B60832399}" type="slidenum">
+              <a:rPr lang="pt-PT" smtClean="0"/>
+              <a:t>17</a:t>
+            </a:fld>
             <a:endParaRPr lang="pt-PT"/>
           </a:p>
         </p:txBody>
@@ -6938,7 +7875,7 @@
     </p:spTree>
     <p:extLst>
       <p:ext uri="{BB962C8B-B14F-4D97-AF65-F5344CB8AC3E}">
-        <p14:creationId xmlns:p14="http://schemas.microsoft.com/office/powerpoint/2010/main" val="1915562831"/>
+        <p14:creationId xmlns:p14="http://schemas.microsoft.com/office/powerpoint/2010/main" val="583700768"/>
       </p:ext>
     </p:extLst>
   </p:cSld>
@@ -6989,7 +7926,7 @@
           <a:p>
             <a:r>
               <a:rPr lang="pt-PT" dirty="0" smtClean="0"/>
-              <a:t>Demo</a:t>
+              <a:t>Conclusão</a:t>
             </a:r>
             <a:endParaRPr lang="pt-PT" dirty="0"/>
           </a:p>
@@ -7010,18 +7947,60 @@
           <a:bodyPr/>
           <a:lstStyle/>
           <a:p>
-            <a:r>
-              <a:rPr lang="pt-PT" dirty="0" smtClean="0"/>
-              <a:t>Blog</a:t>
-            </a:r>
-            <a:endParaRPr lang="pt-PT" dirty="0"/>
+            <a:endParaRPr lang="pt-PT"/>
+          </a:p>
+        </p:txBody>
+      </p:sp>
+      <p:sp>
+        <p:nvSpPr>
+          <p:cNvPr id="4" name="Marcador de Posição do Rodapé 3"/>
+          <p:cNvSpPr>
+            <a:spLocks noGrp="1"/>
+          </p:cNvSpPr>
+          <p:nvPr>
+            <p:ph type="ftr" sz="quarter" idx="11"/>
+          </p:nvPr>
+        </p:nvSpPr>
+        <p:spPr/>
+        <p:txBody>
+          <a:bodyPr/>
+          <a:lstStyle/>
+          <a:p>
+            <a:r>
+              <a:rPr lang="pt-PT" smtClean="0"/>
+              <a:t>WORKSHOP ASP.NET MVC</a:t>
+            </a:r>
+            <a:endParaRPr lang="pt-PT"/>
+          </a:p>
+        </p:txBody>
+      </p:sp>
+      <p:sp>
+        <p:nvSpPr>
+          <p:cNvPr id="5" name="Marcador de Posição do Número do Diapositivo 4"/>
+          <p:cNvSpPr>
+            <a:spLocks noGrp="1"/>
+          </p:cNvSpPr>
+          <p:nvPr>
+            <p:ph type="sldNum" sz="quarter" idx="12"/>
+          </p:nvPr>
+        </p:nvSpPr>
+        <p:spPr/>
+        <p:txBody>
+          <a:bodyPr/>
+          <a:lstStyle/>
+          <a:p>
+            <a:fld id="{B5D0499A-2096-4C57-99B8-BC6B60832399}" type="slidenum">
+              <a:rPr lang="pt-PT" smtClean="0"/>
+              <a:t>18</a:t>
+            </a:fld>
+            <a:endParaRPr lang="pt-PT"/>
           </a:p>
         </p:txBody>
       </p:sp>
     </p:spTree>
     <p:extLst>
       <p:ext uri="{BB962C8B-B14F-4D97-AF65-F5344CB8AC3E}">
-        <p14:creationId xmlns:p14="http://schemas.microsoft.com/office/powerpoint/2010/main" val="583700768"/>
+        <p14:creationId xmlns:p14="http://schemas.microsoft.com/office/powerpoint/2010/main" val="1915562831"/>
       </p:ext>
     </p:extLst>
   </p:cSld>
@@ -7123,6 +8102,52 @@
           </a:p>
           <a:p>
             <a:endParaRPr lang="pt-PT" dirty="0"/>
+          </a:p>
+        </p:txBody>
+      </p:sp>
+      <p:sp>
+        <p:nvSpPr>
+          <p:cNvPr id="4" name="Marcador de Posição do Rodapé 3"/>
+          <p:cNvSpPr>
+            <a:spLocks noGrp="1"/>
+          </p:cNvSpPr>
+          <p:nvPr>
+            <p:ph type="ftr" sz="quarter" idx="11"/>
+          </p:nvPr>
+        </p:nvSpPr>
+        <p:spPr/>
+        <p:txBody>
+          <a:bodyPr/>
+          <a:lstStyle/>
+          <a:p>
+            <a:r>
+              <a:rPr lang="pt-PT" smtClean="0"/>
+              <a:t>WORKSHOP ASP.NET MVC</a:t>
+            </a:r>
+            <a:endParaRPr lang="pt-PT"/>
+          </a:p>
+        </p:txBody>
+      </p:sp>
+      <p:sp>
+        <p:nvSpPr>
+          <p:cNvPr id="5" name="Marcador de Posição do Número do Diapositivo 4"/>
+          <p:cNvSpPr>
+            <a:spLocks noGrp="1"/>
+          </p:cNvSpPr>
+          <p:nvPr>
+            <p:ph type="sldNum" sz="quarter" idx="12"/>
+          </p:nvPr>
+        </p:nvSpPr>
+        <p:spPr/>
+        <p:txBody>
+          <a:bodyPr/>
+          <a:lstStyle/>
+          <a:p>
+            <a:fld id="{B5D0499A-2096-4C57-99B8-BC6B60832399}" type="slidenum">
+              <a:rPr lang="pt-PT" smtClean="0"/>
+              <a:t>19</a:t>
+            </a:fld>
+            <a:endParaRPr lang="pt-PT"/>
           </a:p>
         </p:txBody>
       </p:sp>
@@ -7235,8 +8260,13 @@
           <a:p>
             <a:r>
               <a:rPr lang="pt-PT" dirty="0" smtClean="0"/>
-              <a:t>Tecnologias relacionadas</a:t>
-            </a:r>
+              <a:t>Outras tecnologias/</a:t>
+            </a:r>
+            <a:r>
+              <a:rPr lang="pt-PT" dirty="0" err="1" smtClean="0"/>
+              <a:t>frameworks</a:t>
+            </a:r>
+            <a:endParaRPr lang="pt-PT" dirty="0" smtClean="0"/>
           </a:p>
           <a:p>
             <a:r>
@@ -7252,6 +8282,52 @@
           </a:p>
           <a:p>
             <a:endParaRPr lang="pt-PT" dirty="0"/>
+          </a:p>
+        </p:txBody>
+      </p:sp>
+      <p:sp>
+        <p:nvSpPr>
+          <p:cNvPr id="4" name="Marcador de Posição do Rodapé 3"/>
+          <p:cNvSpPr>
+            <a:spLocks noGrp="1"/>
+          </p:cNvSpPr>
+          <p:nvPr>
+            <p:ph type="ftr" sz="quarter" idx="11"/>
+          </p:nvPr>
+        </p:nvSpPr>
+        <p:spPr/>
+        <p:txBody>
+          <a:bodyPr/>
+          <a:lstStyle/>
+          <a:p>
+            <a:r>
+              <a:rPr lang="pt-PT" smtClean="0"/>
+              <a:t>WORKSHOP ASP.NET MVC</a:t>
+            </a:r>
+            <a:endParaRPr lang="pt-PT"/>
+          </a:p>
+        </p:txBody>
+      </p:sp>
+      <p:sp>
+        <p:nvSpPr>
+          <p:cNvPr id="5" name="Marcador de Posição do Número do Diapositivo 4"/>
+          <p:cNvSpPr>
+            <a:spLocks noGrp="1"/>
+          </p:cNvSpPr>
+          <p:nvPr>
+            <p:ph type="sldNum" sz="quarter" idx="12"/>
+          </p:nvPr>
+        </p:nvSpPr>
+        <p:spPr/>
+        <p:txBody>
+          <a:bodyPr/>
+          <a:lstStyle/>
+          <a:p>
+            <a:fld id="{B5D0499A-2096-4C57-99B8-BC6B60832399}" type="slidenum">
+              <a:rPr lang="pt-PT" smtClean="0"/>
+              <a:t>2</a:t>
+            </a:fld>
+            <a:endParaRPr lang="pt-PT"/>
           </a:p>
         </p:txBody>
       </p:sp>
@@ -7259,6 +8335,491 @@
     <p:extLst>
       <p:ext uri="{BB962C8B-B14F-4D97-AF65-F5344CB8AC3E}">
         <p14:creationId xmlns:p14="http://schemas.microsoft.com/office/powerpoint/2010/main" val="3513811197"/>
+      </p:ext>
+    </p:extLst>
+  </p:cSld>
+  <p:clrMapOvr>
+    <a:masterClrMapping/>
+  </p:clrMapOvr>
+  <p:timing>
+    <p:tnLst>
+      <p:par>
+        <p:cTn id="1" dur="indefinite" restart="never" nodeType="tmRoot"/>
+      </p:par>
+    </p:tnLst>
+  </p:timing>
+</p:sld>
+</file>
+
+<file path=ppt/slides/slide20.xml><?xml version="1.0" encoding="utf-8"?>
+<p:sld xmlns:a="http://schemas.openxmlformats.org/drawingml/2006/main" xmlns:r="http://schemas.openxmlformats.org/officeDocument/2006/relationships" xmlns:p="http://schemas.openxmlformats.org/presentationml/2006/main">
+  <p:cSld>
+    <p:spTree>
+      <p:nvGrpSpPr>
+        <p:cNvPr id="1" name=""/>
+        <p:cNvGrpSpPr/>
+        <p:nvPr/>
+      </p:nvGrpSpPr>
+      <p:grpSpPr>
+        <a:xfrm>
+          <a:off x="0" y="0"/>
+          <a:ext cx="0" cy="0"/>
+          <a:chOff x="0" y="0"/>
+          <a:chExt cx="0" cy="0"/>
+        </a:xfrm>
+      </p:grpSpPr>
+      <p:sp>
+        <p:nvSpPr>
+          <p:cNvPr id="2" name="Título 1"/>
+          <p:cNvSpPr>
+            <a:spLocks noGrp="1"/>
+          </p:cNvSpPr>
+          <p:nvPr>
+            <p:ph type="ctrTitle"/>
+          </p:nvPr>
+        </p:nvSpPr>
+        <p:spPr/>
+        <p:txBody>
+          <a:bodyPr/>
+          <a:lstStyle/>
+          <a:p>
+            <a:r>
+              <a:rPr lang="pt-PT" dirty="0" smtClean="0"/>
+              <a:t>ASP.NET MVC</a:t>
+            </a:r>
+            <a:endParaRPr lang="pt-PT" dirty="0"/>
+          </a:p>
+        </p:txBody>
+      </p:sp>
+      <p:sp>
+        <p:nvSpPr>
+          <p:cNvPr id="3" name="Subtítulo 2"/>
+          <p:cNvSpPr>
+            <a:spLocks noGrp="1"/>
+          </p:cNvSpPr>
+          <p:nvPr>
+            <p:ph type="subTitle" idx="1"/>
+          </p:nvPr>
+        </p:nvSpPr>
+        <p:spPr/>
+        <p:txBody>
+          <a:bodyPr>
+            <a:normAutofit/>
+          </a:bodyPr>
+          <a:lstStyle/>
+          <a:p>
+            <a:r>
+              <a:rPr lang="pt-PT" dirty="0"/>
+              <a:t>w</a:t>
+            </a:r>
+            <a:r>
+              <a:rPr lang="pt-PT" dirty="0" smtClean="0"/>
+              <a:t>orkshop com Miguel Costa</a:t>
+            </a:r>
+          </a:p>
+        </p:txBody>
+      </p:sp>
+      <p:pic>
+        <p:nvPicPr>
+          <p:cNvPr id="1026" name="Picture 2" descr="http://www.inlab-lims.pt/Imagens/InelcisSlogan.png"/>
+          <p:cNvPicPr>
+            <a:picLocks noChangeAspect="1" noChangeArrowheads="1"/>
+          </p:cNvPicPr>
+          <p:nvPr/>
+        </p:nvPicPr>
+        <p:blipFill>
+          <a:blip r:embed="rId3">
+            <a:extLst>
+              <a:ext uri="{28A0092B-C50C-407E-A947-70E740481C1C}">
+                <a14:useLocalDpi xmlns:a14="http://schemas.microsoft.com/office/drawing/2010/main" val="0"/>
+              </a:ext>
+            </a:extLst>
+          </a:blip>
+          <a:srcRect/>
+          <a:stretch>
+            <a:fillRect/>
+          </a:stretch>
+        </p:blipFill>
+        <p:spPr bwMode="auto">
+          <a:xfrm>
+            <a:off x="5044440" y="454985"/>
+            <a:ext cx="3169920" cy="811500"/>
+          </a:xfrm>
+          <a:prstGeom prst="rect">
+            <a:avLst/>
+          </a:prstGeom>
+          <a:noFill/>
+          <a:extLst>
+            <a:ext uri="{909E8E84-426E-40DD-AFC4-6F175D3DCCD1}">
+              <a14:hiddenFill xmlns:a14="http://schemas.microsoft.com/office/drawing/2010/main">
+                <a:solidFill>
+                  <a:srgbClr val="FFFFFF"/>
+                </a:solidFill>
+              </a14:hiddenFill>
+            </a:ext>
+          </a:extLst>
+        </p:spPr>
+      </p:pic>
+      <p:pic>
+        <p:nvPicPr>
+          <p:cNvPr id="1028" name="Picture 4" descr="http://www.cesium.di.uminho.pt/logo.png"/>
+          <p:cNvPicPr>
+            <a:picLocks noChangeAspect="1" noChangeArrowheads="1"/>
+          </p:cNvPicPr>
+          <p:nvPr/>
+        </p:nvPicPr>
+        <p:blipFill>
+          <a:blip r:embed="rId4">
+            <a:extLst>
+              <a:ext uri="{28A0092B-C50C-407E-A947-70E740481C1C}">
+                <a14:useLocalDpi xmlns:a14="http://schemas.microsoft.com/office/drawing/2010/main" val="0"/>
+              </a:ext>
+            </a:extLst>
+          </a:blip>
+          <a:srcRect/>
+          <a:stretch>
+            <a:fillRect/>
+          </a:stretch>
+        </p:blipFill>
+        <p:spPr bwMode="auto">
+          <a:xfrm>
+            <a:off x="487680" y="454985"/>
+            <a:ext cx="2514600" cy="857251"/>
+          </a:xfrm>
+          <a:prstGeom prst="rect">
+            <a:avLst/>
+          </a:prstGeom>
+          <a:noFill/>
+          <a:extLst>
+            <a:ext uri="{909E8E84-426E-40DD-AFC4-6F175D3DCCD1}">
+              <a14:hiddenFill xmlns:a14="http://schemas.microsoft.com/office/drawing/2010/main">
+                <a:solidFill>
+                  <a:srgbClr val="FFFFFF"/>
+                </a:solidFill>
+              </a14:hiddenFill>
+            </a:ext>
+          </a:extLst>
+        </p:spPr>
+      </p:pic>
+      <p:sp>
+        <p:nvSpPr>
+          <p:cNvPr id="4" name="CaixaDeTexto 3"/>
+          <p:cNvSpPr txBox="1"/>
+          <p:nvPr/>
+        </p:nvSpPr>
+        <p:spPr>
+          <a:xfrm>
+            <a:off x="533400" y="4429919"/>
+            <a:ext cx="4739640" cy="1338828"/>
+          </a:xfrm>
+          <a:prstGeom prst="rect">
+            <a:avLst/>
+          </a:prstGeom>
+          <a:noFill/>
+        </p:spPr>
+        <p:txBody>
+          <a:bodyPr wrap="square" rtlCol="0">
+            <a:spAutoFit/>
+          </a:bodyPr>
+          <a:lstStyle/>
+          <a:p>
+            <a:pPr>
+              <a:lnSpc>
+                <a:spcPct val="150000"/>
+              </a:lnSpc>
+            </a:pPr>
+            <a:r>
+              <a:rPr lang="pt-PT" dirty="0" smtClean="0"/>
+              <a:t>miguelpintodacosta@gmail.com</a:t>
+            </a:r>
+          </a:p>
+          <a:p>
+            <a:pPr>
+              <a:lnSpc>
+                <a:spcPct val="150000"/>
+              </a:lnSpc>
+            </a:pPr>
+            <a:r>
+              <a:rPr lang="pt-PT" dirty="0" smtClean="0"/>
+              <a:t>https</a:t>
+            </a:r>
+            <a:r>
+              <a:rPr lang="pt-PT" dirty="0"/>
+              <a:t>://</a:t>
+            </a:r>
+            <a:r>
+              <a:rPr lang="pt-PT" dirty="0" smtClean="0"/>
+              <a:t>github.com/MiguelCosta</a:t>
+            </a:r>
+          </a:p>
+          <a:p>
+            <a:pPr>
+              <a:lnSpc>
+                <a:spcPct val="150000"/>
+              </a:lnSpc>
+            </a:pPr>
+            <a:r>
+              <a:rPr lang="pt-PT" dirty="0"/>
+              <a:t>https://pt.linkedin.com/in/miguelpintodacosta</a:t>
+            </a:r>
+            <a:endParaRPr lang="pt-PT" dirty="0"/>
+          </a:p>
+        </p:txBody>
+      </p:sp>
+      <p:pic>
+        <p:nvPicPr>
+          <p:cNvPr id="3074" name="Picture 2" descr="http://sarahtattersall.github.io/PIPE/images/GitHub-Mark-32px.png"/>
+          <p:cNvPicPr>
+            <a:picLocks noChangeAspect="1" noChangeArrowheads="1"/>
+          </p:cNvPicPr>
+          <p:nvPr/>
+        </p:nvPicPr>
+        <p:blipFill>
+          <a:blip r:embed="rId5">
+            <a:extLst>
+              <a:ext uri="{28A0092B-C50C-407E-A947-70E740481C1C}">
+                <a14:useLocalDpi xmlns:a14="http://schemas.microsoft.com/office/drawing/2010/main" val="0"/>
+              </a:ext>
+            </a:extLst>
+          </a:blip>
+          <a:srcRect/>
+          <a:stretch>
+            <a:fillRect/>
+          </a:stretch>
+        </p:blipFill>
+        <p:spPr bwMode="auto">
+          <a:xfrm>
+            <a:off x="198120" y="4952999"/>
+            <a:ext cx="304800" cy="304801"/>
+          </a:xfrm>
+          <a:prstGeom prst="rect">
+            <a:avLst/>
+          </a:prstGeom>
+          <a:noFill/>
+          <a:extLst>
+            <a:ext uri="{909E8E84-426E-40DD-AFC4-6F175D3DCCD1}">
+              <a14:hiddenFill xmlns:a14="http://schemas.microsoft.com/office/drawing/2010/main">
+                <a:solidFill>
+                  <a:srgbClr val="FFFFFF"/>
+                </a:solidFill>
+              </a14:hiddenFill>
+            </a:ext>
+          </a:extLst>
+        </p:spPr>
+      </p:pic>
+      <p:pic>
+        <p:nvPicPr>
+          <p:cNvPr id="3076" name="Picture 4" descr="http://wwwf.imperial.ac.uk/utils/assets/apps/news/img/icon-linkedin.png"/>
+          <p:cNvPicPr>
+            <a:picLocks noChangeAspect="1" noChangeArrowheads="1"/>
+          </p:cNvPicPr>
+          <p:nvPr/>
+        </p:nvPicPr>
+        <p:blipFill>
+          <a:blip r:embed="rId6">
+            <a:extLst>
+              <a:ext uri="{28A0092B-C50C-407E-A947-70E740481C1C}">
+                <a14:useLocalDpi xmlns:a14="http://schemas.microsoft.com/office/drawing/2010/main" val="0"/>
+              </a:ext>
+            </a:extLst>
+          </a:blip>
+          <a:srcRect/>
+          <a:stretch>
+            <a:fillRect/>
+          </a:stretch>
+        </p:blipFill>
+        <p:spPr bwMode="auto">
+          <a:xfrm>
+            <a:off x="198120" y="5359396"/>
+            <a:ext cx="295275" cy="295275"/>
+          </a:xfrm>
+          <a:prstGeom prst="rect">
+            <a:avLst/>
+          </a:prstGeom>
+          <a:noFill/>
+          <a:extLst>
+            <a:ext uri="{909E8E84-426E-40DD-AFC4-6F175D3DCCD1}">
+              <a14:hiddenFill xmlns:a14="http://schemas.microsoft.com/office/drawing/2010/main">
+                <a:solidFill>
+                  <a:srgbClr val="FFFFFF"/>
+                </a:solidFill>
+              </a14:hiddenFill>
+            </a:ext>
+          </a:extLst>
+        </p:spPr>
+      </p:pic>
+      <p:pic>
+        <p:nvPicPr>
+          <p:cNvPr id="3078" name="Picture 6" descr="http://2.bp.blogspot.com/-YHHzZ6_RLMU/T-1kl7RxNEI/AAAAAAAACD8/-0FyeWj00vo/s1600/helperblogger.com-email-icon.png"/>
+          <p:cNvPicPr>
+            <a:picLocks noChangeAspect="1" noChangeArrowheads="1"/>
+          </p:cNvPicPr>
+          <p:nvPr/>
+        </p:nvPicPr>
+        <p:blipFill>
+          <a:blip r:embed="rId7">
+            <a:extLst>
+              <a:ext uri="{28A0092B-C50C-407E-A947-70E740481C1C}">
+                <a14:useLocalDpi xmlns:a14="http://schemas.microsoft.com/office/drawing/2010/main" val="0"/>
+              </a:ext>
+            </a:extLst>
+          </a:blip>
+          <a:srcRect/>
+          <a:stretch>
+            <a:fillRect/>
+          </a:stretch>
+        </p:blipFill>
+        <p:spPr bwMode="auto">
+          <a:xfrm>
+            <a:off x="198120" y="4565653"/>
+            <a:ext cx="285750" cy="285750"/>
+          </a:xfrm>
+          <a:prstGeom prst="rect">
+            <a:avLst/>
+          </a:prstGeom>
+          <a:noFill/>
+          <a:extLst>
+            <a:ext uri="{909E8E84-426E-40DD-AFC4-6F175D3DCCD1}">
+              <a14:hiddenFill xmlns:a14="http://schemas.microsoft.com/office/drawing/2010/main">
+                <a:solidFill>
+                  <a:srgbClr val="FFFFFF"/>
+                </a:solidFill>
+              </a14:hiddenFill>
+            </a:ext>
+          </a:extLst>
+        </p:spPr>
+      </p:pic>
+      <p:sp>
+        <p:nvSpPr>
+          <p:cNvPr id="10" name="CaixaDeTexto 9"/>
+          <p:cNvSpPr txBox="1"/>
+          <p:nvPr/>
+        </p:nvSpPr>
+        <p:spPr>
+          <a:xfrm>
+            <a:off x="6606540" y="4559306"/>
+            <a:ext cx="2788920" cy="923330"/>
+          </a:xfrm>
+          <a:prstGeom prst="rect">
+            <a:avLst/>
+          </a:prstGeom>
+          <a:noFill/>
+        </p:spPr>
+        <p:txBody>
+          <a:bodyPr wrap="square" rtlCol="0">
+            <a:spAutoFit/>
+          </a:bodyPr>
+          <a:lstStyle/>
+          <a:p>
+            <a:pPr>
+              <a:lnSpc>
+                <a:spcPct val="150000"/>
+              </a:lnSpc>
+            </a:pPr>
+            <a:r>
+              <a:rPr lang="pt-PT" dirty="0" smtClean="0"/>
+              <a:t>geral@inelcis.pt</a:t>
+            </a:r>
+          </a:p>
+          <a:p>
+            <a:pPr>
+              <a:lnSpc>
+                <a:spcPct val="150000"/>
+              </a:lnSpc>
+            </a:pPr>
+            <a:r>
+              <a:rPr lang="pt-PT" dirty="0" smtClean="0"/>
+              <a:t>www.inelcis.pt</a:t>
+            </a:r>
+          </a:p>
+        </p:txBody>
+      </p:sp>
+      <p:pic>
+        <p:nvPicPr>
+          <p:cNvPr id="11" name="Picture 6" descr="http://2.bp.blogspot.com/-YHHzZ6_RLMU/T-1kl7RxNEI/AAAAAAAACD8/-0FyeWj00vo/s1600/helperblogger.com-email-icon.png"/>
+          <p:cNvPicPr>
+            <a:picLocks noChangeAspect="1" noChangeArrowheads="1"/>
+          </p:cNvPicPr>
+          <p:nvPr/>
+        </p:nvPicPr>
+        <p:blipFill>
+          <a:blip r:embed="rId7">
+            <a:extLst>
+              <a:ext uri="{28A0092B-C50C-407E-A947-70E740481C1C}">
+                <a14:useLocalDpi xmlns:a14="http://schemas.microsoft.com/office/drawing/2010/main" val="0"/>
+              </a:ext>
+            </a:extLst>
+          </a:blip>
+          <a:srcRect/>
+          <a:stretch>
+            <a:fillRect/>
+          </a:stretch>
+        </p:blipFill>
+        <p:spPr bwMode="auto">
+          <a:xfrm>
+            <a:off x="6320790" y="4708528"/>
+            <a:ext cx="285750" cy="285750"/>
+          </a:xfrm>
+          <a:prstGeom prst="rect">
+            <a:avLst/>
+          </a:prstGeom>
+          <a:noFill/>
+          <a:extLst>
+            <a:ext uri="{909E8E84-426E-40DD-AFC4-6F175D3DCCD1}">
+              <a14:hiddenFill xmlns:a14="http://schemas.microsoft.com/office/drawing/2010/main">
+                <a:solidFill>
+                  <a:srgbClr val="FFFFFF"/>
+                </a:solidFill>
+              </a14:hiddenFill>
+            </a:ext>
+          </a:extLst>
+        </p:spPr>
+      </p:pic>
+      <p:pic>
+        <p:nvPicPr>
+          <p:cNvPr id="3082" name="Picture 10" descr="http://www.inelcis.pt/resources/contactos/www.png"/>
+          <p:cNvPicPr>
+            <a:picLocks noChangeAspect="1" noChangeArrowheads="1"/>
+          </p:cNvPicPr>
+          <p:nvPr/>
+        </p:nvPicPr>
+        <p:blipFill>
+          <a:blip r:embed="rId8">
+            <a:extLst>
+              <a:ext uri="{28A0092B-C50C-407E-A947-70E740481C1C}">
+                <a14:useLocalDpi xmlns:a14="http://schemas.microsoft.com/office/drawing/2010/main" val="0"/>
+              </a:ext>
+            </a:extLst>
+          </a:blip>
+          <a:srcRect/>
+          <a:stretch>
+            <a:fillRect/>
+          </a:stretch>
+        </p:blipFill>
+        <p:spPr bwMode="auto">
+          <a:xfrm>
+            <a:off x="6332850" y="5120955"/>
+            <a:ext cx="273690" cy="273690"/>
+          </a:xfrm>
+          <a:prstGeom prst="rect">
+            <a:avLst/>
+          </a:prstGeom>
+          <a:noFill/>
+          <a:extLst>
+            <a:ext uri="{909E8E84-426E-40DD-AFC4-6F175D3DCCD1}">
+              <a14:hiddenFill xmlns:a14="http://schemas.microsoft.com/office/drawing/2010/main">
+                <a:solidFill>
+                  <a:srgbClr val="FFFFFF"/>
+                </a:solidFill>
+              </a14:hiddenFill>
+            </a:ext>
+          </a:extLst>
+        </p:spPr>
+      </p:pic>
+    </p:spTree>
+    <p:extLst>
+      <p:ext uri="{BB962C8B-B14F-4D97-AF65-F5344CB8AC3E}">
+        <p14:creationId xmlns:p14="http://schemas.microsoft.com/office/powerpoint/2010/main" val="2812680039"/>
       </p:ext>
     </p:extLst>
   </p:cSld>
@@ -7343,6 +8904,52 @@
               <a:t>World</a:t>
             </a:r>
             <a:endParaRPr lang="pt-PT" dirty="0"/>
+          </a:p>
+        </p:txBody>
+      </p:sp>
+      <p:sp>
+        <p:nvSpPr>
+          <p:cNvPr id="4" name="Marcador de Posição do Rodapé 3"/>
+          <p:cNvSpPr>
+            <a:spLocks noGrp="1"/>
+          </p:cNvSpPr>
+          <p:nvPr>
+            <p:ph type="ftr" sz="quarter" idx="11"/>
+          </p:nvPr>
+        </p:nvSpPr>
+        <p:spPr/>
+        <p:txBody>
+          <a:bodyPr/>
+          <a:lstStyle/>
+          <a:p>
+            <a:r>
+              <a:rPr lang="pt-PT" smtClean="0"/>
+              <a:t>WORKSHOP ASP.NET MVC</a:t>
+            </a:r>
+            <a:endParaRPr lang="pt-PT"/>
+          </a:p>
+        </p:txBody>
+      </p:sp>
+      <p:sp>
+        <p:nvSpPr>
+          <p:cNvPr id="5" name="Marcador de Posição do Número do Diapositivo 4"/>
+          <p:cNvSpPr>
+            <a:spLocks noGrp="1"/>
+          </p:cNvSpPr>
+          <p:nvPr>
+            <p:ph type="sldNum" sz="quarter" idx="12"/>
+          </p:nvPr>
+        </p:nvSpPr>
+        <p:spPr/>
+        <p:txBody>
+          <a:bodyPr/>
+          <a:lstStyle/>
+          <a:p>
+            <a:fld id="{B5D0499A-2096-4C57-99B8-BC6B60832399}" type="slidenum">
+              <a:rPr lang="pt-PT" smtClean="0"/>
+              <a:t>3</a:t>
+            </a:fld>
+            <a:endParaRPr lang="pt-PT"/>
           </a:p>
         </p:txBody>
       </p:sp>
@@ -7425,6 +9032,52 @@
           </a:p>
         </p:txBody>
       </p:sp>
+      <p:sp>
+        <p:nvSpPr>
+          <p:cNvPr id="4" name="Marcador de Posição do Rodapé 3"/>
+          <p:cNvSpPr>
+            <a:spLocks noGrp="1"/>
+          </p:cNvSpPr>
+          <p:nvPr>
+            <p:ph type="ftr" sz="quarter" idx="11"/>
+          </p:nvPr>
+        </p:nvSpPr>
+        <p:spPr/>
+        <p:txBody>
+          <a:bodyPr/>
+          <a:lstStyle/>
+          <a:p>
+            <a:r>
+              <a:rPr lang="pt-PT" smtClean="0"/>
+              <a:t>WORKSHOP ASP.NET MVC</a:t>
+            </a:r>
+            <a:endParaRPr lang="pt-PT"/>
+          </a:p>
+        </p:txBody>
+      </p:sp>
+      <p:sp>
+        <p:nvSpPr>
+          <p:cNvPr id="5" name="Marcador de Posição do Número do Diapositivo 4"/>
+          <p:cNvSpPr>
+            <a:spLocks noGrp="1"/>
+          </p:cNvSpPr>
+          <p:nvPr>
+            <p:ph type="sldNum" sz="quarter" idx="12"/>
+          </p:nvPr>
+        </p:nvSpPr>
+        <p:spPr/>
+        <p:txBody>
+          <a:bodyPr/>
+          <a:lstStyle/>
+          <a:p>
+            <a:fld id="{B5D0499A-2096-4C57-99B8-BC6B60832399}" type="slidenum">
+              <a:rPr lang="pt-PT" smtClean="0"/>
+              <a:t>4</a:t>
+            </a:fld>
+            <a:endParaRPr lang="pt-PT"/>
+          </a:p>
+        </p:txBody>
+      </p:sp>
     </p:spTree>
     <p:extLst>
       <p:ext uri="{BB962C8B-B14F-4D97-AF65-F5344CB8AC3E}">
@@ -7515,6 +9168,52 @@
           </a:prstGeom>
         </p:spPr>
       </p:pic>
+      <p:sp>
+        <p:nvSpPr>
+          <p:cNvPr id="3" name="Marcador de Posição do Rodapé 2"/>
+          <p:cNvSpPr>
+            <a:spLocks noGrp="1"/>
+          </p:cNvSpPr>
+          <p:nvPr>
+            <p:ph type="ftr" sz="quarter" idx="11"/>
+          </p:nvPr>
+        </p:nvSpPr>
+        <p:spPr/>
+        <p:txBody>
+          <a:bodyPr/>
+          <a:lstStyle/>
+          <a:p>
+            <a:r>
+              <a:rPr lang="pt-PT" smtClean="0"/>
+              <a:t>WORKSHOP ASP.NET MVC</a:t>
+            </a:r>
+            <a:endParaRPr lang="pt-PT"/>
+          </a:p>
+        </p:txBody>
+      </p:sp>
+      <p:sp>
+        <p:nvSpPr>
+          <p:cNvPr id="4" name="Marcador de Posição do Número do Diapositivo 3"/>
+          <p:cNvSpPr>
+            <a:spLocks noGrp="1"/>
+          </p:cNvSpPr>
+          <p:nvPr>
+            <p:ph type="sldNum" sz="quarter" idx="12"/>
+          </p:nvPr>
+        </p:nvSpPr>
+        <p:spPr/>
+        <p:txBody>
+          <a:bodyPr/>
+          <a:lstStyle/>
+          <a:p>
+            <a:fld id="{B5D0499A-2096-4C57-99B8-BC6B60832399}" type="slidenum">
+              <a:rPr lang="pt-PT" smtClean="0"/>
+              <a:t>5</a:t>
+            </a:fld>
+            <a:endParaRPr lang="pt-PT"/>
+          </a:p>
+        </p:txBody>
+      </p:sp>
     </p:spTree>
     <p:extLst>
       <p:ext uri="{BB962C8B-B14F-4D97-AF65-F5344CB8AC3E}">
@@ -7600,8 +9299,15 @@
             </a:r>
             <a:r>
               <a:rPr lang="pt-PT" dirty="0" smtClean="0"/>
-              <a:t> – Representa ou contêm os dados que os que os utilizadores acedem.</a:t>
-            </a:r>
+              <a:t> – Representa ou contêm os dados que os que os utilizadores acedem</a:t>
+            </a:r>
+            <a:r>
+              <a:rPr lang="pt-PT" dirty="0" smtClean="0"/>
+              <a:t>.</a:t>
+            </a:r>
+          </a:p>
+          <a:p>
+            <a:endParaRPr lang="pt-PT" dirty="0" smtClean="0"/>
           </a:p>
           <a:p>
             <a:r>
@@ -7610,8 +9316,15 @@
             </a:r>
             <a:r>
               <a:rPr lang="pt-PT" dirty="0" smtClean="0"/>
-              <a:t> – Usada para apresentar ao utilizador as páginas HTML.</a:t>
-            </a:r>
+              <a:t> – Usada para apresentar ao utilizador as páginas HTML</a:t>
+            </a:r>
+            <a:r>
+              <a:rPr lang="pt-PT" dirty="0" smtClean="0"/>
+              <a:t>.</a:t>
+            </a:r>
+          </a:p>
+          <a:p>
+            <a:endParaRPr lang="pt-PT" dirty="0" smtClean="0"/>
           </a:p>
           <a:p>
             <a:r>
@@ -7623,6 +9336,52 @@
               <a:t> – Recebe os pedidos do utilizador e responde de acordo com o que for solicitado.</a:t>
             </a:r>
             <a:endParaRPr lang="pt-PT" dirty="0"/>
+          </a:p>
+        </p:txBody>
+      </p:sp>
+      <p:sp>
+        <p:nvSpPr>
+          <p:cNvPr id="4" name="Marcador de Posição do Rodapé 3"/>
+          <p:cNvSpPr>
+            <a:spLocks noGrp="1"/>
+          </p:cNvSpPr>
+          <p:nvPr>
+            <p:ph type="ftr" sz="quarter" idx="11"/>
+          </p:nvPr>
+        </p:nvSpPr>
+        <p:spPr/>
+        <p:txBody>
+          <a:bodyPr/>
+          <a:lstStyle/>
+          <a:p>
+            <a:r>
+              <a:rPr lang="pt-PT" smtClean="0"/>
+              <a:t>WORKSHOP ASP.NET MVC</a:t>
+            </a:r>
+            <a:endParaRPr lang="pt-PT"/>
+          </a:p>
+        </p:txBody>
+      </p:sp>
+      <p:sp>
+        <p:nvSpPr>
+          <p:cNvPr id="5" name="Marcador de Posição do Número do Diapositivo 4"/>
+          <p:cNvSpPr>
+            <a:spLocks noGrp="1"/>
+          </p:cNvSpPr>
+          <p:nvPr>
+            <p:ph type="sldNum" sz="quarter" idx="12"/>
+          </p:nvPr>
+        </p:nvSpPr>
+        <p:spPr/>
+        <p:txBody>
+          <a:bodyPr/>
+          <a:lstStyle/>
+          <a:p>
+            <a:fld id="{B5D0499A-2096-4C57-99B8-BC6B60832399}" type="slidenum">
+              <a:rPr lang="pt-PT" smtClean="0"/>
+              <a:t>6</a:t>
+            </a:fld>
+            <a:endParaRPr lang="pt-PT"/>
           </a:p>
         </p:txBody>
       </p:sp>
@@ -7705,6 +9464,52 @@
           </a:p>
         </p:txBody>
       </p:sp>
+      <p:sp>
+        <p:nvSpPr>
+          <p:cNvPr id="4" name="Marcador de Posição do Rodapé 3"/>
+          <p:cNvSpPr>
+            <a:spLocks noGrp="1"/>
+          </p:cNvSpPr>
+          <p:nvPr>
+            <p:ph type="ftr" sz="quarter" idx="11"/>
+          </p:nvPr>
+        </p:nvSpPr>
+        <p:spPr/>
+        <p:txBody>
+          <a:bodyPr/>
+          <a:lstStyle/>
+          <a:p>
+            <a:r>
+              <a:rPr lang="pt-PT" smtClean="0"/>
+              <a:t>WORKSHOP ASP.NET MVC</a:t>
+            </a:r>
+            <a:endParaRPr lang="pt-PT"/>
+          </a:p>
+        </p:txBody>
+      </p:sp>
+      <p:sp>
+        <p:nvSpPr>
+          <p:cNvPr id="5" name="Marcador de Posição do Número do Diapositivo 4"/>
+          <p:cNvSpPr>
+            <a:spLocks noGrp="1"/>
+          </p:cNvSpPr>
+          <p:nvPr>
+            <p:ph type="sldNum" sz="quarter" idx="12"/>
+          </p:nvPr>
+        </p:nvSpPr>
+        <p:spPr/>
+        <p:txBody>
+          <a:bodyPr/>
+          <a:lstStyle/>
+          <a:p>
+            <a:fld id="{B5D0499A-2096-4C57-99B8-BC6B60832399}" type="slidenum">
+              <a:rPr lang="pt-PT" smtClean="0"/>
+              <a:t>7</a:t>
+            </a:fld>
+            <a:endParaRPr lang="pt-PT"/>
+          </a:p>
+        </p:txBody>
+      </p:sp>
     </p:spTree>
     <p:extLst>
       <p:ext uri="{BB962C8B-B14F-4D97-AF65-F5344CB8AC3E}">
@@ -7790,17 +9595,84 @@
             </a:r>
             <a:r>
               <a:rPr lang="pt-PT" dirty="0" smtClean="0"/>
-              <a:t> de desenvolvimento Web da Microsoft que combina eficácia e características da arquitetura MVC;</a:t>
-            </a:r>
-          </a:p>
-          <a:p>
+              <a:t> de desenvolvimento Web da Microsoft que combina eficácia e características da arquitetura </a:t>
+            </a:r>
             <a:r>
               <a:rPr lang="pt-PT" dirty="0" smtClean="0"/>
-              <a:t>Aplica as técnicas mais recentes de desenvolvimento ágil;</a:t>
+              <a:t>MVC.</a:t>
+            </a:r>
+          </a:p>
+          <a:p>
+            <a:endParaRPr lang="pt-PT" dirty="0" smtClean="0"/>
+          </a:p>
+          <a:p>
+            <a:r>
+              <a:rPr lang="pt-PT" dirty="0" smtClean="0"/>
+              <a:t>Aplica as técnicas mais recentes de desenvolvimento </a:t>
+            </a:r>
+            <a:r>
+              <a:rPr lang="pt-PT" dirty="0" smtClean="0"/>
+              <a:t>ágil.</a:t>
             </a:r>
           </a:p>
           <a:p>
             <a:endParaRPr lang="pt-PT" dirty="0"/>
+          </a:p>
+          <a:p>
+            <a:r>
+              <a:rPr lang="pt-PT" dirty="0" smtClean="0"/>
+              <a:t>…</a:t>
+            </a:r>
+            <a:endParaRPr lang="pt-PT" dirty="0" smtClean="0"/>
+          </a:p>
+          <a:p>
+            <a:endParaRPr lang="pt-PT" dirty="0"/>
+          </a:p>
+        </p:txBody>
+      </p:sp>
+      <p:sp>
+        <p:nvSpPr>
+          <p:cNvPr id="4" name="Marcador de Posição do Rodapé 3"/>
+          <p:cNvSpPr>
+            <a:spLocks noGrp="1"/>
+          </p:cNvSpPr>
+          <p:nvPr>
+            <p:ph type="ftr" sz="quarter" idx="11"/>
+          </p:nvPr>
+        </p:nvSpPr>
+        <p:spPr/>
+        <p:txBody>
+          <a:bodyPr/>
+          <a:lstStyle/>
+          <a:p>
+            <a:r>
+              <a:rPr lang="pt-PT" smtClean="0"/>
+              <a:t>WORKSHOP ASP.NET MVC</a:t>
+            </a:r>
+            <a:endParaRPr lang="pt-PT"/>
+          </a:p>
+        </p:txBody>
+      </p:sp>
+      <p:sp>
+        <p:nvSpPr>
+          <p:cNvPr id="5" name="Marcador de Posição do Número do Diapositivo 4"/>
+          <p:cNvSpPr>
+            <a:spLocks noGrp="1"/>
+          </p:cNvSpPr>
+          <p:nvPr>
+            <p:ph type="sldNum" sz="quarter" idx="12"/>
+          </p:nvPr>
+        </p:nvSpPr>
+        <p:spPr/>
+        <p:txBody>
+          <a:bodyPr/>
+          <a:lstStyle/>
+          <a:p>
+            <a:fld id="{B5D0499A-2096-4C57-99B8-BC6B60832399}" type="slidenum">
+              <a:rPr lang="pt-PT" smtClean="0"/>
+              <a:t>8</a:t>
+            </a:fld>
+            <a:endParaRPr lang="pt-PT"/>
           </a:p>
         </p:txBody>
       </p:sp>
@@ -7876,7 +9748,9 @@
         </p:nvSpPr>
         <p:spPr/>
         <p:txBody>
-          <a:bodyPr/>
+          <a:bodyPr>
+            <a:normAutofit fontScale="77500" lnSpcReduction="20000"/>
+          </a:bodyPr>
           <a:lstStyle/>
           <a:p>
             <a:pPr marL="0" indent="0">
@@ -7892,8 +9766,18 @@
             </a:r>
             <a:r>
               <a:rPr lang="pt-PT" dirty="0" smtClean="0"/>
-              <a:t> foi bastante adotado, mas ao longo do tempo apresentava algumas deficiências:</a:t>
-            </a:r>
+              <a:t> foi bastante adotado, mas ao longo do tempo apresentava algumas deficiências</a:t>
+            </a:r>
+            <a:r>
+              <a:rPr lang="pt-PT" dirty="0" smtClean="0"/>
+              <a:t>:</a:t>
+            </a:r>
+          </a:p>
+          <a:p>
+            <a:pPr marL="0" indent="0">
+              <a:buNone/>
+            </a:pPr>
+            <a:endParaRPr lang="pt-PT" dirty="0" smtClean="0"/>
           </a:p>
           <a:p>
             <a:r>
@@ -7902,20 +9786,41 @@
             </a:r>
             <a:r>
               <a:rPr lang="pt-PT" dirty="0" smtClean="0"/>
-              <a:t> mecanismo para manter o estado entre pedidos obrigava à troca de grandes blocos de dados,</a:t>
-            </a:r>
-          </a:p>
-          <a:p>
+              <a:t> mecanismo para manter o estado entre pedidos obrigava à troca de grandes blocos de </a:t>
+            </a:r>
             <a:r>
               <a:rPr lang="pt-PT" dirty="0" smtClean="0"/>
-              <a:t>o mecanismo para ligar os eventos do lado do cliente com o servidor por vezes era complicado,</a:t>
-            </a:r>
+              <a:t>dados,</a:t>
+            </a:r>
+          </a:p>
+          <a:p>
+            <a:endParaRPr lang="pt-PT" dirty="0" smtClean="0"/>
           </a:p>
           <a:p>
             <a:r>
               <a:rPr lang="pt-PT" dirty="0" smtClean="0"/>
-              <a:t>dificuldade em automatizar testes,</a:t>
-            </a:r>
+              <a:t>o mecanismo para ligar os eventos do lado do cliente com o servidor por vezes era </a:t>
+            </a:r>
+            <a:r>
+              <a:rPr lang="pt-PT" dirty="0" smtClean="0"/>
+              <a:t>complicado,</a:t>
+            </a:r>
+          </a:p>
+          <a:p>
+            <a:endParaRPr lang="pt-PT" dirty="0" smtClean="0"/>
+          </a:p>
+          <a:p>
+            <a:r>
+              <a:rPr lang="pt-PT" dirty="0" smtClean="0"/>
+              <a:t>dificuldade em automatizar </a:t>
+            </a:r>
+            <a:r>
+              <a:rPr lang="pt-PT" dirty="0" smtClean="0"/>
+              <a:t>testes,</a:t>
+            </a:r>
+          </a:p>
+          <a:p>
+            <a:endParaRPr lang="pt-PT" dirty="0" smtClean="0"/>
           </a:p>
           <a:p>
             <a:r>
@@ -7928,6 +9833,52 @@
           </a:p>
           <a:p>
             <a:endParaRPr lang="pt-PT" dirty="0"/>
+          </a:p>
+        </p:txBody>
+      </p:sp>
+      <p:sp>
+        <p:nvSpPr>
+          <p:cNvPr id="4" name="Marcador de Posição do Rodapé 3"/>
+          <p:cNvSpPr>
+            <a:spLocks noGrp="1"/>
+          </p:cNvSpPr>
+          <p:nvPr>
+            <p:ph type="ftr" sz="quarter" idx="11"/>
+          </p:nvPr>
+        </p:nvSpPr>
+        <p:spPr/>
+        <p:txBody>
+          <a:bodyPr/>
+          <a:lstStyle/>
+          <a:p>
+            <a:r>
+              <a:rPr lang="pt-PT" smtClean="0"/>
+              <a:t>WORKSHOP ASP.NET MVC</a:t>
+            </a:r>
+            <a:endParaRPr lang="pt-PT"/>
+          </a:p>
+        </p:txBody>
+      </p:sp>
+      <p:sp>
+        <p:nvSpPr>
+          <p:cNvPr id="5" name="Marcador de Posição do Número do Diapositivo 4"/>
+          <p:cNvSpPr>
+            <a:spLocks noGrp="1"/>
+          </p:cNvSpPr>
+          <p:nvPr>
+            <p:ph type="sldNum" sz="quarter" idx="12"/>
+          </p:nvPr>
+        </p:nvSpPr>
+        <p:spPr/>
+        <p:txBody>
+          <a:bodyPr/>
+          <a:lstStyle/>
+          <a:p>
+            <a:fld id="{B5D0499A-2096-4C57-99B8-BC6B60832399}" type="slidenum">
+              <a:rPr lang="pt-PT" smtClean="0"/>
+              <a:t>9</a:t>
+            </a:fld>
+            <a:endParaRPr lang="pt-PT"/>
           </a:p>
         </p:txBody>
       </p:sp>

--- a/ppt/aspnet-workshop.pptx
+++ b/ppt/aspnet-workshop.pptx
@@ -25,8 +25,8 @@
     <p:sldId id="270" r:id="rId16"/>
     <p:sldId id="271" r:id="rId17"/>
     <p:sldId id="274" r:id="rId18"/>
-    <p:sldId id="272" r:id="rId19"/>
-    <p:sldId id="273" r:id="rId20"/>
+    <p:sldId id="277" r:id="rId19"/>
+    <p:sldId id="276" r:id="rId20"/>
     <p:sldId id="275" r:id="rId21"/>
   </p:sldIdLst>
   <p:sldSz cx="9144000" cy="6858000" type="screen4x3"/>
@@ -528,7 +528,114 @@
           <a:bodyPr/>
           <a:lstStyle/>
           <a:p>
-            <a:endParaRPr lang="pt-PT"/>
+            <a:r>
+              <a:rPr lang="pt-PT" dirty="0" smtClean="0"/>
+              <a:t>Apresentar-me</a:t>
+            </a:r>
+          </a:p>
+          <a:p>
+            <a:pPr marL="171450" indent="-171450">
+              <a:buFontTx/>
+              <a:buChar char="-"/>
+            </a:pPr>
+            <a:r>
+              <a:rPr lang="pt-PT" baseline="0" dirty="0" smtClean="0"/>
+              <a:t>Curso que tirei </a:t>
+            </a:r>
+          </a:p>
+          <a:p>
+            <a:pPr marL="171450" indent="-171450">
+              <a:buFontTx/>
+              <a:buChar char="-"/>
+            </a:pPr>
+            <a:r>
+              <a:rPr lang="pt-PT" baseline="0" dirty="0" smtClean="0"/>
+              <a:t>LI4</a:t>
+            </a:r>
+          </a:p>
+          <a:p>
+            <a:pPr marL="628650" lvl="1" indent="-171450">
+              <a:buFontTx/>
+              <a:buChar char="-"/>
+            </a:pPr>
+            <a:r>
+              <a:rPr lang="pt-PT" baseline="0" dirty="0" smtClean="0"/>
+              <a:t>Dizer diferenças, tínhamos um cliente que era um professor do DI ou de outro departamento.</a:t>
+            </a:r>
+          </a:p>
+          <a:p>
+            <a:pPr marL="171450" indent="-171450">
+              <a:buFontTx/>
+              <a:buChar char="-"/>
+            </a:pPr>
+            <a:endParaRPr lang="pt-PT" baseline="0" dirty="0" smtClean="0"/>
+          </a:p>
+          <a:p>
+            <a:pPr marL="0" indent="0">
+              <a:buFontTx/>
+              <a:buNone/>
+            </a:pPr>
+            <a:r>
+              <a:rPr lang="pt-PT" baseline="0" dirty="0" err="1" smtClean="0"/>
+              <a:t>Inelcis</a:t>
+            </a:r>
+            <a:endParaRPr lang="pt-PT" baseline="0" dirty="0" smtClean="0"/>
+          </a:p>
+          <a:p>
+            <a:pPr marL="171450" indent="-171450">
+              <a:buFontTx/>
+              <a:buChar char="-"/>
+            </a:pPr>
+            <a:r>
+              <a:rPr lang="pt-PT" baseline="0" dirty="0" smtClean="0"/>
+              <a:t>Empresa criada em 1999</a:t>
+            </a:r>
+          </a:p>
+          <a:p>
+            <a:pPr marL="171450" indent="-171450">
+              <a:buFontTx/>
+              <a:buChar char="-"/>
+            </a:pPr>
+            <a:r>
+              <a:rPr lang="pt-PT" baseline="0" dirty="0" smtClean="0"/>
+              <a:t>Atualmente desenvolve e dá suporte a laboratórios de análise água, alimentos e anatomia patológica.</a:t>
+            </a:r>
+          </a:p>
+          <a:p>
+            <a:pPr marL="171450" indent="-171450">
+              <a:buFontTx/>
+              <a:buChar char="-"/>
+            </a:pPr>
+            <a:r>
+              <a:rPr lang="pt-PT" baseline="0" dirty="0" smtClean="0"/>
+              <a:t>O CEO é o Engenheiro Nuno Antunes</a:t>
+            </a:r>
+          </a:p>
+          <a:p>
+            <a:pPr marL="171450" indent="-171450">
+              <a:buFontTx/>
+              <a:buChar char="-"/>
+            </a:pPr>
+            <a:r>
+              <a:rPr lang="pt-PT" baseline="0" dirty="0" smtClean="0"/>
+              <a:t>O que faço na </a:t>
+            </a:r>
+            <a:r>
+              <a:rPr lang="pt-PT" baseline="0" dirty="0" err="1" smtClean="0"/>
+              <a:t>inelcis</a:t>
+            </a:r>
+            <a:r>
+              <a:rPr lang="pt-PT" baseline="0" dirty="0" smtClean="0"/>
+              <a:t>: Desenvolver, </a:t>
+            </a:r>
+            <a:r>
+              <a:rPr lang="pt-PT" baseline="0" dirty="0" err="1" smtClean="0"/>
+              <a:t>deploy</a:t>
+            </a:r>
+            <a:r>
+              <a:rPr lang="pt-PT" baseline="0" dirty="0" smtClean="0"/>
+              <a:t> e suporte também</a:t>
+            </a:r>
           </a:p>
         </p:txBody>
       </p:sp>
@@ -613,8 +720,8 @@
           <a:lstStyle/>
           <a:p>
             <a:r>
-              <a:rPr lang="pt-PT" dirty="0" err="1" smtClean="0"/>
-              <a:t>Aconcelho</a:t>
+              <a:rPr lang="pt-PT" dirty="0" smtClean="0"/>
+              <a:t>Aconselho</a:t>
             </a:r>
             <a:r>
               <a:rPr lang="pt-PT" baseline="0" dirty="0" smtClean="0"/>
@@ -1403,8 +1510,19 @@
             </a:r>
             <a:r>
               <a:rPr lang="pt-PT" baseline="0" dirty="0" smtClean="0"/>
-              <a:t> – Representa uma entidade da base de dados, ou seja, uma linha de uma tabela quando instanciada.</a:t>
-            </a:r>
+              <a:t> – Representa uma entidade da base de dados, ou seja, uma linha de uma tabela quando instanciada</a:t>
+            </a:r>
+            <a:r>
+              <a:rPr lang="pt-PT" baseline="0" dirty="0" smtClean="0"/>
+              <a:t>.</a:t>
+            </a:r>
+          </a:p>
+          <a:p>
+            <a:r>
+              <a:rPr lang="pt-PT" baseline="0" dirty="0" smtClean="0"/>
+              <a:t>Consiste nos objetos do core da aplicação</a:t>
+            </a:r>
+            <a:endParaRPr lang="pt-PT" baseline="0" dirty="0" smtClean="0"/>
           </a:p>
           <a:p>
             <a:r>
@@ -1725,8 +1843,34 @@
           <a:p>
             <a:r>
               <a:rPr lang="pt-PT" baseline="0" dirty="0" smtClean="0"/>
-              <a:t>Os testes não eram fáceis de fazer, a mistura dos conceitos e separação pouco clara das camadas lógicas.</a:t>
-            </a:r>
+              <a:t>Os testes não eram fáceis de fazer, a mistura dos conceitos e separação pouco clara das camadas lógicas</a:t>
+            </a:r>
+            <a:r>
+              <a:rPr lang="pt-PT" baseline="0" dirty="0" smtClean="0"/>
+              <a:t>.</a:t>
+            </a:r>
+          </a:p>
+          <a:p>
+            <a:endParaRPr lang="pt-PT" baseline="0" dirty="0" smtClean="0"/>
+          </a:p>
+          <a:p>
+            <a:r>
+              <a:rPr lang="pt-PT" baseline="0" dirty="0" smtClean="0"/>
+              <a:t>Permite ter pessoas de </a:t>
+            </a:r>
+            <a:r>
+              <a:rPr lang="pt-PT" baseline="0" dirty="0" err="1" smtClean="0"/>
+              <a:t>frontend</a:t>
+            </a:r>
+            <a:r>
+              <a:rPr lang="pt-PT" baseline="0" dirty="0" smtClean="0"/>
+              <a:t> e </a:t>
+            </a:r>
+            <a:r>
+              <a:rPr lang="pt-PT" baseline="0" dirty="0" err="1" smtClean="0"/>
+              <a:t>backend</a:t>
+            </a:r>
+            <a:endParaRPr lang="pt-PT" baseline="0" dirty="0" smtClean="0"/>
           </a:p>
           <a:p>
             <a:endParaRPr lang="pt-PT" dirty="0"/>
@@ -5229,6 +5373,47 @@
           </a:p>
         </p:txBody>
       </p:sp>
+      <p:pic>
+        <p:nvPicPr>
+          <p:cNvPr id="6" name="Picture 2" descr="http://www.inlab-lims.pt/Imagens/InelcisSlogan.png"/>
+          <p:cNvPicPr>
+            <a:picLocks noChangeAspect="1" noChangeArrowheads="1"/>
+          </p:cNvPicPr>
+          <p:nvPr/>
+        </p:nvPicPr>
+        <p:blipFill>
+          <a:blip r:embed="rId2">
+            <a:extLst>
+              <a:ext uri="{28A0092B-C50C-407E-A947-70E740481C1C}">
+                <a14:useLocalDpi xmlns:a14="http://schemas.microsoft.com/office/drawing/2010/main" val="0"/>
+              </a:ext>
+            </a:extLst>
+          </a:blip>
+          <a:srcRect/>
+          <a:stretch>
+            <a:fillRect/>
+          </a:stretch>
+        </p:blipFill>
+        <p:spPr bwMode="auto">
+          <a:xfrm>
+            <a:off x="6527507" y="230190"/>
+            <a:ext cx="2364770" cy="605382"/>
+          </a:xfrm>
+          <a:prstGeom prst="rect">
+            <a:avLst/>
+          </a:prstGeom>
+          <a:noFill/>
+          <a:extLst>
+            <a:ext uri="{909E8E84-426E-40DD-AFC4-6F175D3DCCD1}">
+              <a14:hiddenFill xmlns:a14="http://schemas.microsoft.com/office/drawing/2010/main">
+                <a:solidFill>
+                  <a:srgbClr val="FFFFFF"/>
+                </a:solidFill>
+              </a14:hiddenFill>
+            </a:ext>
+          </a:extLst>
+        </p:spPr>
+      </p:pic>
     </p:spTree>
     <p:extLst>
       <p:ext uri="{BB962C8B-B14F-4D97-AF65-F5344CB8AC3E}">
@@ -5325,7 +5510,26 @@
             </a:r>
             <a:r>
               <a:rPr lang="pt-PT" dirty="0" smtClean="0"/>
-              <a:t>que permite inserir código diretamente na camada de visualização da aplicação, facilitando a codificação do projeto.</a:t>
+              <a:t>que permite inserir código diretamente na camada de visualização da aplicação, facilitando a codificação do projeto</a:t>
+            </a:r>
+            <a:r>
+              <a:rPr lang="pt-PT" dirty="0" smtClean="0"/>
+              <a:t>.</a:t>
+            </a:r>
+          </a:p>
+          <a:p>
+            <a:pPr marL="0" indent="0">
+              <a:buNone/>
+            </a:pPr>
+            <a:endParaRPr lang="pt-PT" dirty="0"/>
+          </a:p>
+          <a:p>
+            <a:pPr marL="0" indent="0">
+              <a:buNone/>
+            </a:pPr>
+            <a:r>
+              <a:rPr lang="pt-PT" dirty="0" smtClean="0"/>
+              <a:t>Tem como objetivo facilitar a criação de páginas dinâmicas.</a:t>
             </a:r>
             <a:endParaRPr lang="pt-PT" dirty="0"/>
           </a:p>
@@ -5377,6 +5581,47 @@
           </a:p>
         </p:txBody>
       </p:sp>
+      <p:pic>
+        <p:nvPicPr>
+          <p:cNvPr id="6" name="Picture 2" descr="http://www.inlab-lims.pt/Imagens/InelcisSlogan.png"/>
+          <p:cNvPicPr>
+            <a:picLocks noChangeAspect="1" noChangeArrowheads="1"/>
+          </p:cNvPicPr>
+          <p:nvPr/>
+        </p:nvPicPr>
+        <p:blipFill>
+          <a:blip r:embed="rId2">
+            <a:extLst>
+              <a:ext uri="{28A0092B-C50C-407E-A947-70E740481C1C}">
+                <a14:useLocalDpi xmlns:a14="http://schemas.microsoft.com/office/drawing/2010/main" val="0"/>
+              </a:ext>
+            </a:extLst>
+          </a:blip>
+          <a:srcRect/>
+          <a:stretch>
+            <a:fillRect/>
+          </a:stretch>
+        </p:blipFill>
+        <p:spPr bwMode="auto">
+          <a:xfrm>
+            <a:off x="6527507" y="230190"/>
+            <a:ext cx="2364770" cy="605382"/>
+          </a:xfrm>
+          <a:prstGeom prst="rect">
+            <a:avLst/>
+          </a:prstGeom>
+          <a:noFill/>
+          <a:extLst>
+            <a:ext uri="{909E8E84-426E-40DD-AFC4-6F175D3DCCD1}">
+              <a14:hiddenFill xmlns:a14="http://schemas.microsoft.com/office/drawing/2010/main">
+                <a:solidFill>
+                  <a:srgbClr val="FFFFFF"/>
+                </a:solidFill>
+              </a14:hiddenFill>
+            </a:ext>
+          </a:extLst>
+        </p:spPr>
+      </p:pic>
     </p:spTree>
     <p:extLst>
       <p:ext uri="{BB962C8B-B14F-4D97-AF65-F5344CB8AC3E}">
@@ -7164,6 +7409,47 @@
           </a:p>
         </p:txBody>
       </p:sp>
+      <p:pic>
+        <p:nvPicPr>
+          <p:cNvPr id="6" name="Picture 2" descr="http://www.inlab-lims.pt/Imagens/InelcisSlogan.png"/>
+          <p:cNvPicPr>
+            <a:picLocks noChangeAspect="1" noChangeArrowheads="1"/>
+          </p:cNvPicPr>
+          <p:nvPr/>
+        </p:nvPicPr>
+        <p:blipFill>
+          <a:blip r:embed="rId3">
+            <a:extLst>
+              <a:ext uri="{28A0092B-C50C-407E-A947-70E740481C1C}">
+                <a14:useLocalDpi xmlns:a14="http://schemas.microsoft.com/office/drawing/2010/main" val="0"/>
+              </a:ext>
+            </a:extLst>
+          </a:blip>
+          <a:srcRect/>
+          <a:stretch>
+            <a:fillRect/>
+          </a:stretch>
+        </p:blipFill>
+        <p:spPr bwMode="auto">
+          <a:xfrm>
+            <a:off x="6527507" y="230190"/>
+            <a:ext cx="2364770" cy="605382"/>
+          </a:xfrm>
+          <a:prstGeom prst="rect">
+            <a:avLst/>
+          </a:prstGeom>
+          <a:noFill/>
+          <a:extLst>
+            <a:ext uri="{909E8E84-426E-40DD-AFC4-6F175D3DCCD1}">
+              <a14:hiddenFill xmlns:a14="http://schemas.microsoft.com/office/drawing/2010/main">
+                <a:solidFill>
+                  <a:srgbClr val="FFFFFF"/>
+                </a:solidFill>
+              </a14:hiddenFill>
+            </a:ext>
+          </a:extLst>
+        </p:spPr>
+      </p:pic>
     </p:spTree>
     <p:extLst>
       <p:ext uri="{BB962C8B-B14F-4D97-AF65-F5344CB8AC3E}">
@@ -7293,6 +7579,47 @@
           </a:p>
         </p:txBody>
       </p:sp>
+      <p:pic>
+        <p:nvPicPr>
+          <p:cNvPr id="6" name="Picture 2" descr="http://www.inlab-lims.pt/Imagens/InelcisSlogan.png"/>
+          <p:cNvPicPr>
+            <a:picLocks noChangeAspect="1" noChangeArrowheads="1"/>
+          </p:cNvPicPr>
+          <p:nvPr/>
+        </p:nvPicPr>
+        <p:blipFill>
+          <a:blip r:embed="rId2">
+            <a:extLst>
+              <a:ext uri="{28A0092B-C50C-407E-A947-70E740481C1C}">
+                <a14:useLocalDpi xmlns:a14="http://schemas.microsoft.com/office/drawing/2010/main" val="0"/>
+              </a:ext>
+            </a:extLst>
+          </a:blip>
+          <a:srcRect/>
+          <a:stretch>
+            <a:fillRect/>
+          </a:stretch>
+        </p:blipFill>
+        <p:spPr bwMode="auto">
+          <a:xfrm>
+            <a:off x="6527507" y="230190"/>
+            <a:ext cx="2364770" cy="605382"/>
+          </a:xfrm>
+          <a:prstGeom prst="rect">
+            <a:avLst/>
+          </a:prstGeom>
+          <a:noFill/>
+          <a:extLst>
+            <a:ext uri="{909E8E84-426E-40DD-AFC4-6F175D3DCCD1}">
+              <a14:hiddenFill xmlns:a14="http://schemas.microsoft.com/office/drawing/2010/main">
+                <a:solidFill>
+                  <a:srgbClr val="FFFFFF"/>
+                </a:solidFill>
+              </a14:hiddenFill>
+            </a:ext>
+          </a:extLst>
+        </p:spPr>
+      </p:pic>
     </p:spTree>
     <p:extLst>
       <p:ext uri="{BB962C8B-B14F-4D97-AF65-F5344CB8AC3E}">
@@ -7426,6 +7753,47 @@
           </a:p>
         </p:txBody>
       </p:sp>
+      <p:pic>
+        <p:nvPicPr>
+          <p:cNvPr id="6" name="Picture 2" descr="http://www.inlab-lims.pt/Imagens/InelcisSlogan.png"/>
+          <p:cNvPicPr>
+            <a:picLocks noChangeAspect="1" noChangeArrowheads="1"/>
+          </p:cNvPicPr>
+          <p:nvPr/>
+        </p:nvPicPr>
+        <p:blipFill>
+          <a:blip r:embed="rId3">
+            <a:extLst>
+              <a:ext uri="{28A0092B-C50C-407E-A947-70E740481C1C}">
+                <a14:useLocalDpi xmlns:a14="http://schemas.microsoft.com/office/drawing/2010/main" val="0"/>
+              </a:ext>
+            </a:extLst>
+          </a:blip>
+          <a:srcRect/>
+          <a:stretch>
+            <a:fillRect/>
+          </a:stretch>
+        </p:blipFill>
+        <p:spPr bwMode="auto">
+          <a:xfrm>
+            <a:off x="6527507" y="230190"/>
+            <a:ext cx="2364770" cy="605382"/>
+          </a:xfrm>
+          <a:prstGeom prst="rect">
+            <a:avLst/>
+          </a:prstGeom>
+          <a:noFill/>
+          <a:extLst>
+            <a:ext uri="{909E8E84-426E-40DD-AFC4-6F175D3DCCD1}">
+              <a14:hiddenFill xmlns:a14="http://schemas.microsoft.com/office/drawing/2010/main">
+                <a:solidFill>
+                  <a:srgbClr val="FFFFFF"/>
+                </a:solidFill>
+              </a14:hiddenFill>
+            </a:ext>
+          </a:extLst>
+        </p:spPr>
+      </p:pic>
     </p:spTree>
     <p:extLst>
       <p:ext uri="{BB962C8B-B14F-4D97-AF65-F5344CB8AC3E}">
@@ -7555,6 +7923,47 @@
           </a:p>
         </p:txBody>
       </p:sp>
+      <p:pic>
+        <p:nvPicPr>
+          <p:cNvPr id="6" name="Picture 2" descr="http://www.inlab-lims.pt/Imagens/InelcisSlogan.png"/>
+          <p:cNvPicPr>
+            <a:picLocks noChangeAspect="1" noChangeArrowheads="1"/>
+          </p:cNvPicPr>
+          <p:nvPr/>
+        </p:nvPicPr>
+        <p:blipFill>
+          <a:blip r:embed="rId2">
+            <a:extLst>
+              <a:ext uri="{28A0092B-C50C-407E-A947-70E740481C1C}">
+                <a14:useLocalDpi xmlns:a14="http://schemas.microsoft.com/office/drawing/2010/main" val="0"/>
+              </a:ext>
+            </a:extLst>
+          </a:blip>
+          <a:srcRect/>
+          <a:stretch>
+            <a:fillRect/>
+          </a:stretch>
+        </p:blipFill>
+        <p:spPr bwMode="auto">
+          <a:xfrm>
+            <a:off x="6527507" y="230190"/>
+            <a:ext cx="2364770" cy="605382"/>
+          </a:xfrm>
+          <a:prstGeom prst="rect">
+            <a:avLst/>
+          </a:prstGeom>
+          <a:noFill/>
+          <a:extLst>
+            <a:ext uri="{909E8E84-426E-40DD-AFC4-6F175D3DCCD1}">
+              <a14:hiddenFill xmlns:a14="http://schemas.microsoft.com/office/drawing/2010/main">
+                <a:solidFill>
+                  <a:srgbClr val="FFFFFF"/>
+                </a:solidFill>
+              </a14:hiddenFill>
+            </a:ext>
+          </a:extLst>
+        </p:spPr>
+      </p:pic>
     </p:spTree>
     <p:extLst>
       <p:ext uri="{BB962C8B-B14F-4D97-AF65-F5344CB8AC3E}">
@@ -7602,7 +8011,12 @@
             <p:ph type="title"/>
           </p:nvPr>
         </p:nvSpPr>
-        <p:spPr/>
+        <p:spPr>
+          <a:xfrm>
+            <a:off x="628650" y="554317"/>
+            <a:ext cx="7886700" cy="1325563"/>
+          </a:xfrm>
+        </p:spPr>
         <p:txBody>
           <a:bodyPr>
             <a:normAutofit/>
@@ -7631,7 +8045,12 @@
             <p:ph idx="1"/>
           </p:nvPr>
         </p:nvSpPr>
-        <p:spPr/>
+        <p:spPr>
+          <a:xfrm>
+            <a:off x="628650" y="2093641"/>
+            <a:ext cx="7886700" cy="4351338"/>
+          </a:xfrm>
+        </p:spPr>
         <p:txBody>
           <a:bodyPr/>
           <a:lstStyle/>
@@ -7743,6 +8162,47 @@
           </a:p>
         </p:txBody>
       </p:sp>
+      <p:pic>
+        <p:nvPicPr>
+          <p:cNvPr id="6" name="Picture 2" descr="http://www.inlab-lims.pt/Imagens/InelcisSlogan.png"/>
+          <p:cNvPicPr>
+            <a:picLocks noChangeAspect="1" noChangeArrowheads="1"/>
+          </p:cNvPicPr>
+          <p:nvPr/>
+        </p:nvPicPr>
+        <p:blipFill>
+          <a:blip r:embed="rId3">
+            <a:extLst>
+              <a:ext uri="{28A0092B-C50C-407E-A947-70E740481C1C}">
+                <a14:useLocalDpi xmlns:a14="http://schemas.microsoft.com/office/drawing/2010/main" val="0"/>
+              </a:ext>
+            </a:extLst>
+          </a:blip>
+          <a:srcRect/>
+          <a:stretch>
+            <a:fillRect/>
+          </a:stretch>
+        </p:blipFill>
+        <p:spPr bwMode="auto">
+          <a:xfrm>
+            <a:off x="6527507" y="230190"/>
+            <a:ext cx="2364770" cy="605382"/>
+          </a:xfrm>
+          <a:prstGeom prst="rect">
+            <a:avLst/>
+          </a:prstGeom>
+          <a:noFill/>
+          <a:extLst>
+            <a:ext uri="{909E8E84-426E-40DD-AFC4-6F175D3DCCD1}">
+              <a14:hiddenFill xmlns:a14="http://schemas.microsoft.com/office/drawing/2010/main">
+                <a:solidFill>
+                  <a:srgbClr val="FFFFFF"/>
+                </a:solidFill>
+              </a14:hiddenFill>
+            </a:ext>
+          </a:extLst>
+        </p:spPr>
+      </p:pic>
     </p:spTree>
     <p:extLst>
       <p:ext uri="{BB962C8B-B14F-4D97-AF65-F5344CB8AC3E}">
@@ -7872,6 +8332,47 @@
           </a:p>
         </p:txBody>
       </p:sp>
+      <p:pic>
+        <p:nvPicPr>
+          <p:cNvPr id="6" name="Picture 2" descr="http://www.inlab-lims.pt/Imagens/InelcisSlogan.png"/>
+          <p:cNvPicPr>
+            <a:picLocks noChangeAspect="1" noChangeArrowheads="1"/>
+          </p:cNvPicPr>
+          <p:nvPr/>
+        </p:nvPicPr>
+        <p:blipFill>
+          <a:blip r:embed="rId3">
+            <a:extLst>
+              <a:ext uri="{28A0092B-C50C-407E-A947-70E740481C1C}">
+                <a14:useLocalDpi xmlns:a14="http://schemas.microsoft.com/office/drawing/2010/main" val="0"/>
+              </a:ext>
+            </a:extLst>
+          </a:blip>
+          <a:srcRect/>
+          <a:stretch>
+            <a:fillRect/>
+          </a:stretch>
+        </p:blipFill>
+        <p:spPr bwMode="auto">
+          <a:xfrm>
+            <a:off x="6527507" y="230190"/>
+            <a:ext cx="2364770" cy="605382"/>
+          </a:xfrm>
+          <a:prstGeom prst="rect">
+            <a:avLst/>
+          </a:prstGeom>
+          <a:noFill/>
+          <a:extLst>
+            <a:ext uri="{909E8E84-426E-40DD-AFC4-6F175D3DCCD1}">
+              <a14:hiddenFill xmlns:a14="http://schemas.microsoft.com/office/drawing/2010/main">
+                <a:solidFill>
+                  <a:srgbClr val="FFFFFF"/>
+                </a:solidFill>
+              </a14:hiddenFill>
+            </a:ext>
+          </a:extLst>
+        </p:spPr>
+      </p:pic>
     </p:spTree>
     <p:extLst>
       <p:ext uri="{BB962C8B-B14F-4D97-AF65-F5344CB8AC3E}">
@@ -7926,7 +8427,7 @@
           <a:p>
             <a:r>
               <a:rPr lang="pt-PT" dirty="0" smtClean="0"/>
-              <a:t>Conclusão</a:t>
+              <a:t>Referências</a:t>
             </a:r>
             <a:endParaRPr lang="pt-PT" dirty="0"/>
           </a:p>
@@ -7934,20 +8435,67 @@
       </p:sp>
       <p:sp>
         <p:nvSpPr>
-          <p:cNvPr id="3" name="Marcador de Posição do Texto 2"/>
-          <p:cNvSpPr>
-            <a:spLocks noGrp="1"/>
-          </p:cNvSpPr>
-          <p:nvPr>
-            <p:ph type="body" idx="1"/>
-          </p:nvPr>
-        </p:nvSpPr>
-        <p:spPr/>
-        <p:txBody>
-          <a:bodyPr/>
-          <a:lstStyle/>
-          <a:p>
-            <a:endParaRPr lang="pt-PT"/>
+          <p:cNvPr id="3" name="Marcador de Posição de Conteúdo 2"/>
+          <p:cNvSpPr>
+            <a:spLocks noGrp="1"/>
+          </p:cNvSpPr>
+          <p:nvPr>
+            <p:ph idx="1"/>
+          </p:nvPr>
+        </p:nvSpPr>
+        <p:spPr/>
+        <p:txBody>
+          <a:bodyPr/>
+          <a:lstStyle/>
+          <a:p>
+            <a:r>
+              <a:rPr lang="pt-PT" dirty="0"/>
+              <a:t>L. Abreu e J. P. Carreiro, ASP.NET MVC, </a:t>
+            </a:r>
+            <a:r>
+              <a:rPr lang="pt-PT" dirty="0" smtClean="0"/>
+              <a:t>FCA.</a:t>
+            </a:r>
+          </a:p>
+          <a:p>
+            <a:endParaRPr lang="pt-PT" dirty="0" smtClean="0"/>
+          </a:p>
+          <a:p>
+            <a:endParaRPr lang="pt-PT" dirty="0"/>
+          </a:p>
+          <a:p>
+            <a:endParaRPr lang="pt-PT" dirty="0" smtClean="0"/>
+          </a:p>
+          <a:p>
+            <a:r>
+              <a:rPr lang="pt-PT" dirty="0"/>
+              <a:t>A. </a:t>
+            </a:r>
+            <a:r>
+              <a:rPr lang="pt-PT" dirty="0" err="1"/>
+              <a:t>Freeman</a:t>
+            </a:r>
+            <a:r>
+              <a:rPr lang="pt-PT" dirty="0"/>
+              <a:t>, Pro ASP.NET MVC 4 4th </a:t>
+            </a:r>
+            <a:r>
+              <a:rPr lang="pt-PT" dirty="0" err="1"/>
+              <a:t>Edition</a:t>
+            </a:r>
+            <a:r>
+              <a:rPr lang="pt-PT" dirty="0"/>
+              <a:t>, </a:t>
+            </a:r>
+            <a:r>
+              <a:rPr lang="pt-PT" dirty="0" err="1"/>
+              <a:t>Apress</a:t>
+            </a:r>
+            <a:r>
+              <a:rPr lang="pt-PT" dirty="0"/>
+              <a:t>, 2012</a:t>
+            </a:r>
+            <a:endParaRPr lang="pt-PT" dirty="0"/>
           </a:p>
         </p:txBody>
       </p:sp>
@@ -7997,10 +8545,133 @@
           </a:p>
         </p:txBody>
       </p:sp>
+      <p:pic>
+        <p:nvPicPr>
+          <p:cNvPr id="4102" name="Picture 6" descr="imagem 978-972-722-742-6"/>
+          <p:cNvPicPr>
+            <a:picLocks noChangeAspect="1" noChangeArrowheads="1"/>
+          </p:cNvPicPr>
+          <p:nvPr/>
+        </p:nvPicPr>
+        <p:blipFill>
+          <a:blip r:embed="rId2">
+            <a:extLst>
+              <a:ext uri="{28A0092B-C50C-407E-A947-70E740481C1C}">
+                <a14:useLocalDpi xmlns:a14="http://schemas.microsoft.com/office/drawing/2010/main" val="0"/>
+              </a:ext>
+            </a:extLst>
+          </a:blip>
+          <a:srcRect/>
+          <a:stretch>
+            <a:fillRect/>
+          </a:stretch>
+        </p:blipFill>
+        <p:spPr bwMode="auto">
+          <a:xfrm>
+            <a:off x="7572375" y="1690689"/>
+            <a:ext cx="942975" cy="1333501"/>
+          </a:xfrm>
+          <a:prstGeom prst="rect">
+            <a:avLst/>
+          </a:prstGeom>
+          <a:noFill/>
+          <a:extLst>
+            <a:ext uri="{909E8E84-426E-40DD-AFC4-6F175D3DCCD1}">
+              <a14:hiddenFill xmlns:a14="http://schemas.microsoft.com/office/drawing/2010/main">
+                <a:solidFill>
+                  <a:srgbClr val="FFFFFF"/>
+                </a:solidFill>
+              </a14:hiddenFill>
+            </a:ext>
+          </a:extLst>
+        </p:spPr>
+      </p:pic>
+      <p:pic>
+        <p:nvPicPr>
+          <p:cNvPr id="4106" name="Picture 10" descr="http://ecx.images-amazon.com/images/I/51mKVgdmZpL._SX258_BO1,204,203,200_.jpg"/>
+          <p:cNvPicPr>
+            <a:picLocks noChangeAspect="1" noChangeArrowheads="1"/>
+          </p:cNvPicPr>
+          <p:nvPr/>
+        </p:nvPicPr>
+        <p:blipFill>
+          <a:blip r:embed="rId3" cstate="print">
+            <a:extLst>
+              <a:ext uri="{28A0092B-C50C-407E-A947-70E740481C1C}">
+                <a14:useLocalDpi xmlns:a14="http://schemas.microsoft.com/office/drawing/2010/main" val="0"/>
+              </a:ext>
+            </a:extLst>
+          </a:blip>
+          <a:srcRect/>
+          <a:stretch>
+            <a:fillRect/>
+          </a:stretch>
+        </p:blipFill>
+        <p:spPr bwMode="auto">
+          <a:xfrm>
+            <a:off x="7544740" y="4145755"/>
+            <a:ext cx="970610" cy="1194598"/>
+          </a:xfrm>
+          <a:prstGeom prst="rect">
+            <a:avLst/>
+          </a:prstGeom>
+          <a:noFill/>
+          <a:extLst>
+            <a:ext uri="{909E8E84-426E-40DD-AFC4-6F175D3DCCD1}">
+              <a14:hiddenFill xmlns:a14="http://schemas.microsoft.com/office/drawing/2010/main">
+                <a:solidFill>
+                  <a:srgbClr val="FFFFFF"/>
+                </a:solidFill>
+              </a14:hiddenFill>
+            </a:ext>
+          </a:extLst>
+        </p:spPr>
+      </p:pic>
+      <p:pic>
+        <p:nvPicPr>
+          <p:cNvPr id="11" name="Picture 2" descr="http://www.inlab-lims.pt/Imagens/InelcisSlogan.png"/>
+          <p:cNvPicPr>
+            <a:picLocks noChangeAspect="1" noChangeArrowheads="1"/>
+          </p:cNvPicPr>
+          <p:nvPr/>
+        </p:nvPicPr>
+        <p:blipFill>
+          <a:blip r:embed="rId4">
+            <a:extLst>
+              <a:ext uri="{28A0092B-C50C-407E-A947-70E740481C1C}">
+                <a14:useLocalDpi xmlns:a14="http://schemas.microsoft.com/office/drawing/2010/main" val="0"/>
+              </a:ext>
+            </a:extLst>
+          </a:blip>
+          <a:srcRect/>
+          <a:stretch>
+            <a:fillRect/>
+          </a:stretch>
+        </p:blipFill>
+        <p:spPr bwMode="auto">
+          <a:xfrm>
+            <a:off x="6527507" y="230190"/>
+            <a:ext cx="2364770" cy="605382"/>
+          </a:xfrm>
+          <a:prstGeom prst="rect">
+            <a:avLst/>
+          </a:prstGeom>
+          <a:noFill/>
+          <a:extLst>
+            <a:ext uri="{909E8E84-426E-40DD-AFC4-6F175D3DCCD1}">
+              <a14:hiddenFill xmlns:a14="http://schemas.microsoft.com/office/drawing/2010/main">
+                <a:solidFill>
+                  <a:srgbClr val="FFFFFF"/>
+                </a:solidFill>
+              </a14:hiddenFill>
+            </a:ext>
+          </a:extLst>
+        </p:spPr>
+      </p:pic>
     </p:spTree>
     <p:extLst>
       <p:ext uri="{BB962C8B-B14F-4D97-AF65-F5344CB8AC3E}">
-        <p14:creationId xmlns:p14="http://schemas.microsoft.com/office/powerpoint/2010/main" val="1915562831"/>
+        <p14:creationId xmlns:p14="http://schemas.microsoft.com/office/powerpoint/2010/main" val="2761042119"/>
       </p:ext>
     </p:extLst>
   </p:cSld>
@@ -8051,7 +8722,7 @@
           <a:p>
             <a:r>
               <a:rPr lang="pt-PT" dirty="0" smtClean="0"/>
-              <a:t>Conclusão</a:t>
+              <a:t>Referências</a:t>
             </a:r>
             <a:endParaRPr lang="pt-PT" dirty="0"/>
           </a:p>
@@ -8073,31 +8744,72 @@
           <a:lstStyle/>
           <a:p>
             <a:r>
+              <a:rPr lang="pt-PT" dirty="0"/>
+              <a:t>http://</a:t>
+            </a:r>
+            <a:r>
               <a:rPr lang="pt-PT" dirty="0" smtClean="0"/>
-              <a:t>É importante definir bem o universo da nossa aplicação porque vai estar representado nas camadas lógicas da aplicação.</a:t>
-            </a:r>
-          </a:p>
-          <a:p>
+              <a:t>www.asp.net/mvc</a:t>
+            </a:r>
+          </a:p>
+          <a:p>
+            <a:r>
+              <a:rPr lang="pt-PT" dirty="0"/>
+              <a:t>http://</a:t>
+            </a:r>
             <a:r>
               <a:rPr lang="pt-PT" dirty="0" smtClean="0"/>
-              <a:t>É muito útil utilizar o </a:t>
-            </a:r>
-            <a:r>
-              <a:rPr lang="pt-PT" dirty="0" err="1" smtClean="0"/>
-              <a:t>debugger</a:t>
+              <a:t>www.asp.net/entity-framework</a:t>
+            </a:r>
+          </a:p>
+          <a:p>
+            <a:r>
+              <a:rPr lang="pt-PT" dirty="0"/>
+              <a:t>http://</a:t>
             </a:r>
             <a:r>
               <a:rPr lang="pt-PT" dirty="0" smtClean="0"/>
-              <a:t> do visual </a:t>
-            </a:r>
-            <a:r>
-              <a:rPr lang="pt-PT" dirty="0" err="1" smtClean="0"/>
-              <a:t>studio</a:t>
-            </a:r>
+              <a:t>www.microsoftvirtualacademy.com</a:t>
+            </a:r>
+          </a:p>
+          <a:p>
             <a:r>
               <a:rPr lang="pt-PT" dirty="0"/>
-              <a:t>.</a:t>
-            </a:r>
+              <a:t>http://</a:t>
+            </a:r>
+            <a:r>
+              <a:rPr lang="pt-PT" dirty="0" smtClean="0"/>
+              <a:t>getbootstrap.com</a:t>
+            </a:r>
+          </a:p>
+          <a:p>
+            <a:r>
+              <a:rPr lang="pt-PT" dirty="0"/>
+              <a:t>http://</a:t>
+            </a:r>
+            <a:r>
+              <a:rPr lang="pt-PT" dirty="0" smtClean="0"/>
+              <a:t>www.telerik.com/kendo-ui</a:t>
+            </a:r>
+          </a:p>
+          <a:p>
+            <a:r>
+              <a:rPr lang="pt-PT" dirty="0"/>
+              <a:t>https://</a:t>
+            </a:r>
+            <a:r>
+              <a:rPr lang="pt-PT" dirty="0" smtClean="0"/>
+              <a:t>jquery.com</a:t>
+            </a:r>
+          </a:p>
+          <a:p>
+            <a:r>
+              <a:rPr lang="pt-PT" dirty="0"/>
+              <a:t>https://www.jetbrains.com/resharper/</a:t>
+            </a:r>
+            <a:endParaRPr lang="pt-PT" dirty="0" smtClean="0"/>
+          </a:p>
+          <a:p>
             <a:endParaRPr lang="pt-PT" dirty="0" smtClean="0"/>
           </a:p>
           <a:p>
@@ -8151,10 +8863,51 @@
           </a:p>
         </p:txBody>
       </p:sp>
+      <p:pic>
+        <p:nvPicPr>
+          <p:cNvPr id="6" name="Picture 2" descr="http://www.inlab-lims.pt/Imagens/InelcisSlogan.png"/>
+          <p:cNvPicPr>
+            <a:picLocks noChangeAspect="1" noChangeArrowheads="1"/>
+          </p:cNvPicPr>
+          <p:nvPr/>
+        </p:nvPicPr>
+        <p:blipFill>
+          <a:blip r:embed="rId2">
+            <a:extLst>
+              <a:ext uri="{28A0092B-C50C-407E-A947-70E740481C1C}">
+                <a14:useLocalDpi xmlns:a14="http://schemas.microsoft.com/office/drawing/2010/main" val="0"/>
+              </a:ext>
+            </a:extLst>
+          </a:blip>
+          <a:srcRect/>
+          <a:stretch>
+            <a:fillRect/>
+          </a:stretch>
+        </p:blipFill>
+        <p:spPr bwMode="auto">
+          <a:xfrm>
+            <a:off x="6527507" y="230190"/>
+            <a:ext cx="2364770" cy="605382"/>
+          </a:xfrm>
+          <a:prstGeom prst="rect">
+            <a:avLst/>
+          </a:prstGeom>
+          <a:noFill/>
+          <a:extLst>
+            <a:ext uri="{909E8E84-426E-40DD-AFC4-6F175D3DCCD1}">
+              <a14:hiddenFill xmlns:a14="http://schemas.microsoft.com/office/drawing/2010/main">
+                <a:solidFill>
+                  <a:srgbClr val="FFFFFF"/>
+                </a:solidFill>
+              </a14:hiddenFill>
+            </a:ext>
+          </a:extLst>
+        </p:spPr>
+      </p:pic>
     </p:spTree>
     <p:extLst>
       <p:ext uri="{BB962C8B-B14F-4D97-AF65-F5344CB8AC3E}">
-        <p14:creationId xmlns:p14="http://schemas.microsoft.com/office/powerpoint/2010/main" val="2596184838"/>
+        <p14:creationId xmlns:p14="http://schemas.microsoft.com/office/powerpoint/2010/main" val="287176036"/>
       </p:ext>
     </p:extLst>
   </p:cSld>
@@ -8198,7 +8951,12 @@
             <p:ph type="title"/>
           </p:nvPr>
         </p:nvSpPr>
-        <p:spPr/>
+        <p:spPr>
+          <a:xfrm>
+            <a:off x="628650" y="443956"/>
+            <a:ext cx="7886700" cy="1325563"/>
+          </a:xfrm>
+        </p:spPr>
         <p:txBody>
           <a:bodyPr/>
           <a:lstStyle/>
@@ -8277,8 +9035,9 @@
           <a:p>
             <a:r>
               <a:rPr lang="pt-PT" dirty="0" smtClean="0"/>
-              <a:t>Conclusão</a:t>
-            </a:r>
+              <a:t>Referências</a:t>
+            </a:r>
+            <a:endParaRPr lang="pt-PT" dirty="0" smtClean="0"/>
           </a:p>
           <a:p>
             <a:endParaRPr lang="pt-PT" dirty="0"/>
@@ -8331,6 +9090,47 @@
           </a:p>
         </p:txBody>
       </p:sp>
+      <p:pic>
+        <p:nvPicPr>
+          <p:cNvPr id="6" name="Picture 2" descr="http://www.inlab-lims.pt/Imagens/InelcisSlogan.png"/>
+          <p:cNvPicPr>
+            <a:picLocks noChangeAspect="1" noChangeArrowheads="1"/>
+          </p:cNvPicPr>
+          <p:nvPr/>
+        </p:nvPicPr>
+        <p:blipFill>
+          <a:blip r:embed="rId3">
+            <a:extLst>
+              <a:ext uri="{28A0092B-C50C-407E-A947-70E740481C1C}">
+                <a14:useLocalDpi xmlns:a14="http://schemas.microsoft.com/office/drawing/2010/main" val="0"/>
+              </a:ext>
+            </a:extLst>
+          </a:blip>
+          <a:srcRect/>
+          <a:stretch>
+            <a:fillRect/>
+          </a:stretch>
+        </p:blipFill>
+        <p:spPr bwMode="auto">
+          <a:xfrm>
+            <a:off x="6527507" y="230190"/>
+            <a:ext cx="2364770" cy="605382"/>
+          </a:xfrm>
+          <a:prstGeom prst="rect">
+            <a:avLst/>
+          </a:prstGeom>
+          <a:noFill/>
+          <a:extLst>
+            <a:ext uri="{909E8E84-426E-40DD-AFC4-6F175D3DCCD1}">
+              <a14:hiddenFill xmlns:a14="http://schemas.microsoft.com/office/drawing/2010/main">
+                <a:solidFill>
+                  <a:srgbClr val="FFFFFF"/>
+                </a:solidFill>
+              </a14:hiddenFill>
+            </a:ext>
+          </a:extLst>
+        </p:spPr>
+      </p:pic>
     </p:spTree>
     <p:extLst>
       <p:ext uri="{BB962C8B-B14F-4D97-AF65-F5344CB8AC3E}">
@@ -8530,7 +9330,7 @@
             </a:pPr>
             <a:r>
               <a:rPr lang="pt-PT" dirty="0" smtClean="0"/>
-              <a:t>miguelpintodacosta@gmail.com</a:t>
+              <a:t>miguel.costa@inelcis.pt</a:t>
             </a:r>
           </a:p>
           <a:p>
@@ -8953,6 +9753,47 @@
           </a:p>
         </p:txBody>
       </p:sp>
+      <p:pic>
+        <p:nvPicPr>
+          <p:cNvPr id="8" name="Picture 2" descr="http://www.inlab-lims.pt/Imagens/InelcisSlogan.png"/>
+          <p:cNvPicPr>
+            <a:picLocks noChangeAspect="1" noChangeArrowheads="1"/>
+          </p:cNvPicPr>
+          <p:nvPr/>
+        </p:nvPicPr>
+        <p:blipFill>
+          <a:blip r:embed="rId3">
+            <a:extLst>
+              <a:ext uri="{28A0092B-C50C-407E-A947-70E740481C1C}">
+                <a14:useLocalDpi xmlns:a14="http://schemas.microsoft.com/office/drawing/2010/main" val="0"/>
+              </a:ext>
+            </a:extLst>
+          </a:blip>
+          <a:srcRect/>
+          <a:stretch>
+            <a:fillRect/>
+          </a:stretch>
+        </p:blipFill>
+        <p:spPr bwMode="auto">
+          <a:xfrm>
+            <a:off x="6527507" y="230190"/>
+            <a:ext cx="2364770" cy="605382"/>
+          </a:xfrm>
+          <a:prstGeom prst="rect">
+            <a:avLst/>
+          </a:prstGeom>
+          <a:noFill/>
+          <a:extLst>
+            <a:ext uri="{909E8E84-426E-40DD-AFC4-6F175D3DCCD1}">
+              <a14:hiddenFill xmlns:a14="http://schemas.microsoft.com/office/drawing/2010/main">
+                <a:solidFill>
+                  <a:srgbClr val="FFFFFF"/>
+                </a:solidFill>
+              </a14:hiddenFill>
+            </a:ext>
+          </a:extLst>
+        </p:spPr>
+      </p:pic>
     </p:spTree>
     <p:extLst>
       <p:ext uri="{BB962C8B-B14F-4D97-AF65-F5344CB8AC3E}">
@@ -9078,6 +9919,47 @@
           </a:p>
         </p:txBody>
       </p:sp>
+      <p:pic>
+        <p:nvPicPr>
+          <p:cNvPr id="7" name="Picture 2" descr="http://www.inlab-lims.pt/Imagens/InelcisSlogan.png"/>
+          <p:cNvPicPr>
+            <a:picLocks noChangeAspect="1" noChangeArrowheads="1"/>
+          </p:cNvPicPr>
+          <p:nvPr/>
+        </p:nvPicPr>
+        <p:blipFill>
+          <a:blip r:embed="rId2">
+            <a:extLst>
+              <a:ext uri="{28A0092B-C50C-407E-A947-70E740481C1C}">
+                <a14:useLocalDpi xmlns:a14="http://schemas.microsoft.com/office/drawing/2010/main" val="0"/>
+              </a:ext>
+            </a:extLst>
+          </a:blip>
+          <a:srcRect/>
+          <a:stretch>
+            <a:fillRect/>
+          </a:stretch>
+        </p:blipFill>
+        <p:spPr bwMode="auto">
+          <a:xfrm>
+            <a:off x="6527507" y="230190"/>
+            <a:ext cx="2364770" cy="605382"/>
+          </a:xfrm>
+          <a:prstGeom prst="rect">
+            <a:avLst/>
+          </a:prstGeom>
+          <a:noFill/>
+          <a:extLst>
+            <a:ext uri="{909E8E84-426E-40DD-AFC4-6F175D3DCCD1}">
+              <a14:hiddenFill xmlns:a14="http://schemas.microsoft.com/office/drawing/2010/main">
+                <a:solidFill>
+                  <a:srgbClr val="FFFFFF"/>
+                </a:solidFill>
+              </a14:hiddenFill>
+            </a:ext>
+          </a:extLst>
+        </p:spPr>
+      </p:pic>
     </p:spTree>
     <p:extLst>
       <p:ext uri="{BB962C8B-B14F-4D97-AF65-F5344CB8AC3E}">
@@ -9125,7 +10007,12 @@
             <p:ph type="title"/>
           </p:nvPr>
         </p:nvSpPr>
-        <p:spPr/>
+        <p:spPr>
+          <a:xfrm>
+            <a:off x="628650" y="822324"/>
+            <a:ext cx="7886700" cy="1325563"/>
+          </a:xfrm>
+        </p:spPr>
         <p:txBody>
           <a:bodyPr/>
           <a:lstStyle/>
@@ -9214,6 +10101,47 @@
           </a:p>
         </p:txBody>
       </p:sp>
+      <p:pic>
+        <p:nvPicPr>
+          <p:cNvPr id="8" name="Picture 2" descr="http://www.inlab-lims.pt/Imagens/InelcisSlogan.png"/>
+          <p:cNvPicPr>
+            <a:picLocks noChangeAspect="1" noChangeArrowheads="1"/>
+          </p:cNvPicPr>
+          <p:nvPr/>
+        </p:nvPicPr>
+        <p:blipFill>
+          <a:blip r:embed="rId4">
+            <a:extLst>
+              <a:ext uri="{28A0092B-C50C-407E-A947-70E740481C1C}">
+                <a14:useLocalDpi xmlns:a14="http://schemas.microsoft.com/office/drawing/2010/main" val="0"/>
+              </a:ext>
+            </a:extLst>
+          </a:blip>
+          <a:srcRect/>
+          <a:stretch>
+            <a:fillRect/>
+          </a:stretch>
+        </p:blipFill>
+        <p:spPr bwMode="auto">
+          <a:xfrm>
+            <a:off x="6527507" y="230190"/>
+            <a:ext cx="2364770" cy="605382"/>
+          </a:xfrm>
+          <a:prstGeom prst="rect">
+            <a:avLst/>
+          </a:prstGeom>
+          <a:noFill/>
+          <a:extLst>
+            <a:ext uri="{909E8E84-426E-40DD-AFC4-6F175D3DCCD1}">
+              <a14:hiddenFill xmlns:a14="http://schemas.microsoft.com/office/drawing/2010/main">
+                <a:solidFill>
+                  <a:srgbClr val="FFFFFF"/>
+                </a:solidFill>
+              </a14:hiddenFill>
+            </a:ext>
+          </a:extLst>
+        </p:spPr>
+      </p:pic>
     </p:spTree>
     <p:extLst>
       <p:ext uri="{BB962C8B-B14F-4D97-AF65-F5344CB8AC3E}">
@@ -9261,7 +10189,12 @@
             <p:ph type="title"/>
           </p:nvPr>
         </p:nvSpPr>
-        <p:spPr/>
+        <p:spPr>
+          <a:xfrm>
+            <a:off x="628650" y="838100"/>
+            <a:ext cx="7886700" cy="1325563"/>
+          </a:xfrm>
+        </p:spPr>
         <p:txBody>
           <a:bodyPr/>
           <a:lstStyle/>
@@ -9288,7 +10221,12 @@
             <p:ph idx="1"/>
           </p:nvPr>
         </p:nvSpPr>
-        <p:spPr/>
+        <p:spPr>
+          <a:xfrm>
+            <a:off x="628650" y="2156707"/>
+            <a:ext cx="7886700" cy="4351338"/>
+          </a:xfrm>
+        </p:spPr>
         <p:txBody>
           <a:bodyPr/>
           <a:lstStyle/>
@@ -9385,6 +10323,47 @@
           </a:p>
         </p:txBody>
       </p:sp>
+      <p:pic>
+        <p:nvPicPr>
+          <p:cNvPr id="6" name="Picture 2" descr="http://www.inlab-lims.pt/Imagens/InelcisSlogan.png"/>
+          <p:cNvPicPr>
+            <a:picLocks noChangeAspect="1" noChangeArrowheads="1"/>
+          </p:cNvPicPr>
+          <p:nvPr/>
+        </p:nvPicPr>
+        <p:blipFill>
+          <a:blip r:embed="rId3">
+            <a:extLst>
+              <a:ext uri="{28A0092B-C50C-407E-A947-70E740481C1C}">
+                <a14:useLocalDpi xmlns:a14="http://schemas.microsoft.com/office/drawing/2010/main" val="0"/>
+              </a:ext>
+            </a:extLst>
+          </a:blip>
+          <a:srcRect/>
+          <a:stretch>
+            <a:fillRect/>
+          </a:stretch>
+        </p:blipFill>
+        <p:spPr bwMode="auto">
+          <a:xfrm>
+            <a:off x="6527507" y="230190"/>
+            <a:ext cx="2364770" cy="605382"/>
+          </a:xfrm>
+          <a:prstGeom prst="rect">
+            <a:avLst/>
+          </a:prstGeom>
+          <a:noFill/>
+          <a:extLst>
+            <a:ext uri="{909E8E84-426E-40DD-AFC4-6F175D3DCCD1}">
+              <a14:hiddenFill xmlns:a14="http://schemas.microsoft.com/office/drawing/2010/main">
+                <a:solidFill>
+                  <a:srgbClr val="FFFFFF"/>
+                </a:solidFill>
+              </a14:hiddenFill>
+            </a:ext>
+          </a:extLst>
+        </p:spPr>
+      </p:pic>
     </p:spTree>
     <p:extLst>
       <p:ext uri="{BB962C8B-B14F-4D97-AF65-F5344CB8AC3E}">
@@ -9510,6 +10489,47 @@
           </a:p>
         </p:txBody>
       </p:sp>
+      <p:pic>
+        <p:nvPicPr>
+          <p:cNvPr id="6" name="Picture 2" descr="http://www.inlab-lims.pt/Imagens/InelcisSlogan.png"/>
+          <p:cNvPicPr>
+            <a:picLocks noChangeAspect="1" noChangeArrowheads="1"/>
+          </p:cNvPicPr>
+          <p:nvPr/>
+        </p:nvPicPr>
+        <p:blipFill>
+          <a:blip r:embed="rId2">
+            <a:extLst>
+              <a:ext uri="{28A0092B-C50C-407E-A947-70E740481C1C}">
+                <a14:useLocalDpi xmlns:a14="http://schemas.microsoft.com/office/drawing/2010/main" val="0"/>
+              </a:ext>
+            </a:extLst>
+          </a:blip>
+          <a:srcRect/>
+          <a:stretch>
+            <a:fillRect/>
+          </a:stretch>
+        </p:blipFill>
+        <p:spPr bwMode="auto">
+          <a:xfrm>
+            <a:off x="6527507" y="230190"/>
+            <a:ext cx="2364770" cy="605382"/>
+          </a:xfrm>
+          <a:prstGeom prst="rect">
+            <a:avLst/>
+          </a:prstGeom>
+          <a:noFill/>
+          <a:extLst>
+            <a:ext uri="{909E8E84-426E-40DD-AFC4-6F175D3DCCD1}">
+              <a14:hiddenFill xmlns:a14="http://schemas.microsoft.com/office/drawing/2010/main">
+                <a:solidFill>
+                  <a:srgbClr val="FFFFFF"/>
+                </a:solidFill>
+              </a14:hiddenFill>
+            </a:ext>
+          </a:extLst>
+        </p:spPr>
+      </p:pic>
     </p:spTree>
     <p:extLst>
       <p:ext uri="{BB962C8B-B14F-4D97-AF65-F5344CB8AC3E}">
@@ -9616,13 +10636,9 @@
             </a:r>
           </a:p>
           <a:p>
-            <a:endParaRPr lang="pt-PT" dirty="0"/>
-          </a:p>
-          <a:p>
-            <a:r>
-              <a:rPr lang="pt-PT" dirty="0" smtClean="0"/>
-              <a:t>…</a:t>
-            </a:r>
+            <a:pPr marL="0" indent="0">
+              <a:buNone/>
+            </a:pPr>
             <a:endParaRPr lang="pt-PT" dirty="0" smtClean="0"/>
           </a:p>
           <a:p>
@@ -9676,6 +10692,47 @@
           </a:p>
         </p:txBody>
       </p:sp>
+      <p:pic>
+        <p:nvPicPr>
+          <p:cNvPr id="6" name="Picture 2" descr="http://www.inlab-lims.pt/Imagens/InelcisSlogan.png"/>
+          <p:cNvPicPr>
+            <a:picLocks noChangeAspect="1" noChangeArrowheads="1"/>
+          </p:cNvPicPr>
+          <p:nvPr/>
+        </p:nvPicPr>
+        <p:blipFill>
+          <a:blip r:embed="rId3">
+            <a:extLst>
+              <a:ext uri="{28A0092B-C50C-407E-A947-70E740481C1C}">
+                <a14:useLocalDpi xmlns:a14="http://schemas.microsoft.com/office/drawing/2010/main" val="0"/>
+              </a:ext>
+            </a:extLst>
+          </a:blip>
+          <a:srcRect/>
+          <a:stretch>
+            <a:fillRect/>
+          </a:stretch>
+        </p:blipFill>
+        <p:spPr bwMode="auto">
+          <a:xfrm>
+            <a:off x="6527507" y="230190"/>
+            <a:ext cx="2364770" cy="605382"/>
+          </a:xfrm>
+          <a:prstGeom prst="rect">
+            <a:avLst/>
+          </a:prstGeom>
+          <a:noFill/>
+          <a:extLst>
+            <a:ext uri="{909E8E84-426E-40DD-AFC4-6F175D3DCCD1}">
+              <a14:hiddenFill xmlns:a14="http://schemas.microsoft.com/office/drawing/2010/main">
+                <a:solidFill>
+                  <a:srgbClr val="FFFFFF"/>
+                </a:solidFill>
+              </a14:hiddenFill>
+            </a:ext>
+          </a:extLst>
+        </p:spPr>
+      </p:pic>
     </p:spTree>
     <p:extLst>
       <p:ext uri="{BB962C8B-B14F-4D97-AF65-F5344CB8AC3E}">
@@ -9723,7 +10780,12 @@
             <p:ph type="title"/>
           </p:nvPr>
         </p:nvSpPr>
-        <p:spPr/>
+        <p:spPr>
+          <a:xfrm>
+            <a:off x="628650" y="443956"/>
+            <a:ext cx="7886700" cy="1325563"/>
+          </a:xfrm>
+        </p:spPr>
         <p:txBody>
           <a:bodyPr/>
           <a:lstStyle/>
@@ -9820,13 +10882,29 @@
             </a:r>
           </a:p>
           <a:p>
+            <a:endParaRPr lang="pt-PT" dirty="0"/>
+          </a:p>
+          <a:p>
+            <a:r>
+              <a:rPr lang="pt-PT" dirty="0" smtClean="0"/>
+              <a:t>ajuda na separação das camadas lógicas o que facilita o trabalho de equipa</a:t>
+            </a:r>
             <a:endParaRPr lang="pt-PT" dirty="0" smtClean="0"/>
           </a:p>
           <a:p>
-            <a:r>
-              <a:rPr lang="pt-PT" dirty="0" smtClean="0"/>
-              <a:t>…</a:t>
-            </a:r>
+            <a:endParaRPr lang="pt-PT" dirty="0" smtClean="0"/>
+          </a:p>
+          <a:p>
+            <a:pPr marL="0" indent="0">
+              <a:buNone/>
+            </a:pPr>
+            <a:endParaRPr lang="pt-PT" dirty="0"/>
+          </a:p>
+          <a:p>
+            <a:pPr marL="0" indent="0">
+              <a:buNone/>
+            </a:pPr>
+            <a:endParaRPr lang="pt-PT" dirty="0" smtClean="0"/>
           </a:p>
           <a:p>
             <a:endParaRPr lang="pt-PT" dirty="0" smtClean="0"/>
@@ -9882,6 +10960,47 @@
           </a:p>
         </p:txBody>
       </p:sp>
+      <p:pic>
+        <p:nvPicPr>
+          <p:cNvPr id="6" name="Picture 2" descr="http://www.inlab-lims.pt/Imagens/InelcisSlogan.png"/>
+          <p:cNvPicPr>
+            <a:picLocks noChangeAspect="1" noChangeArrowheads="1"/>
+          </p:cNvPicPr>
+          <p:nvPr/>
+        </p:nvPicPr>
+        <p:blipFill>
+          <a:blip r:embed="rId3">
+            <a:extLst>
+              <a:ext uri="{28A0092B-C50C-407E-A947-70E740481C1C}">
+                <a14:useLocalDpi xmlns:a14="http://schemas.microsoft.com/office/drawing/2010/main" val="0"/>
+              </a:ext>
+            </a:extLst>
+          </a:blip>
+          <a:srcRect/>
+          <a:stretch>
+            <a:fillRect/>
+          </a:stretch>
+        </p:blipFill>
+        <p:spPr bwMode="auto">
+          <a:xfrm>
+            <a:off x="6527507" y="230190"/>
+            <a:ext cx="2364770" cy="605382"/>
+          </a:xfrm>
+          <a:prstGeom prst="rect">
+            <a:avLst/>
+          </a:prstGeom>
+          <a:noFill/>
+          <a:extLst>
+            <a:ext uri="{909E8E84-426E-40DD-AFC4-6F175D3DCCD1}">
+              <a14:hiddenFill xmlns:a14="http://schemas.microsoft.com/office/drawing/2010/main">
+                <a:solidFill>
+                  <a:srgbClr val="FFFFFF"/>
+                </a:solidFill>
+              </a14:hiddenFill>
+            </a:ext>
+          </a:extLst>
+        </p:spPr>
+      </p:pic>
     </p:spTree>
     <p:extLst>
       <p:ext uri="{BB962C8B-B14F-4D97-AF65-F5344CB8AC3E}">

--- a/ppt/aspnet-workshop.pptx
+++ b/ppt/aspnet-workshop.pptx
@@ -216,7 +216,7 @@
           <a:p>
             <a:fld id="{4614EB7C-3D23-474B-8548-FB8589D9D05E}" type="datetimeFigureOut">
               <a:rPr lang="pt-PT" smtClean="0"/>
-              <a:t>05/05/2015</a:t>
+              <a:t>17/05/2015</a:t>
             </a:fld>
             <a:endParaRPr lang="pt-PT"/>
           </a:p>
@@ -528,114 +528,7 @@
           <a:bodyPr/>
           <a:lstStyle/>
           <a:p>
-            <a:r>
-              <a:rPr lang="pt-PT" dirty="0" smtClean="0"/>
-              <a:t>Apresentar-me</a:t>
-            </a:r>
-          </a:p>
-          <a:p>
-            <a:pPr marL="171450" indent="-171450">
-              <a:buFontTx/>
-              <a:buChar char="-"/>
-            </a:pPr>
-            <a:r>
-              <a:rPr lang="pt-PT" baseline="0" dirty="0" smtClean="0"/>
-              <a:t>Curso que tirei </a:t>
-            </a:r>
-          </a:p>
-          <a:p>
-            <a:pPr marL="171450" indent="-171450">
-              <a:buFontTx/>
-              <a:buChar char="-"/>
-            </a:pPr>
-            <a:r>
-              <a:rPr lang="pt-PT" baseline="0" dirty="0" smtClean="0"/>
-              <a:t>LI4</a:t>
-            </a:r>
-          </a:p>
-          <a:p>
-            <a:pPr marL="628650" lvl="1" indent="-171450">
-              <a:buFontTx/>
-              <a:buChar char="-"/>
-            </a:pPr>
-            <a:r>
-              <a:rPr lang="pt-PT" baseline="0" dirty="0" smtClean="0"/>
-              <a:t>Dizer diferenças, tínhamos um cliente que era um professor do DI ou de outro departamento.</a:t>
-            </a:r>
-          </a:p>
-          <a:p>
-            <a:pPr marL="171450" indent="-171450">
-              <a:buFontTx/>
-              <a:buChar char="-"/>
-            </a:pPr>
             <a:endParaRPr lang="pt-PT" baseline="0" dirty="0" smtClean="0"/>
-          </a:p>
-          <a:p>
-            <a:pPr marL="0" indent="0">
-              <a:buFontTx/>
-              <a:buNone/>
-            </a:pPr>
-            <a:r>
-              <a:rPr lang="pt-PT" baseline="0" dirty="0" err="1" smtClean="0"/>
-              <a:t>Inelcis</a:t>
-            </a:r>
-            <a:endParaRPr lang="pt-PT" baseline="0" dirty="0" smtClean="0"/>
-          </a:p>
-          <a:p>
-            <a:pPr marL="171450" indent="-171450">
-              <a:buFontTx/>
-              <a:buChar char="-"/>
-            </a:pPr>
-            <a:r>
-              <a:rPr lang="pt-PT" baseline="0" dirty="0" smtClean="0"/>
-              <a:t>Empresa criada em 1999</a:t>
-            </a:r>
-          </a:p>
-          <a:p>
-            <a:pPr marL="171450" indent="-171450">
-              <a:buFontTx/>
-              <a:buChar char="-"/>
-            </a:pPr>
-            <a:r>
-              <a:rPr lang="pt-PT" baseline="0" dirty="0" smtClean="0"/>
-              <a:t>Atualmente desenvolve e dá suporte a laboratórios de análise água, alimentos e anatomia patológica.</a:t>
-            </a:r>
-          </a:p>
-          <a:p>
-            <a:pPr marL="171450" indent="-171450">
-              <a:buFontTx/>
-              <a:buChar char="-"/>
-            </a:pPr>
-            <a:r>
-              <a:rPr lang="pt-PT" baseline="0" dirty="0" smtClean="0"/>
-              <a:t>O CEO é o Engenheiro Nuno Antunes</a:t>
-            </a:r>
-          </a:p>
-          <a:p>
-            <a:pPr marL="171450" indent="-171450">
-              <a:buFontTx/>
-              <a:buChar char="-"/>
-            </a:pPr>
-            <a:r>
-              <a:rPr lang="pt-PT" baseline="0" dirty="0" smtClean="0"/>
-              <a:t>O que faço na </a:t>
-            </a:r>
-            <a:r>
-              <a:rPr lang="pt-PT" baseline="0" dirty="0" err="1" smtClean="0"/>
-              <a:t>inelcis</a:t>
-            </a:r>
-            <a:r>
-              <a:rPr lang="pt-PT" baseline="0" dirty="0" smtClean="0"/>
-              <a:t>: Desenvolver, </a:t>
-            </a:r>
-            <a:r>
-              <a:rPr lang="pt-PT" baseline="0" dirty="0" err="1" smtClean="0"/>
-              <a:t>deploy</a:t>
-            </a:r>
-            <a:r>
-              <a:rPr lang="pt-PT" baseline="0" dirty="0" smtClean="0"/>
-              <a:t> e suporte também</a:t>
-            </a:r>
           </a:p>
         </p:txBody>
       </p:sp>
@@ -719,22 +612,6 @@
           <a:bodyPr/>
           <a:lstStyle/>
           <a:p>
-            <a:r>
-              <a:rPr lang="pt-PT" dirty="0" smtClean="0"/>
-              <a:t>Aconselho</a:t>
-            </a:r>
-            <a:r>
-              <a:rPr lang="pt-PT" baseline="0" dirty="0" smtClean="0"/>
-              <a:t> a utilizar controlo de versões por exemplo o </a:t>
-            </a:r>
-            <a:r>
-              <a:rPr lang="pt-PT" baseline="0" dirty="0" err="1" smtClean="0"/>
-              <a:t>github</a:t>
-            </a:r>
-            <a:r>
-              <a:rPr lang="pt-PT" baseline="0" dirty="0" smtClean="0"/>
-              <a:t>.</a:t>
-            </a:r>
             <a:endParaRPr lang="pt-PT" dirty="0"/>
           </a:p>
         </p:txBody>
@@ -819,75 +696,6 @@
           <a:bodyPr/>
           <a:lstStyle/>
           <a:p>
-            <a:r>
-              <a:rPr lang="pt-PT" dirty="0" smtClean="0"/>
-              <a:t>Criar um projeto já com </a:t>
-            </a:r>
-            <a:r>
-              <a:rPr lang="pt-PT" dirty="0" err="1" smtClean="0"/>
-              <a:t>bootstra</a:t>
-            </a:r>
-            <a:r>
-              <a:rPr lang="pt-PT" baseline="0" dirty="0" err="1" smtClean="0"/>
-              <a:t>p</a:t>
-            </a:r>
-            <a:r>
-              <a:rPr lang="pt-PT" baseline="0" dirty="0" smtClean="0"/>
-              <a:t>, </a:t>
-            </a:r>
-            <a:r>
-              <a:rPr lang="pt-PT" baseline="0" dirty="0" err="1" smtClean="0"/>
-              <a:t>entity</a:t>
-            </a:r>
-            <a:r>
-              <a:rPr lang="pt-PT" baseline="0" dirty="0" smtClean="0"/>
-              <a:t> </a:t>
-            </a:r>
-            <a:r>
-              <a:rPr lang="pt-PT" baseline="0" dirty="0" err="1" smtClean="0"/>
-              <a:t>framework</a:t>
-            </a:r>
-            <a:r>
-              <a:rPr lang="pt-PT" baseline="0" dirty="0" smtClean="0"/>
-              <a:t>, etc.</a:t>
-            </a:r>
-          </a:p>
-          <a:p>
-            <a:endParaRPr lang="pt-PT" baseline="0" dirty="0" smtClean="0"/>
-          </a:p>
-          <a:p>
-            <a:r>
-              <a:rPr lang="pt-PT" dirty="0" smtClean="0"/>
-              <a:t>- Criar formulários em que é possível adicionar imagens, ter </a:t>
-            </a:r>
-            <a:r>
-              <a:rPr lang="pt-PT" dirty="0" err="1" smtClean="0"/>
-              <a:t>dropdown</a:t>
-            </a:r>
-            <a:r>
-              <a:rPr lang="pt-PT" dirty="0" smtClean="0"/>
-              <a:t>,</a:t>
-            </a:r>
-            <a:r>
-              <a:rPr lang="pt-PT" baseline="0" dirty="0" smtClean="0"/>
-              <a:t> </a:t>
-            </a:r>
-            <a:r>
-              <a:rPr lang="pt-PT" baseline="0" dirty="0" err="1" smtClean="0"/>
-              <a:t>radiobutton</a:t>
-            </a:r>
-            <a:r>
-              <a:rPr lang="pt-PT" baseline="0" dirty="0" smtClean="0"/>
-              <a:t>, </a:t>
-            </a:r>
-            <a:r>
-              <a:rPr lang="pt-PT" baseline="0" dirty="0" err="1" smtClean="0"/>
-              <a:t>checkbox</a:t>
-            </a:r>
-            <a:r>
-              <a:rPr lang="pt-PT" baseline="0" dirty="0" smtClean="0"/>
-              <a:t> </a:t>
-            </a:r>
             <a:endParaRPr lang="pt-PT" dirty="0"/>
           </a:p>
         </p:txBody>
@@ -1144,135 +952,6 @@
               <a:buFontTx/>
               <a:buChar char="-"/>
             </a:pPr>
-            <a:r>
-              <a:rPr lang="pt-PT" dirty="0" smtClean="0"/>
-              <a:t>Criar um projeto MVC 4 Basic</a:t>
-            </a:r>
-          </a:p>
-          <a:p>
-            <a:pPr marL="171450" indent="-171450">
-              <a:buFontTx/>
-              <a:buChar char="-"/>
-            </a:pPr>
-            <a:r>
-              <a:rPr lang="pt-PT" dirty="0" smtClean="0"/>
-              <a:t>Colocar a correr e mostrar o erro</a:t>
-            </a:r>
-          </a:p>
-          <a:p>
-            <a:pPr marL="171450" indent="-171450">
-              <a:buFontTx/>
-              <a:buChar char="-"/>
-            </a:pPr>
-            <a:r>
-              <a:rPr lang="pt-PT" dirty="0" smtClean="0"/>
-              <a:t>Criar o </a:t>
-            </a:r>
-            <a:r>
-              <a:rPr lang="pt-PT" dirty="0" err="1" smtClean="0"/>
-              <a:t>controller</a:t>
-            </a:r>
-            <a:r>
-              <a:rPr lang="pt-PT" dirty="0" smtClean="0"/>
-              <a:t> </a:t>
-            </a:r>
-            <a:r>
-              <a:rPr lang="pt-PT" dirty="0" err="1" smtClean="0"/>
-              <a:t>Home</a:t>
-            </a:r>
-            <a:endParaRPr lang="pt-PT" dirty="0" smtClean="0"/>
-          </a:p>
-          <a:p>
-            <a:pPr marL="171450" indent="-171450">
-              <a:buFontTx/>
-              <a:buChar char="-"/>
-            </a:pPr>
-            <a:r>
-              <a:rPr lang="pt-PT" dirty="0" smtClean="0"/>
-              <a:t>Mostrar o erro</a:t>
-            </a:r>
-          </a:p>
-          <a:p>
-            <a:pPr marL="171450" indent="-171450">
-              <a:buFontTx/>
-              <a:buChar char="-"/>
-            </a:pPr>
-            <a:r>
-              <a:rPr lang="pt-PT" dirty="0" smtClean="0"/>
-              <a:t>Criar a </a:t>
-            </a:r>
-            <a:r>
-              <a:rPr lang="pt-PT" dirty="0" err="1" smtClean="0"/>
-              <a:t>view</a:t>
-            </a:r>
-            <a:r>
-              <a:rPr lang="pt-PT" dirty="0" smtClean="0"/>
-              <a:t> </a:t>
-            </a:r>
-            <a:r>
-              <a:rPr lang="pt-PT" dirty="0" err="1" smtClean="0"/>
-              <a:t>Index</a:t>
-            </a:r>
-            <a:endParaRPr lang="pt-PT" dirty="0" smtClean="0"/>
-          </a:p>
-          <a:p>
-            <a:pPr marL="171450" indent="-171450">
-              <a:buFontTx/>
-              <a:buChar char="-"/>
-            </a:pPr>
-            <a:r>
-              <a:rPr lang="pt-PT" dirty="0" smtClean="0"/>
-              <a:t>Mostrar a funcionar</a:t>
-            </a:r>
-          </a:p>
-          <a:p>
-            <a:pPr marL="171450" indent="-171450">
-              <a:buFontTx/>
-              <a:buChar char="-"/>
-            </a:pPr>
-            <a:r>
-              <a:rPr lang="pt-PT" dirty="0" smtClean="0"/>
-              <a:t>Criar um </a:t>
-            </a:r>
-            <a:r>
-              <a:rPr lang="pt-PT" dirty="0" err="1" smtClean="0"/>
-              <a:t>Model</a:t>
-            </a:r>
-            <a:r>
-              <a:rPr lang="pt-PT" dirty="0" smtClean="0"/>
-              <a:t> </a:t>
-            </a:r>
-            <a:r>
-              <a:rPr lang="pt-PT" dirty="0" err="1" smtClean="0"/>
-              <a:t>HelloModel</a:t>
-            </a:r>
-            <a:r>
-              <a:rPr lang="pt-PT" dirty="0" smtClean="0"/>
-              <a:t> com a propriedade</a:t>
-            </a:r>
-            <a:r>
-              <a:rPr lang="pt-PT" baseline="0" dirty="0" smtClean="0"/>
-              <a:t> </a:t>
-            </a:r>
-            <a:r>
-              <a:rPr lang="pt-PT" baseline="0" dirty="0" err="1" smtClean="0"/>
-              <a:t>Message</a:t>
-            </a:r>
-            <a:endParaRPr lang="pt-PT" baseline="0" dirty="0" smtClean="0"/>
-          </a:p>
-          <a:p>
-            <a:pPr marL="171450" indent="-171450">
-              <a:buFontTx/>
-              <a:buChar char="-"/>
-            </a:pPr>
-            <a:r>
-              <a:rPr lang="pt-PT" baseline="0" dirty="0" smtClean="0"/>
-              <a:t>Mostrar como enviar para a </a:t>
-            </a:r>
-            <a:r>
-              <a:rPr lang="pt-PT" baseline="0" dirty="0" err="1" smtClean="0"/>
-              <a:t>view</a:t>
-            </a:r>
             <a:endParaRPr lang="pt-PT" dirty="0"/>
           </a:p>
         </p:txBody>
@@ -1357,69 +1036,6 @@
           <a:bodyPr/>
           <a:lstStyle/>
           <a:p>
-            <a:r>
-              <a:rPr lang="pt-PT" dirty="0" err="1" smtClean="0"/>
-              <a:t>Model</a:t>
-            </a:r>
-            <a:r>
-              <a:rPr lang="pt-PT" baseline="0" dirty="0" smtClean="0"/>
-              <a:t> – Representa uma entidade da base de dados, ou seja, uma linha de uma tabela quando instanciada.</a:t>
-            </a:r>
-          </a:p>
-          <a:p>
-            <a:endParaRPr lang="pt-PT" baseline="0" dirty="0" smtClean="0"/>
-          </a:p>
-          <a:p>
-            <a:r>
-              <a:rPr lang="pt-PT" baseline="0" dirty="0" err="1" smtClean="0"/>
-              <a:t>View</a:t>
-            </a:r>
-            <a:r>
-              <a:rPr lang="pt-PT" baseline="0" dirty="0" smtClean="0"/>
-              <a:t> – Basicamente são as páginas HTML que contêm a informação a mostrar ao utilizador</a:t>
-            </a:r>
-          </a:p>
-          <a:p>
-            <a:endParaRPr lang="pt-PT" baseline="0" dirty="0" smtClean="0"/>
-          </a:p>
-          <a:p>
-            <a:r>
-              <a:rPr lang="pt-PT" baseline="0" dirty="0" err="1" smtClean="0"/>
-              <a:t>Controller</a:t>
-            </a:r>
-            <a:r>
-              <a:rPr lang="pt-PT" baseline="0" dirty="0" smtClean="0"/>
-              <a:t> – É responsável por receber os pedidos, processar e enviar uma resposta</a:t>
-            </a:r>
-            <a:r>
-              <a:rPr lang="pt-PT" baseline="0" dirty="0" smtClean="0"/>
-              <a:t>.</a:t>
-            </a:r>
-          </a:p>
-          <a:p>
-            <a:endParaRPr lang="pt-PT" baseline="0" dirty="0" smtClean="0"/>
-          </a:p>
-          <a:p>
-            <a:r>
-              <a:rPr lang="pt-PT" baseline="0" dirty="0" err="1" smtClean="0"/>
-              <a:t>Presentation</a:t>
-            </a:r>
-            <a:r>
-              <a:rPr lang="pt-PT" baseline="0" dirty="0" smtClean="0"/>
-              <a:t> </a:t>
-            </a:r>
-            <a:r>
-              <a:rPr lang="pt-PT" baseline="0" dirty="0" err="1" smtClean="0"/>
-              <a:t>Model</a:t>
-            </a:r>
-            <a:r>
-              <a:rPr lang="pt-PT" baseline="0" dirty="0" smtClean="0"/>
-              <a:t> – São objetos usados para colocar informação nas </a:t>
-            </a:r>
-            <a:r>
-              <a:rPr lang="pt-PT" baseline="0" dirty="0" err="1" smtClean="0"/>
-              <a:t>views</a:t>
-            </a:r>
             <a:endParaRPr lang="pt-PT" dirty="0"/>
           </a:p>
         </p:txBody>
@@ -1504,109 +1120,6 @@
           <a:bodyPr/>
           <a:lstStyle/>
           <a:p>
-            <a:r>
-              <a:rPr lang="pt-PT" dirty="0" err="1" smtClean="0"/>
-              <a:t>Model</a:t>
-            </a:r>
-            <a:r>
-              <a:rPr lang="pt-PT" baseline="0" dirty="0" smtClean="0"/>
-              <a:t> – Representa uma entidade da base de dados, ou seja, uma linha de uma tabela quando instanciada</a:t>
-            </a:r>
-            <a:r>
-              <a:rPr lang="pt-PT" baseline="0" dirty="0" smtClean="0"/>
-              <a:t>.</a:t>
-            </a:r>
-          </a:p>
-          <a:p>
-            <a:r>
-              <a:rPr lang="pt-PT" baseline="0" dirty="0" smtClean="0"/>
-              <a:t>Consiste nos objetos do core da aplicação</a:t>
-            </a:r>
-            <a:endParaRPr lang="pt-PT" baseline="0" dirty="0" smtClean="0"/>
-          </a:p>
-          <a:p>
-            <a:r>
-              <a:rPr lang="pt-PT" baseline="0" dirty="0" err="1" smtClean="0"/>
-              <a:t>Models</a:t>
-            </a:r>
-            <a:r>
-              <a:rPr lang="pt-PT" baseline="0" dirty="0" smtClean="0"/>
-              <a:t> – são a definição do universo da aplicação, numa aplicação bancária representa por exemplo todo o banco, desde as contas bancárias, os clientes, os limites</a:t>
-            </a:r>
-          </a:p>
-          <a:p>
-            <a:endParaRPr lang="pt-PT" baseline="0" dirty="0" smtClean="0"/>
-          </a:p>
-          <a:p>
-            <a:r>
-              <a:rPr lang="pt-PT" baseline="0" dirty="0" err="1" smtClean="0"/>
-              <a:t>View</a:t>
-            </a:r>
-            <a:r>
-              <a:rPr lang="pt-PT" baseline="0" dirty="0" smtClean="0"/>
-              <a:t> – Basicamente são as páginas HTML que contêm a informação a mostrar ao utilizador</a:t>
-            </a:r>
-          </a:p>
-          <a:p>
-            <a:endParaRPr lang="pt-PT" baseline="0" dirty="0" smtClean="0"/>
-          </a:p>
-          <a:p>
-            <a:r>
-              <a:rPr lang="pt-PT" baseline="0" dirty="0" err="1" smtClean="0"/>
-              <a:t>Controller</a:t>
-            </a:r>
-            <a:r>
-              <a:rPr lang="pt-PT" baseline="0" dirty="0" smtClean="0"/>
-              <a:t> – É responsável por receber os pedidos, processar e enviar uma resposta.</a:t>
-            </a:r>
-          </a:p>
-          <a:p>
-            <a:r>
-              <a:rPr lang="pt-PT" baseline="0" dirty="0" smtClean="0"/>
-              <a:t>Um </a:t>
-            </a:r>
-            <a:r>
-              <a:rPr lang="pt-PT" baseline="0" dirty="0" err="1" smtClean="0"/>
-              <a:t>controller</a:t>
-            </a:r>
-            <a:r>
-              <a:rPr lang="pt-PT" baseline="0" dirty="0" smtClean="0"/>
-              <a:t> tem </a:t>
-            </a:r>
-            <a:r>
-              <a:rPr lang="pt-PT" baseline="0" dirty="0" err="1" smtClean="0"/>
-              <a:t>actions</a:t>
-            </a:r>
-            <a:r>
-              <a:rPr lang="pt-PT" baseline="0" dirty="0" smtClean="0"/>
-              <a:t> que podem devolver vários tipos de informação, </a:t>
-            </a:r>
-            <a:r>
-              <a:rPr lang="pt-PT" baseline="0" dirty="0" err="1" smtClean="0"/>
-              <a:t>FileResult</a:t>
-            </a:r>
-            <a:r>
-              <a:rPr lang="pt-PT" baseline="0" dirty="0" smtClean="0"/>
-              <a:t>, </a:t>
-            </a:r>
-            <a:r>
-              <a:rPr lang="pt-PT" baseline="0" dirty="0" err="1" smtClean="0"/>
-              <a:t>JsonResult</a:t>
-            </a:r>
-            <a:r>
-              <a:rPr lang="pt-PT" baseline="0" dirty="0" smtClean="0"/>
-              <a:t>, etc.</a:t>
-            </a:r>
-            <a:endParaRPr lang="pt-PT" baseline="0" dirty="0" smtClean="0"/>
-          </a:p>
-          <a:p>
-            <a:endParaRPr lang="pt-PT" baseline="0" dirty="0" smtClean="0"/>
-          </a:p>
-          <a:p>
-            <a:r>
-              <a:rPr lang="pt-PT" baseline="0" dirty="0" smtClean="0"/>
-              <a:t>É importante perceber estes conceitos, tudo gira à volta disto.</a:t>
-            </a:r>
             <a:endParaRPr lang="pt-PT" dirty="0"/>
           </a:p>
         </p:txBody>
@@ -1691,14 +1204,6 @@
           <a:bodyPr/>
           <a:lstStyle/>
           <a:p>
-            <a:r>
-              <a:rPr lang="pt-PT" dirty="0" smtClean="0"/>
-              <a:t>Nas aplicações “tradicionais” ´MVC é a arquitetura que melhor se adequa</a:t>
-            </a:r>
-            <a:r>
-              <a:rPr lang="pt-PT" baseline="0" dirty="0" smtClean="0"/>
-              <a:t> provavelmente.</a:t>
-            </a:r>
             <a:endParaRPr lang="pt-PT" dirty="0"/>
           </a:p>
         </p:txBody>
@@ -1783,96 +1288,6 @@
           <a:bodyPr/>
           <a:lstStyle/>
           <a:p>
-            <a:r>
-              <a:rPr lang="pt-PT" dirty="0" err="1" smtClean="0"/>
-              <a:t>View</a:t>
-            </a:r>
-            <a:r>
-              <a:rPr lang="pt-PT" dirty="0" smtClean="0"/>
-              <a:t> </a:t>
-            </a:r>
-            <a:r>
-              <a:rPr lang="pt-PT" dirty="0" err="1" smtClean="0"/>
-              <a:t>State</a:t>
-            </a:r>
-            <a:r>
-              <a:rPr lang="pt-PT" dirty="0" smtClean="0"/>
-              <a:t> </a:t>
-            </a:r>
-            <a:r>
-              <a:rPr lang="pt-PT" dirty="0" err="1" smtClean="0"/>
-              <a:t>weight</a:t>
-            </a:r>
-            <a:r>
-              <a:rPr lang="pt-PT" dirty="0" smtClean="0"/>
-              <a:t> – o mecanismo utilizado</a:t>
-            </a:r>
-            <a:r>
-              <a:rPr lang="pt-PT" baseline="0" dirty="0" smtClean="0"/>
-              <a:t> para manter o estado entre pedidos resultava na grande troca de dados</a:t>
-            </a:r>
-          </a:p>
-          <a:p>
-            <a:endParaRPr lang="pt-PT" baseline="0" dirty="0" smtClean="0"/>
-          </a:p>
-          <a:p>
-            <a:r>
-              <a:rPr lang="pt-PT" baseline="0" dirty="0" smtClean="0"/>
-              <a:t>A forma como os eventos eram geridos por fezes era uma “caixa negra” e não se sabia muito bem que código </a:t>
-            </a:r>
-            <a:r>
-              <a:rPr lang="pt-PT" baseline="0" dirty="0" err="1" smtClean="0"/>
-              <a:t>javascript</a:t>
-            </a:r>
-            <a:r>
-              <a:rPr lang="pt-PT" baseline="0" dirty="0" smtClean="0"/>
-              <a:t> a </a:t>
-            </a:r>
-            <a:r>
-              <a:rPr lang="pt-PT" baseline="0" dirty="0" err="1" smtClean="0"/>
-              <a:t>framework</a:t>
-            </a:r>
-            <a:r>
-              <a:rPr lang="pt-PT" baseline="0" dirty="0" smtClean="0"/>
-              <a:t> gerava.</a:t>
-            </a:r>
-          </a:p>
-          <a:p>
-            <a:endParaRPr lang="pt-PT" baseline="0" dirty="0" smtClean="0"/>
-          </a:p>
-          <a:p>
-            <a:r>
-              <a:rPr lang="pt-PT" baseline="0" dirty="0" smtClean="0"/>
-              <a:t>Os testes não eram fáceis de fazer, a mistura dos conceitos e separação pouco clara das camadas lógicas</a:t>
-            </a:r>
-            <a:r>
-              <a:rPr lang="pt-PT" baseline="0" dirty="0" smtClean="0"/>
-              <a:t>.</a:t>
-            </a:r>
-          </a:p>
-          <a:p>
-            <a:endParaRPr lang="pt-PT" baseline="0" dirty="0" smtClean="0"/>
-          </a:p>
-          <a:p>
-            <a:r>
-              <a:rPr lang="pt-PT" baseline="0" dirty="0" smtClean="0"/>
-              <a:t>Permite ter pessoas de </a:t>
-            </a:r>
-            <a:r>
-              <a:rPr lang="pt-PT" baseline="0" dirty="0" err="1" smtClean="0"/>
-              <a:t>frontend</a:t>
-            </a:r>
-            <a:r>
-              <a:rPr lang="pt-PT" baseline="0" dirty="0" smtClean="0"/>
-              <a:t> e </a:t>
-            </a:r>
-            <a:r>
-              <a:rPr lang="pt-PT" baseline="0" dirty="0" err="1" smtClean="0"/>
-              <a:t>backend</a:t>
-            </a:r>
-            <a:endParaRPr lang="pt-PT" baseline="0" dirty="0" smtClean="0"/>
-          </a:p>
-          <a:p>
             <a:endParaRPr lang="pt-PT" dirty="0"/>
           </a:p>
         </p:txBody>
@@ -1957,34 +1372,6 @@
           <a:bodyPr/>
           <a:lstStyle/>
           <a:p>
-            <a:r>
-              <a:rPr lang="pt-PT" dirty="0" smtClean="0"/>
-              <a:t>Usar o projeto </a:t>
-            </a:r>
-            <a:r>
-              <a:rPr lang="pt-PT" dirty="0" err="1" smtClean="0"/>
-              <a:t>Hello</a:t>
-            </a:r>
-            <a:r>
-              <a:rPr lang="pt-PT" dirty="0" smtClean="0"/>
-              <a:t> </a:t>
-            </a:r>
-            <a:r>
-              <a:rPr lang="pt-PT" dirty="0" err="1" smtClean="0"/>
-              <a:t>World</a:t>
-            </a:r>
-            <a:r>
-              <a:rPr lang="pt-PT" dirty="0" smtClean="0"/>
-              <a:t> para</a:t>
-            </a:r>
-            <a:r>
-              <a:rPr lang="pt-PT" baseline="0" dirty="0" smtClean="0"/>
-              <a:t> mostrar ciclos, </a:t>
-            </a:r>
-            <a:r>
-              <a:rPr lang="pt-PT" baseline="0" dirty="0" err="1" smtClean="0"/>
-              <a:t>ifs</a:t>
-            </a:r>
             <a:endParaRPr lang="pt-PT" dirty="0"/>
           </a:p>
         </p:txBody>
@@ -2068,102 +1455,6 @@
         <p:txBody>
           <a:bodyPr/>
           <a:lstStyle/>
-          <a:p>
-            <a:r>
-              <a:rPr lang="pt-PT" dirty="0" smtClean="0"/>
-              <a:t>Mostrar como fazer </a:t>
-            </a:r>
-            <a:r>
-              <a:rPr lang="pt-PT" dirty="0" err="1" smtClean="0"/>
-              <a:t>debug</a:t>
-            </a:r>
-            <a:r>
-              <a:rPr lang="pt-PT" dirty="0" smtClean="0"/>
-              <a:t> em:</a:t>
-            </a:r>
-          </a:p>
-          <a:p>
-            <a:endParaRPr lang="pt-PT" dirty="0" smtClean="0"/>
-          </a:p>
-          <a:p>
-            <a:pPr marL="171450" indent="-171450">
-              <a:buFontTx/>
-              <a:buChar char="-"/>
-            </a:pPr>
-            <a:r>
-              <a:rPr lang="pt-PT" dirty="0" err="1" smtClean="0"/>
-              <a:t>Controller</a:t>
-            </a:r>
-            <a:endParaRPr lang="pt-PT" dirty="0" smtClean="0"/>
-          </a:p>
-          <a:p>
-            <a:pPr marL="171450" indent="-171450">
-              <a:buFontTx/>
-              <a:buChar char="-"/>
-            </a:pPr>
-            <a:r>
-              <a:rPr lang="pt-PT" dirty="0" err="1" smtClean="0"/>
-              <a:t>Model</a:t>
-            </a:r>
-            <a:endParaRPr lang="pt-PT" dirty="0" smtClean="0"/>
-          </a:p>
-          <a:p>
-            <a:pPr marL="171450" indent="-171450">
-              <a:buFontTx/>
-              <a:buChar char="-"/>
-            </a:pPr>
-            <a:r>
-              <a:rPr lang="pt-PT" dirty="0" err="1" smtClean="0"/>
-              <a:t>View</a:t>
-            </a:r>
-            <a:endParaRPr lang="pt-PT" dirty="0" smtClean="0"/>
-          </a:p>
-          <a:p>
-            <a:pPr marL="171450" indent="-171450">
-              <a:buFontTx/>
-              <a:buChar char="-"/>
-            </a:pPr>
-            <a:r>
-              <a:rPr lang="pt-PT" dirty="0" err="1" smtClean="0"/>
-              <a:t>Javascript</a:t>
-            </a:r>
-            <a:endParaRPr lang="pt-PT" dirty="0" smtClean="0"/>
-          </a:p>
-          <a:p>
-            <a:pPr marL="0" indent="0">
-              <a:buFontTx/>
-              <a:buNone/>
-            </a:pPr>
-            <a:endParaRPr lang="pt-PT" dirty="0" smtClean="0"/>
-          </a:p>
-          <a:p>
-            <a:pPr marL="171450" indent="-171450">
-              <a:buFontTx/>
-              <a:buChar char="-"/>
-            </a:pPr>
-            <a:r>
-              <a:rPr lang="pt-PT" baseline="0" dirty="0" smtClean="0"/>
-              <a:t>Dicas de navegação</a:t>
-            </a:r>
-          </a:p>
-          <a:p>
-            <a:pPr marL="171450" indent="-171450">
-              <a:buFontTx/>
-              <a:buChar char="-"/>
-            </a:pPr>
-            <a:r>
-              <a:rPr lang="pt-PT" baseline="0" dirty="0" smtClean="0"/>
-              <a:t>Mostrar o </a:t>
-            </a:r>
-            <a:r>
-              <a:rPr lang="pt-PT" baseline="0" dirty="0" err="1" smtClean="0"/>
-              <a:t>resharper</a:t>
-            </a:r>
-            <a:r>
-              <a:rPr lang="pt-PT" baseline="0" dirty="0" smtClean="0"/>
-              <a:t> e dizer como podem instalar</a:t>
-            </a:r>
-          </a:p>
           <a:p>
             <a:pPr marL="171450" indent="-171450">
               <a:buFontTx/>
@@ -2340,7 +1631,7 @@
           <a:p>
             <a:fld id="{58EB6F0E-7DF8-4D98-A070-2BACEF830D93}" type="datetime1">
               <a:rPr lang="pt-PT" smtClean="0"/>
-              <a:t>05/05/2015</a:t>
+              <a:t>17/05/2015</a:t>
             </a:fld>
             <a:endParaRPr lang="pt-PT"/>
           </a:p>
@@ -2514,7 +1805,7 @@
           <a:p>
             <a:fld id="{3169938F-EC71-4185-8015-244D179927D3}" type="datetime1">
               <a:rPr lang="pt-PT" smtClean="0"/>
-              <a:t>05/05/2015</a:t>
+              <a:t>17/05/2015</a:t>
             </a:fld>
             <a:endParaRPr lang="pt-PT"/>
           </a:p>
@@ -2698,7 +1989,7 @@
           <a:p>
             <a:fld id="{A186E1E7-4D52-4ACC-BB1B-6E18A96C46F7}" type="datetime1">
               <a:rPr lang="pt-PT" smtClean="0"/>
-              <a:t>05/05/2015</a:t>
+              <a:t>17/05/2015</a:t>
             </a:fld>
             <a:endParaRPr lang="pt-PT"/>
           </a:p>
@@ -2872,7 +2163,7 @@
           <a:p>
             <a:fld id="{A0CC031B-E743-4DFB-B25B-230B5EE15641}" type="datetime1">
               <a:rPr lang="pt-PT" smtClean="0"/>
-              <a:t>05/05/2015</a:t>
+              <a:t>17/05/2015</a:t>
             </a:fld>
             <a:endParaRPr lang="pt-PT"/>
           </a:p>
@@ -3122,7 +2413,7 @@
           <a:p>
             <a:fld id="{9FBDF9A9-B706-4FE9-86F8-F31BF4E2942A}" type="datetime1">
               <a:rPr lang="pt-PT" smtClean="0"/>
-              <a:t>05/05/2015</a:t>
+              <a:t>17/05/2015</a:t>
             </a:fld>
             <a:endParaRPr lang="pt-PT"/>
           </a:p>
@@ -3358,7 +2649,7 @@
           <a:p>
             <a:fld id="{6A1B0442-92CF-4CAA-A485-1F9D54580546}" type="datetime1">
               <a:rPr lang="pt-PT" smtClean="0"/>
-              <a:t>05/05/2015</a:t>
+              <a:t>17/05/2015</a:t>
             </a:fld>
             <a:endParaRPr lang="pt-PT"/>
           </a:p>
@@ -3729,7 +3020,7 @@
           <a:p>
             <a:fld id="{B0684B70-B20D-4BBF-AC2B-24EFD9EE71F0}" type="datetime1">
               <a:rPr lang="pt-PT" smtClean="0"/>
-              <a:t>05/05/2015</a:t>
+              <a:t>17/05/2015</a:t>
             </a:fld>
             <a:endParaRPr lang="pt-PT"/>
           </a:p>
@@ -3851,7 +3142,7 @@
           <a:p>
             <a:fld id="{D635BBEE-5B13-4330-9F9F-A72278E7D4AE}" type="datetime1">
               <a:rPr lang="pt-PT" smtClean="0"/>
-              <a:t>05/05/2015</a:t>
+              <a:t>17/05/2015</a:t>
             </a:fld>
             <a:endParaRPr lang="pt-PT"/>
           </a:p>
@@ -3950,7 +3241,7 @@
           <a:p>
             <a:fld id="{69326E18-6BD8-4663-95CE-85B431D1DFF5}" type="datetime1">
               <a:rPr lang="pt-PT" smtClean="0"/>
-              <a:t>05/05/2015</a:t>
+              <a:t>17/05/2015</a:t>
             </a:fld>
             <a:endParaRPr lang="pt-PT"/>
           </a:p>
@@ -4231,7 +3522,7 @@
           <a:p>
             <a:fld id="{5D4EFB89-94AB-46E6-A12D-3F07393E70FF}" type="datetime1">
               <a:rPr lang="pt-PT" smtClean="0"/>
-              <a:t>05/05/2015</a:t>
+              <a:t>17/05/2015</a:t>
             </a:fld>
             <a:endParaRPr lang="pt-PT"/>
           </a:p>
@@ -4488,7 +3779,7 @@
           <a:p>
             <a:fld id="{CBB368D8-9674-4248-B6BB-4E2EBFA19C33}" type="datetime1">
               <a:rPr lang="pt-PT" smtClean="0"/>
-              <a:t>05/05/2015</a:t>
+              <a:t>17/05/2015</a:t>
             </a:fld>
             <a:endParaRPr lang="pt-PT"/>
           </a:p>
@@ -4705,7 +3996,7 @@
           <a:p>
             <a:fld id="{E1B2A735-2797-4EDA-9F1C-4C4E020EDD29}" type="datetime1">
               <a:rPr lang="pt-PT" smtClean="0"/>
-              <a:t>05/05/2015</a:t>
+              <a:t>17/05/2015</a:t>
             </a:fld>
             <a:endParaRPr lang="pt-PT"/>
           </a:p>
@@ -5510,11 +4801,7 @@
             </a:r>
             <a:r>
               <a:rPr lang="pt-PT" dirty="0" smtClean="0"/>
-              <a:t>que permite inserir código diretamente na camada de visualização da aplicação, facilitando a codificação do projeto</a:t>
-            </a:r>
-            <a:r>
-              <a:rPr lang="pt-PT" dirty="0" smtClean="0"/>
-              <a:t>.</a:t>
+              <a:t>que permite inserir código diretamente na camada de visualização da aplicação, facilitando a codificação do projeto.</a:t>
             </a:r>
           </a:p>
           <a:p>
@@ -8087,7 +7374,6 @@
               <a:rPr lang="pt-PT" dirty="0" smtClean="0"/>
               <a:t>CSS</a:t>
             </a:r>
-            <a:endParaRPr lang="pt-PT" dirty="0" smtClean="0"/>
           </a:p>
           <a:p>
             <a:r>
@@ -8495,7 +7781,6 @@
               <a:rPr lang="pt-PT" dirty="0"/>
               <a:t>, 2012</a:t>
             </a:r>
-            <a:endParaRPr lang="pt-PT" dirty="0"/>
           </a:p>
         </p:txBody>
       </p:sp>
@@ -9037,7 +8322,6 @@
               <a:rPr lang="pt-PT" dirty="0" smtClean="0"/>
               <a:t>Referências</a:t>
             </a:r>
-            <a:endParaRPr lang="pt-PT" dirty="0" smtClean="0"/>
           </a:p>
           <a:p>
             <a:endParaRPr lang="pt-PT" dirty="0"/>
@@ -9362,7 +8646,6 @@
               <a:rPr lang="pt-PT" dirty="0"/>
               <a:t>https://pt.linkedin.com/in/miguelpintodacosta</a:t>
             </a:r>
-            <a:endParaRPr lang="pt-PT" dirty="0"/>
           </a:p>
         </p:txBody>
       </p:sp>
@@ -10237,11 +9520,7 @@
             </a:r>
             <a:r>
               <a:rPr lang="pt-PT" dirty="0" smtClean="0"/>
-              <a:t> – Representa ou contêm os dados que os que os utilizadores acedem</a:t>
-            </a:r>
-            <a:r>
-              <a:rPr lang="pt-PT" dirty="0" smtClean="0"/>
-              <a:t>.</a:t>
+              <a:t> – Representa ou contêm os dados que os que os utilizadores acedem.</a:t>
             </a:r>
           </a:p>
           <a:p>
@@ -10254,11 +9533,7 @@
             </a:r>
             <a:r>
               <a:rPr lang="pt-PT" dirty="0" smtClean="0"/>
-              <a:t> – Usada para apresentar ao utilizador as páginas HTML</a:t>
-            </a:r>
-            <a:r>
-              <a:rPr lang="pt-PT" dirty="0" smtClean="0"/>
-              <a:t>.</a:t>
+              <a:t> – Usada para apresentar ao utilizador as páginas HTML.</a:t>
             </a:r>
           </a:p>
           <a:p>
@@ -10615,24 +9890,16 @@
             </a:r>
             <a:r>
               <a:rPr lang="pt-PT" dirty="0" smtClean="0"/>
-              <a:t> de desenvolvimento Web da Microsoft que combina eficácia e características da arquitetura </a:t>
-            </a:r>
+              <a:t> de desenvolvimento Web da Microsoft que combina eficácia e características da arquitetura MVC.</a:t>
+            </a:r>
+          </a:p>
+          <a:p>
+            <a:endParaRPr lang="pt-PT" dirty="0" smtClean="0"/>
+          </a:p>
+          <a:p>
             <a:r>
               <a:rPr lang="pt-PT" dirty="0" smtClean="0"/>
-              <a:t>MVC.</a:t>
-            </a:r>
-          </a:p>
-          <a:p>
-            <a:endParaRPr lang="pt-PT" dirty="0" smtClean="0"/>
-          </a:p>
-          <a:p>
-            <a:r>
-              <a:rPr lang="pt-PT" dirty="0" smtClean="0"/>
-              <a:t>Aplica as técnicas mais recentes de desenvolvimento </a:t>
-            </a:r>
-            <a:r>
-              <a:rPr lang="pt-PT" dirty="0" smtClean="0"/>
-              <a:t>ágil.</a:t>
+              <a:t>Aplica as técnicas mais recentes de desenvolvimento ágil.</a:t>
             </a:r>
           </a:p>
           <a:p>
@@ -10828,11 +10095,7 @@
             </a:r>
             <a:r>
               <a:rPr lang="pt-PT" dirty="0" smtClean="0"/>
-              <a:t> foi bastante adotado, mas ao longo do tempo apresentava algumas deficiências</a:t>
-            </a:r>
-            <a:r>
-              <a:rPr lang="pt-PT" dirty="0" smtClean="0"/>
-              <a:t>:</a:t>
+              <a:t> foi bastante adotado, mas ao longo do tempo apresentava algumas deficiências:</a:t>
             </a:r>
           </a:p>
           <a:p>
@@ -10848,11 +10111,16 @@
             </a:r>
             <a:r>
               <a:rPr lang="pt-PT" dirty="0" smtClean="0"/>
-              <a:t> mecanismo para manter o estado entre pedidos obrigava à troca de grandes blocos de </a:t>
-            </a:r>
+              <a:t> mecanismo para manter o estado entre pedidos obrigava à troca de grandes blocos de dados,</a:t>
+            </a:r>
+          </a:p>
+          <a:p>
+            <a:endParaRPr lang="pt-PT" dirty="0" smtClean="0"/>
+          </a:p>
+          <a:p>
             <a:r>
               <a:rPr lang="pt-PT" dirty="0" smtClean="0"/>
-              <a:t>dados,</a:t>
+              <a:t>o mecanismo para ligar os eventos do lado do cliente com o servidor por vezes era complicado,</a:t>
             </a:r>
           </a:p>
           <a:p>
@@ -10861,24 +10129,7 @@
           <a:p>
             <a:r>
               <a:rPr lang="pt-PT" dirty="0" smtClean="0"/>
-              <a:t>o mecanismo para ligar os eventos do lado do cliente com o servidor por vezes era </a:t>
-            </a:r>
-            <a:r>
-              <a:rPr lang="pt-PT" dirty="0" smtClean="0"/>
-              <a:t>complicado,</a:t>
-            </a:r>
-          </a:p>
-          <a:p>
-            <a:endParaRPr lang="pt-PT" dirty="0" smtClean="0"/>
-          </a:p>
-          <a:p>
-            <a:r>
-              <a:rPr lang="pt-PT" dirty="0" smtClean="0"/>
-              <a:t>dificuldade em automatizar </a:t>
-            </a:r>
-            <a:r>
-              <a:rPr lang="pt-PT" dirty="0" smtClean="0"/>
-              <a:t>testes,</a:t>
+              <a:t>dificuldade em automatizar testes,</a:t>
             </a:r>
           </a:p>
           <a:p>
@@ -10889,7 +10140,6 @@
               <a:rPr lang="pt-PT" dirty="0" smtClean="0"/>
               <a:t>ajuda na separação das camadas lógicas o que facilita o trabalho de equipa</a:t>
             </a:r>
-            <a:endParaRPr lang="pt-PT" dirty="0" smtClean="0"/>
           </a:p>
           <a:p>
             <a:endParaRPr lang="pt-PT" dirty="0" smtClean="0"/>
